--- a/mixed_model_structures.pptx
+++ b/mixed_model_structures.pptx
@@ -6,9 +6,12 @@
   </p:sldMasterIdLst>
   <p:sldIdLst>
     <p:sldId id="257" r:id="rId2"/>
-    <p:sldId id="256" r:id="rId3"/>
-    <p:sldId id="258" r:id="rId4"/>
-    <p:sldId id="259" r:id="rId5"/>
+    <p:sldId id="262" r:id="rId3"/>
+    <p:sldId id="256" r:id="rId4"/>
+    <p:sldId id="258" r:id="rId5"/>
+    <p:sldId id="259" r:id="rId6"/>
+    <p:sldId id="260" r:id="rId7"/>
+    <p:sldId id="261" r:id="rId8"/>
   </p:sldIdLst>
   <p:sldSz cx="12192000" cy="6858000"/>
   <p:notesSz cx="6858000" cy="9144000"/>
@@ -2996,117 +2999,201 @@
           </a:p>
           <a:p>
             <a:r>
-              <a:rPr lang="en-GB" dirty="0" smtClean="0"/>
+              <a:rPr lang="en-GB" dirty="0" smtClean="0">
+                <a:solidFill>
+                  <a:schemeClr val="accent1"/>
+                </a:solidFill>
+              </a:rPr>
               <a:t>Total population</a:t>
             </a:r>
           </a:p>
           <a:p>
             <a:r>
-              <a:rPr lang="en-GB" dirty="0" smtClean="0"/>
+              <a:rPr lang="en-GB" dirty="0" smtClean="0">
+                <a:solidFill>
+                  <a:schemeClr val="accent1"/>
+                </a:solidFill>
+              </a:rPr>
               <a:t>Proportion indigenous</a:t>
             </a:r>
           </a:p>
           <a:p>
             <a:r>
-              <a:rPr lang="en-GB" dirty="0" smtClean="0"/>
+              <a:rPr lang="en-GB" dirty="0" smtClean="0">
+                <a:solidFill>
+                  <a:schemeClr val="accent1"/>
+                </a:solidFill>
+              </a:rPr>
               <a:t>Population density </a:t>
             </a:r>
           </a:p>
           <a:p>
             <a:r>
-              <a:rPr lang="en-GB" dirty="0" smtClean="0"/>
+              <a:rPr lang="en-GB" dirty="0" smtClean="0">
+                <a:solidFill>
+                  <a:schemeClr val="accent2"/>
+                </a:solidFill>
+              </a:rPr>
               <a:t>Males in school</a:t>
             </a:r>
           </a:p>
           <a:p>
             <a:r>
-              <a:rPr lang="en-GB" dirty="0" smtClean="0"/>
+              <a:rPr lang="en-GB" dirty="0" smtClean="0">
+                <a:solidFill>
+                  <a:schemeClr val="accent4"/>
+                </a:solidFill>
+              </a:rPr>
               <a:t>Proportion primary sector</a:t>
             </a:r>
           </a:p>
           <a:p>
             <a:r>
-              <a:rPr lang="en-GB" dirty="0" smtClean="0"/>
+              <a:rPr lang="en-GB" dirty="0" smtClean="0">
+                <a:solidFill>
+                  <a:schemeClr val="accent4"/>
+                </a:solidFill>
+              </a:rPr>
               <a:t>Proportion secondary sector</a:t>
             </a:r>
           </a:p>
           <a:p>
             <a:r>
-              <a:rPr lang="en-GB" dirty="0" smtClean="0"/>
+              <a:rPr lang="en-GB" dirty="0" smtClean="0">
+                <a:solidFill>
+                  <a:srgbClr val="92D050"/>
+                </a:solidFill>
+              </a:rPr>
               <a:t>Proportion no rice land</a:t>
             </a:r>
           </a:p>
           <a:p>
             <a:r>
-              <a:rPr lang="en-GB" dirty="0" smtClean="0"/>
+              <a:rPr lang="en-GB" dirty="0" smtClean="0">
+                <a:solidFill>
+                  <a:srgbClr val="92D050"/>
+                </a:solidFill>
+              </a:rPr>
               <a:t>Proportion pigs</a:t>
             </a:r>
           </a:p>
           <a:p>
             <a:r>
-              <a:rPr lang="en-GB" dirty="0" smtClean="0"/>
+              <a:rPr lang="en-GB" dirty="0" smtClean="0">
+                <a:solidFill>
+                  <a:srgbClr val="7030A0"/>
+                </a:solidFill>
+              </a:rPr>
               <a:t>Distance to school</a:t>
             </a:r>
           </a:p>
           <a:p>
             <a:r>
-              <a:rPr lang="en-GB" dirty="0" smtClean="0"/>
+              <a:rPr lang="en-GB" dirty="0" smtClean="0">
+                <a:solidFill>
+                  <a:srgbClr val="7030A0"/>
+                </a:solidFill>
+              </a:rPr>
               <a:t>Access to rubbish collection</a:t>
             </a:r>
           </a:p>
           <a:p>
             <a:r>
-              <a:rPr lang="en-GB" dirty="0" smtClean="0"/>
+              <a:rPr lang="en-GB" dirty="0" smtClean="0">
+                <a:solidFill>
+                  <a:srgbClr val="7030A0"/>
+                </a:solidFill>
+              </a:rPr>
               <a:t>Distance to Commune office</a:t>
             </a:r>
           </a:p>
           <a:p>
             <a:r>
-              <a:rPr lang="en-GB" dirty="0" smtClean="0"/>
+              <a:rPr lang="en-GB" dirty="0" smtClean="0">
+                <a:solidFill>
+                  <a:srgbClr val="0070C0"/>
+                </a:solidFill>
+              </a:rPr>
               <a:t>Number of land conflicts</a:t>
             </a:r>
           </a:p>
           <a:p>
             <a:r>
-              <a:rPr lang="en-GB" dirty="0" smtClean="0"/>
+              <a:rPr lang="en-GB" dirty="0" smtClean="0">
+                <a:solidFill>
+                  <a:srgbClr val="0070C0"/>
+                </a:solidFill>
+              </a:rPr>
               <a:t>Criminal cases per capita</a:t>
             </a:r>
           </a:p>
           <a:p>
             <a:r>
-              <a:rPr lang="en-GB" dirty="0" smtClean="0"/>
+              <a:rPr lang="en-GB" dirty="0" smtClean="0">
+                <a:solidFill>
+                  <a:schemeClr val="accent4">
+                    <a:lumMod val="75000"/>
+                  </a:schemeClr>
+                </a:solidFill>
+              </a:rPr>
               <a:t>In-migration</a:t>
             </a:r>
           </a:p>
           <a:p>
             <a:r>
-              <a:rPr lang="en-GB" dirty="0" smtClean="0"/>
+              <a:rPr lang="en-GB" dirty="0" smtClean="0">
+                <a:solidFill>
+                  <a:schemeClr val="accent4">
+                    <a:lumMod val="75000"/>
+                  </a:schemeClr>
+                </a:solidFill>
+              </a:rPr>
               <a:t>Out-migration</a:t>
             </a:r>
           </a:p>
           <a:p>
             <a:r>
-              <a:rPr lang="en-GB" dirty="0" smtClean="0"/>
+              <a:rPr lang="en-GB" dirty="0" smtClean="0">
+                <a:solidFill>
+                  <a:srgbClr val="FF0000"/>
+                </a:solidFill>
+              </a:rPr>
               <a:t>Elevation</a:t>
             </a:r>
           </a:p>
           <a:p>
             <a:r>
-              <a:rPr lang="en-GB" dirty="0" smtClean="0"/>
+              <a:rPr lang="en-GB" dirty="0" smtClean="0">
+                <a:solidFill>
+                  <a:srgbClr val="FF0000"/>
+                </a:solidFill>
+              </a:rPr>
               <a:t>Distance to </a:t>
             </a:r>
             <a:r>
-              <a:rPr lang="en-GB" dirty="0" err="1" smtClean="0"/>
+              <a:rPr lang="en-GB" dirty="0" err="1" smtClean="0">
+                <a:solidFill>
+                  <a:srgbClr val="FF0000"/>
+                </a:solidFill>
+              </a:rPr>
               <a:t>intl</a:t>
             </a:r>
             <a:r>
-              <a:rPr lang="en-GB" dirty="0" smtClean="0"/>
+              <a:rPr lang="en-GB" dirty="0" smtClean="0">
+                <a:solidFill>
+                  <a:srgbClr val="FF0000"/>
+                </a:solidFill>
+              </a:rPr>
               <a:t> border</a:t>
             </a:r>
           </a:p>
           <a:p>
             <a:r>
-              <a:rPr lang="en-GB" dirty="0" smtClean="0"/>
+              <a:rPr lang="en-GB" dirty="0" smtClean="0">
+                <a:solidFill>
+                  <a:srgbClr val="FF0000"/>
+                </a:solidFill>
+              </a:rPr>
               <a:t>Distance to provincial capital</a:t>
             </a:r>
           </a:p>
@@ -3158,39 +3245,35 @@
             </a:r>
           </a:p>
           <a:p>
-            <a:endParaRPr lang="en-GB" sz="1600" dirty="0" smtClean="0"/>
+            <a:endParaRPr lang="en-GB" sz="1600" dirty="0"/>
           </a:p>
           <a:p>
             <a:r>
               <a:rPr lang="en-GB" sz="1600" dirty="0" smtClean="0"/>
-              <a:t>Habitat (commune nested? A commune can’t be found in more than one habitat type)</a:t>
-            </a:r>
-          </a:p>
-          <a:p>
-            <a:endParaRPr lang="en-GB" sz="1600" dirty="0" smtClean="0"/>
+              <a:t>Year – random slope with province/commune random intercept </a:t>
+            </a:r>
           </a:p>
           <a:p>
             <a:r>
               <a:rPr lang="en-GB" sz="1600" dirty="0" smtClean="0"/>
-              <a:t>Protected area (commune nested? A commune either has 1 or 0)</a:t>
-            </a:r>
-          </a:p>
-          <a:p>
-            <a:endParaRPr lang="en-GB" sz="1600" dirty="0" smtClean="0"/>
-          </a:p>
-          <a:p>
+              <a:t>(</a:t>
+            </a:r>
+            <a:r>
+              <a:rPr lang="en-GB" sz="1600" dirty="0" err="1" smtClean="0"/>
+              <a:t>year|province</a:t>
+            </a:r>
             <a:r>
               <a:rPr lang="en-GB" sz="1600" dirty="0" smtClean="0"/>
-              <a:t>Protected area category (commune nested? A commune can only have 1 level of this factor)</a:t>
-            </a:r>
-          </a:p>
-          <a:p>
-            <a:endParaRPr lang="en-GB" sz="1600" dirty="0" smtClean="0"/>
+              <a:t>/commune)</a:t>
+            </a:r>
+          </a:p>
+          <a:p>
+            <a:endParaRPr lang="en-GB" sz="1600" dirty="0"/>
           </a:p>
           <a:p>
             <a:r>
               <a:rPr lang="en-GB" sz="1600" dirty="0" smtClean="0"/>
-              <a:t>Economic land concession (Commune nested? Commune either has 1 or 0)</a:t>
+              <a:t>Because there is so litter forest cover change over time, we want a very simple test to see if there is an obvious relationship between each predictor and forest cover change. So:</a:t>
             </a:r>
           </a:p>
           <a:p>
@@ -3199,9 +3282,59 @@
           <a:p>
             <a:r>
               <a:rPr lang="en-GB" sz="1600" dirty="0" smtClean="0"/>
-              <a:t>Year (crossed – all communes and all the above are found in each year)</a:t>
+              <a:t>New variable = Has forest cover changed over the years 0/1 </a:t>
+            </a:r>
+          </a:p>
+          <a:p>
+            <a:r>
+              <a:rPr lang="en-GB" sz="1600" dirty="0" smtClean="0"/>
+              <a:t>Summarise the socioeconomic </a:t>
+            </a:r>
+            <a:r>
+              <a:rPr lang="en-GB" sz="1600" dirty="0" err="1" smtClean="0"/>
+              <a:t>vars</a:t>
+            </a:r>
+            <a:r>
+              <a:rPr lang="en-GB" sz="1600" dirty="0" smtClean="0"/>
+              <a:t> – mean/mean</a:t>
+            </a:r>
+          </a:p>
+          <a:p>
+            <a:r>
+              <a:rPr lang="en-GB" sz="1600" dirty="0" smtClean="0"/>
+              <a:t>Simple test </a:t>
             </a:r>
             <a:endParaRPr lang="en-GB" sz="1600" dirty="0"/>
+          </a:p>
+        </p:txBody>
+      </p:sp>
+      <p:sp>
+        <p:nvSpPr>
+          <p:cNvPr id="4" name="TextBox 3"/>
+          <p:cNvSpPr txBox="1"/>
+          <p:nvPr/>
+        </p:nvSpPr>
+        <p:spPr>
+          <a:xfrm>
+            <a:off x="631065" y="6032310"/>
+            <a:ext cx="2739548" cy="369332"/>
+          </a:xfrm>
+          <a:prstGeom prst="rect">
+            <a:avLst/>
+          </a:prstGeom>
+          <a:noFill/>
+        </p:spPr>
+        <p:txBody>
+          <a:bodyPr wrap="square" rtlCol="0">
+            <a:spAutoFit/>
+          </a:bodyPr>
+          <a:lstStyle/>
+          <a:p>
+            <a:r>
+              <a:rPr lang="en-GB" dirty="0" smtClean="0"/>
+              <a:t>Colours represent “sets”</a:t>
+            </a:r>
+            <a:endParaRPr lang="en-GB" dirty="0"/>
           </a:p>
         </p:txBody>
       </p:sp>
@@ -3237,54 +3370,14 @@
       </p:grpSpPr>
       <p:sp>
         <p:nvSpPr>
-          <p:cNvPr id="4" name="Rectangle 3"/>
-          <p:cNvSpPr/>
-          <p:nvPr/>
-        </p:nvSpPr>
-        <p:spPr>
-          <a:xfrm>
-            <a:off x="9684912" y="528033"/>
-            <a:ext cx="373488" cy="283335"/>
-          </a:xfrm>
-          <a:prstGeom prst="rect">
-            <a:avLst/>
-          </a:prstGeom>
-        </p:spPr>
-        <p:style>
-          <a:lnRef idx="2">
-            <a:schemeClr val="accent1">
-              <a:shade val="50000"/>
-            </a:schemeClr>
-          </a:lnRef>
-          <a:fillRef idx="1">
-            <a:schemeClr val="accent1"/>
-          </a:fillRef>
-          <a:effectRef idx="0">
-            <a:schemeClr val="accent1"/>
-          </a:effectRef>
-          <a:fontRef idx="minor">
-            <a:schemeClr val="lt1"/>
-          </a:fontRef>
-        </p:style>
-        <p:txBody>
-          <a:bodyPr rtlCol="0" anchor="ctr"/>
-          <a:lstStyle/>
-          <a:p>
-            <a:pPr algn="ctr"/>
-            <a:endParaRPr lang="en-GB"/>
-          </a:p>
-        </p:txBody>
-      </p:sp>
-      <p:sp>
-        <p:nvSpPr>
-          <p:cNvPr id="5" name="TextBox 4"/>
+          <p:cNvPr id="4" name="TextBox 3"/>
           <p:cNvSpPr txBox="1"/>
           <p:nvPr/>
         </p:nvSpPr>
         <p:spPr>
           <a:xfrm>
-            <a:off x="9324304" y="0"/>
-            <a:ext cx="1249251" cy="369332"/>
+            <a:off x="777922" y="614149"/>
+            <a:ext cx="6537278" cy="646331"/>
           </a:xfrm>
           <a:prstGeom prst="rect">
             <a:avLst/>
@@ -3299,3208 +3392,34 @@
           <a:p>
             <a:r>
               <a:rPr lang="en-GB" dirty="0" smtClean="0"/>
-              <a:t>communes</a:t>
+              <a:t>Make sure ALL communes have unique names</a:t>
+            </a:r>
+          </a:p>
+          <a:p>
+            <a:r>
+              <a:rPr lang="en-GB" dirty="0" err="1" smtClean="0"/>
+              <a:t>Concanentate</a:t>
+            </a:r>
+            <a:r>
+              <a:rPr lang="en-GB" dirty="0" smtClean="0"/>
+              <a:t> </a:t>
+            </a:r>
+            <a:r>
+              <a:rPr lang="en-GB" dirty="0" err="1" smtClean="0"/>
+              <a:t>province_commune</a:t>
+            </a:r>
+            <a:r>
+              <a:rPr lang="en-GB" dirty="0" smtClean="0"/>
+              <a:t> and use instead of commune</a:t>
             </a:r>
             <a:endParaRPr lang="en-GB" dirty="0"/>
-          </a:p>
-        </p:txBody>
-      </p:sp>
-      <p:sp>
-        <p:nvSpPr>
-          <p:cNvPr id="6" name="Rectangle 5"/>
-          <p:cNvSpPr/>
-          <p:nvPr/>
-        </p:nvSpPr>
-        <p:spPr>
-          <a:xfrm>
-            <a:off x="9695643" y="950892"/>
-            <a:ext cx="373488" cy="283335"/>
-          </a:xfrm>
-          <a:prstGeom prst="rect">
-            <a:avLst/>
-          </a:prstGeom>
-        </p:spPr>
-        <p:style>
-          <a:lnRef idx="2">
-            <a:schemeClr val="accent1">
-              <a:shade val="50000"/>
-            </a:schemeClr>
-          </a:lnRef>
-          <a:fillRef idx="1">
-            <a:schemeClr val="accent1"/>
-          </a:fillRef>
-          <a:effectRef idx="0">
-            <a:schemeClr val="accent1"/>
-          </a:effectRef>
-          <a:fontRef idx="minor">
-            <a:schemeClr val="lt1"/>
-          </a:fontRef>
-        </p:style>
-        <p:txBody>
-          <a:bodyPr rtlCol="0" anchor="ctr"/>
-          <a:lstStyle/>
-          <a:p>
-            <a:pPr algn="ctr"/>
-            <a:endParaRPr lang="en-GB"/>
-          </a:p>
-        </p:txBody>
-      </p:sp>
-      <p:sp>
-        <p:nvSpPr>
-          <p:cNvPr id="7" name="Rectangle 6"/>
-          <p:cNvSpPr/>
-          <p:nvPr/>
-        </p:nvSpPr>
-        <p:spPr>
-          <a:xfrm>
-            <a:off x="9693495" y="1360872"/>
-            <a:ext cx="373488" cy="283335"/>
-          </a:xfrm>
-          <a:prstGeom prst="rect">
-            <a:avLst/>
-          </a:prstGeom>
-        </p:spPr>
-        <p:style>
-          <a:lnRef idx="2">
-            <a:schemeClr val="accent1">
-              <a:shade val="50000"/>
-            </a:schemeClr>
-          </a:lnRef>
-          <a:fillRef idx="1">
-            <a:schemeClr val="accent1"/>
-          </a:fillRef>
-          <a:effectRef idx="0">
-            <a:schemeClr val="accent1"/>
-          </a:effectRef>
-          <a:fontRef idx="minor">
-            <a:schemeClr val="lt1"/>
-          </a:fontRef>
-        </p:style>
-        <p:txBody>
-          <a:bodyPr rtlCol="0" anchor="ctr"/>
-          <a:lstStyle/>
-          <a:p>
-            <a:pPr algn="ctr"/>
-            <a:endParaRPr lang="en-GB"/>
-          </a:p>
-        </p:txBody>
-      </p:sp>
-      <p:sp>
-        <p:nvSpPr>
-          <p:cNvPr id="8" name="Rectangle 7"/>
-          <p:cNvSpPr/>
-          <p:nvPr/>
-        </p:nvSpPr>
-        <p:spPr>
-          <a:xfrm>
-            <a:off x="9695643" y="1839530"/>
-            <a:ext cx="373488" cy="283335"/>
-          </a:xfrm>
-          <a:prstGeom prst="rect">
-            <a:avLst/>
-          </a:prstGeom>
-        </p:spPr>
-        <p:style>
-          <a:lnRef idx="2">
-            <a:schemeClr val="accent1">
-              <a:shade val="50000"/>
-            </a:schemeClr>
-          </a:lnRef>
-          <a:fillRef idx="1">
-            <a:schemeClr val="accent1"/>
-          </a:fillRef>
-          <a:effectRef idx="0">
-            <a:schemeClr val="accent1"/>
-          </a:effectRef>
-          <a:fontRef idx="minor">
-            <a:schemeClr val="lt1"/>
-          </a:fontRef>
-        </p:style>
-        <p:txBody>
-          <a:bodyPr rtlCol="0" anchor="ctr"/>
-          <a:lstStyle/>
-          <a:p>
-            <a:pPr algn="ctr"/>
-            <a:endParaRPr lang="en-GB"/>
-          </a:p>
-        </p:txBody>
-      </p:sp>
-      <p:sp>
-        <p:nvSpPr>
-          <p:cNvPr id="9" name="Rectangle 8"/>
-          <p:cNvSpPr/>
-          <p:nvPr/>
-        </p:nvSpPr>
-        <p:spPr>
-          <a:xfrm>
-            <a:off x="9706374" y="2262389"/>
-            <a:ext cx="373488" cy="283335"/>
-          </a:xfrm>
-          <a:prstGeom prst="rect">
-            <a:avLst/>
-          </a:prstGeom>
-        </p:spPr>
-        <p:style>
-          <a:lnRef idx="2">
-            <a:schemeClr val="accent1">
-              <a:shade val="50000"/>
-            </a:schemeClr>
-          </a:lnRef>
-          <a:fillRef idx="1">
-            <a:schemeClr val="accent1"/>
-          </a:fillRef>
-          <a:effectRef idx="0">
-            <a:schemeClr val="accent1"/>
-          </a:effectRef>
-          <a:fontRef idx="minor">
-            <a:schemeClr val="lt1"/>
-          </a:fontRef>
-        </p:style>
-        <p:txBody>
-          <a:bodyPr rtlCol="0" anchor="ctr"/>
-          <a:lstStyle/>
-          <a:p>
-            <a:pPr algn="ctr"/>
-            <a:endParaRPr lang="en-GB"/>
-          </a:p>
-        </p:txBody>
-      </p:sp>
-      <p:sp>
-        <p:nvSpPr>
-          <p:cNvPr id="10" name="Rectangle 9"/>
-          <p:cNvSpPr/>
-          <p:nvPr/>
-        </p:nvSpPr>
-        <p:spPr>
-          <a:xfrm>
-            <a:off x="9717105" y="2672369"/>
-            <a:ext cx="373488" cy="283335"/>
-          </a:xfrm>
-          <a:prstGeom prst="rect">
-            <a:avLst/>
-          </a:prstGeom>
-        </p:spPr>
-        <p:style>
-          <a:lnRef idx="2">
-            <a:schemeClr val="accent1">
-              <a:shade val="50000"/>
-            </a:schemeClr>
-          </a:lnRef>
-          <a:fillRef idx="1">
-            <a:schemeClr val="accent1"/>
-          </a:fillRef>
-          <a:effectRef idx="0">
-            <a:schemeClr val="accent1"/>
-          </a:effectRef>
-          <a:fontRef idx="minor">
-            <a:schemeClr val="lt1"/>
-          </a:fontRef>
-        </p:style>
-        <p:txBody>
-          <a:bodyPr rtlCol="0" anchor="ctr"/>
-          <a:lstStyle/>
-          <a:p>
-            <a:pPr algn="ctr"/>
-            <a:endParaRPr lang="en-GB"/>
-          </a:p>
-        </p:txBody>
-      </p:sp>
-      <p:sp>
-        <p:nvSpPr>
-          <p:cNvPr id="11" name="Rectangle 10"/>
-          <p:cNvSpPr/>
-          <p:nvPr/>
-        </p:nvSpPr>
-        <p:spPr>
-          <a:xfrm>
-            <a:off x="9706374" y="3086636"/>
-            <a:ext cx="373488" cy="283335"/>
-          </a:xfrm>
-          <a:prstGeom prst="rect">
-            <a:avLst/>
-          </a:prstGeom>
-        </p:spPr>
-        <p:style>
-          <a:lnRef idx="2">
-            <a:schemeClr val="accent1">
-              <a:shade val="50000"/>
-            </a:schemeClr>
-          </a:lnRef>
-          <a:fillRef idx="1">
-            <a:schemeClr val="accent1"/>
-          </a:fillRef>
-          <a:effectRef idx="0">
-            <a:schemeClr val="accent1"/>
-          </a:effectRef>
-          <a:fontRef idx="minor">
-            <a:schemeClr val="lt1"/>
-          </a:fontRef>
-        </p:style>
-        <p:txBody>
-          <a:bodyPr rtlCol="0" anchor="ctr"/>
-          <a:lstStyle/>
-          <a:p>
-            <a:pPr algn="ctr"/>
-            <a:endParaRPr lang="en-GB"/>
-          </a:p>
-        </p:txBody>
-      </p:sp>
-      <p:sp>
-        <p:nvSpPr>
-          <p:cNvPr id="12" name="Rectangle 11"/>
-          <p:cNvSpPr/>
-          <p:nvPr/>
-        </p:nvSpPr>
-        <p:spPr>
-          <a:xfrm>
-            <a:off x="9717105" y="3509495"/>
-            <a:ext cx="373488" cy="283335"/>
-          </a:xfrm>
-          <a:prstGeom prst="rect">
-            <a:avLst/>
-          </a:prstGeom>
-        </p:spPr>
-        <p:style>
-          <a:lnRef idx="2">
-            <a:schemeClr val="accent1">
-              <a:shade val="50000"/>
-            </a:schemeClr>
-          </a:lnRef>
-          <a:fillRef idx="1">
-            <a:schemeClr val="accent1"/>
-          </a:fillRef>
-          <a:effectRef idx="0">
-            <a:schemeClr val="accent1"/>
-          </a:effectRef>
-          <a:fontRef idx="minor">
-            <a:schemeClr val="lt1"/>
-          </a:fontRef>
-        </p:style>
-        <p:txBody>
-          <a:bodyPr rtlCol="0" anchor="ctr"/>
-          <a:lstStyle/>
-          <a:p>
-            <a:pPr algn="ctr"/>
-            <a:endParaRPr lang="en-GB"/>
-          </a:p>
-        </p:txBody>
-      </p:sp>
-      <p:sp>
-        <p:nvSpPr>
-          <p:cNvPr id="13" name="Rectangle 12"/>
-          <p:cNvSpPr/>
-          <p:nvPr/>
-        </p:nvSpPr>
-        <p:spPr>
-          <a:xfrm>
-            <a:off x="9714957" y="3945233"/>
-            <a:ext cx="373488" cy="283335"/>
-          </a:xfrm>
-          <a:prstGeom prst="rect">
-            <a:avLst/>
-          </a:prstGeom>
-        </p:spPr>
-        <p:style>
-          <a:lnRef idx="2">
-            <a:schemeClr val="accent1">
-              <a:shade val="50000"/>
-            </a:schemeClr>
-          </a:lnRef>
-          <a:fillRef idx="1">
-            <a:schemeClr val="accent1"/>
-          </a:fillRef>
-          <a:effectRef idx="0">
-            <a:schemeClr val="accent1"/>
-          </a:effectRef>
-          <a:fontRef idx="minor">
-            <a:schemeClr val="lt1"/>
-          </a:fontRef>
-        </p:style>
-        <p:txBody>
-          <a:bodyPr rtlCol="0" anchor="ctr"/>
-          <a:lstStyle/>
-          <a:p>
-            <a:pPr algn="ctr"/>
-            <a:endParaRPr lang="en-GB"/>
-          </a:p>
-        </p:txBody>
-      </p:sp>
-      <p:sp>
-        <p:nvSpPr>
-          <p:cNvPr id="14" name="Rectangle 13"/>
-          <p:cNvSpPr/>
-          <p:nvPr/>
-        </p:nvSpPr>
-        <p:spPr>
-          <a:xfrm>
-            <a:off x="9717105" y="4333742"/>
-            <a:ext cx="373488" cy="283335"/>
-          </a:xfrm>
-          <a:prstGeom prst="rect">
-            <a:avLst/>
-          </a:prstGeom>
-        </p:spPr>
-        <p:style>
-          <a:lnRef idx="2">
-            <a:schemeClr val="accent1">
-              <a:shade val="50000"/>
-            </a:schemeClr>
-          </a:lnRef>
-          <a:fillRef idx="1">
-            <a:schemeClr val="accent1"/>
-          </a:fillRef>
-          <a:effectRef idx="0">
-            <a:schemeClr val="accent1"/>
-          </a:effectRef>
-          <a:fontRef idx="minor">
-            <a:schemeClr val="lt1"/>
-          </a:fontRef>
-        </p:style>
-        <p:txBody>
-          <a:bodyPr rtlCol="0" anchor="ctr"/>
-          <a:lstStyle/>
-          <a:p>
-            <a:pPr algn="ctr"/>
-            <a:endParaRPr lang="en-GB"/>
-          </a:p>
-        </p:txBody>
-      </p:sp>
-      <p:sp>
-        <p:nvSpPr>
-          <p:cNvPr id="15" name="Rectangle 14"/>
-          <p:cNvSpPr/>
-          <p:nvPr/>
-        </p:nvSpPr>
-        <p:spPr>
-          <a:xfrm>
-            <a:off x="9727836" y="4743722"/>
-            <a:ext cx="373488" cy="283335"/>
-          </a:xfrm>
-          <a:prstGeom prst="rect">
-            <a:avLst/>
-          </a:prstGeom>
-        </p:spPr>
-        <p:style>
-          <a:lnRef idx="2">
-            <a:schemeClr val="accent1">
-              <a:shade val="50000"/>
-            </a:schemeClr>
-          </a:lnRef>
-          <a:fillRef idx="1">
-            <a:schemeClr val="accent1"/>
-          </a:fillRef>
-          <a:effectRef idx="0">
-            <a:schemeClr val="accent1"/>
-          </a:effectRef>
-          <a:fontRef idx="minor">
-            <a:schemeClr val="lt1"/>
-          </a:fontRef>
-        </p:style>
-        <p:txBody>
-          <a:bodyPr rtlCol="0" anchor="ctr"/>
-          <a:lstStyle/>
-          <a:p>
-            <a:pPr algn="ctr"/>
-            <a:endParaRPr lang="en-GB"/>
-          </a:p>
-        </p:txBody>
-      </p:sp>
-      <p:sp>
-        <p:nvSpPr>
-          <p:cNvPr id="16" name="Rectangle 15"/>
-          <p:cNvSpPr/>
-          <p:nvPr/>
-        </p:nvSpPr>
-        <p:spPr>
-          <a:xfrm>
-            <a:off x="9717105" y="5157989"/>
-            <a:ext cx="373488" cy="283335"/>
-          </a:xfrm>
-          <a:prstGeom prst="rect">
-            <a:avLst/>
-          </a:prstGeom>
-        </p:spPr>
-        <p:style>
-          <a:lnRef idx="2">
-            <a:schemeClr val="accent1">
-              <a:shade val="50000"/>
-            </a:schemeClr>
-          </a:lnRef>
-          <a:fillRef idx="1">
-            <a:schemeClr val="accent1"/>
-          </a:fillRef>
-          <a:effectRef idx="0">
-            <a:schemeClr val="accent1"/>
-          </a:effectRef>
-          <a:fontRef idx="minor">
-            <a:schemeClr val="lt1"/>
-          </a:fontRef>
-        </p:style>
-        <p:txBody>
-          <a:bodyPr rtlCol="0" anchor="ctr"/>
-          <a:lstStyle/>
-          <a:p>
-            <a:pPr algn="ctr"/>
-            <a:endParaRPr lang="en-GB"/>
-          </a:p>
-        </p:txBody>
-      </p:sp>
-      <p:sp>
-        <p:nvSpPr>
-          <p:cNvPr id="17" name="Rectangle 16"/>
-          <p:cNvSpPr/>
-          <p:nvPr/>
-        </p:nvSpPr>
-        <p:spPr>
-          <a:xfrm>
-            <a:off x="9727836" y="5580848"/>
-            <a:ext cx="373488" cy="283335"/>
-          </a:xfrm>
-          <a:prstGeom prst="rect">
-            <a:avLst/>
-          </a:prstGeom>
-        </p:spPr>
-        <p:style>
-          <a:lnRef idx="2">
-            <a:schemeClr val="accent1">
-              <a:shade val="50000"/>
-            </a:schemeClr>
-          </a:lnRef>
-          <a:fillRef idx="1">
-            <a:schemeClr val="accent1"/>
-          </a:fillRef>
-          <a:effectRef idx="0">
-            <a:schemeClr val="accent1"/>
-          </a:effectRef>
-          <a:fontRef idx="minor">
-            <a:schemeClr val="lt1"/>
-          </a:fontRef>
-        </p:style>
-        <p:txBody>
-          <a:bodyPr rtlCol="0" anchor="ctr"/>
-          <a:lstStyle/>
-          <a:p>
-            <a:pPr algn="ctr"/>
-            <a:endParaRPr lang="en-GB"/>
-          </a:p>
-        </p:txBody>
-      </p:sp>
-      <p:sp>
-        <p:nvSpPr>
-          <p:cNvPr id="18" name="Rectangle 17"/>
-          <p:cNvSpPr/>
-          <p:nvPr/>
-        </p:nvSpPr>
-        <p:spPr>
-          <a:xfrm>
-            <a:off x="9725688" y="6016586"/>
-            <a:ext cx="373488" cy="283335"/>
-          </a:xfrm>
-          <a:prstGeom prst="rect">
-            <a:avLst/>
-          </a:prstGeom>
-        </p:spPr>
-        <p:style>
-          <a:lnRef idx="2">
-            <a:schemeClr val="accent1">
-              <a:shade val="50000"/>
-            </a:schemeClr>
-          </a:lnRef>
-          <a:fillRef idx="1">
-            <a:schemeClr val="accent1"/>
-          </a:fillRef>
-          <a:effectRef idx="0">
-            <a:schemeClr val="accent1"/>
-          </a:effectRef>
-          <a:fontRef idx="minor">
-            <a:schemeClr val="lt1"/>
-          </a:fontRef>
-        </p:style>
-        <p:txBody>
-          <a:bodyPr rtlCol="0" anchor="ctr"/>
-          <a:lstStyle/>
-          <a:p>
-            <a:pPr algn="ctr"/>
-            <a:endParaRPr lang="en-GB"/>
-          </a:p>
-        </p:txBody>
-      </p:sp>
-      <p:sp>
-        <p:nvSpPr>
-          <p:cNvPr id="19" name="TextBox 18"/>
-          <p:cNvSpPr txBox="1"/>
-          <p:nvPr/>
-        </p:nvSpPr>
-        <p:spPr>
-          <a:xfrm>
-            <a:off x="10959922" y="3186329"/>
-            <a:ext cx="811369" cy="646331"/>
-          </a:xfrm>
-          <a:prstGeom prst="rect">
-            <a:avLst/>
-          </a:prstGeom>
-          <a:noFill/>
-        </p:spPr>
-        <p:txBody>
-          <a:bodyPr wrap="square" rtlCol="0">
-            <a:spAutoFit/>
-          </a:bodyPr>
-          <a:lstStyle/>
-          <a:p>
-            <a:r>
-              <a:rPr lang="en-GB" dirty="0" smtClean="0"/>
-              <a:t>Forest pixels</a:t>
-            </a:r>
-            <a:endParaRPr lang="en-GB" dirty="0"/>
-          </a:p>
-        </p:txBody>
-      </p:sp>
-      <p:sp>
-        <p:nvSpPr>
-          <p:cNvPr id="20" name="TextBox 19"/>
-          <p:cNvSpPr txBox="1"/>
-          <p:nvPr/>
-        </p:nvSpPr>
-        <p:spPr>
-          <a:xfrm>
-            <a:off x="10831133" y="-1"/>
-            <a:ext cx="1249251" cy="369332"/>
-          </a:xfrm>
-          <a:prstGeom prst="rect">
-            <a:avLst/>
-          </a:prstGeom>
-          <a:noFill/>
-        </p:spPr>
-        <p:txBody>
-          <a:bodyPr wrap="square" rtlCol="0">
-            <a:spAutoFit/>
-          </a:bodyPr>
-          <a:lstStyle/>
-          <a:p>
-            <a:r>
-              <a:rPr lang="en-GB" dirty="0" smtClean="0"/>
-              <a:t>response</a:t>
-            </a:r>
-            <a:endParaRPr lang="en-GB" dirty="0"/>
-          </a:p>
-        </p:txBody>
-      </p:sp>
-      <p:cxnSp>
-        <p:nvCxnSpPr>
-          <p:cNvPr id="22" name="Straight Connector 21"/>
-          <p:cNvCxnSpPr>
-            <a:stCxn id="4" idx="3"/>
-            <a:endCxn id="19" idx="1"/>
-          </p:cNvCxnSpPr>
-          <p:nvPr/>
-        </p:nvCxnSpPr>
-        <p:spPr>
-          <a:xfrm>
-            <a:off x="10058400" y="669701"/>
-            <a:ext cx="901522" cy="2839794"/>
-          </a:xfrm>
-          <a:prstGeom prst="line">
-            <a:avLst/>
-          </a:prstGeom>
-        </p:spPr>
-        <p:style>
-          <a:lnRef idx="1">
-            <a:schemeClr val="accent1"/>
-          </a:lnRef>
-          <a:fillRef idx="0">
-            <a:schemeClr val="accent1"/>
-          </a:fillRef>
-          <a:effectRef idx="0">
-            <a:schemeClr val="accent1"/>
-          </a:effectRef>
-          <a:fontRef idx="minor">
-            <a:schemeClr val="tx1"/>
-          </a:fontRef>
-        </p:style>
-      </p:cxnSp>
-      <p:cxnSp>
-        <p:nvCxnSpPr>
-          <p:cNvPr id="23" name="Straight Connector 22"/>
-          <p:cNvCxnSpPr>
-            <a:stCxn id="6" idx="3"/>
-            <a:endCxn id="19" idx="1"/>
-          </p:cNvCxnSpPr>
-          <p:nvPr/>
-        </p:nvCxnSpPr>
-        <p:spPr>
-          <a:xfrm>
-            <a:off x="10069131" y="1092560"/>
-            <a:ext cx="890791" cy="2416935"/>
-          </a:xfrm>
-          <a:prstGeom prst="line">
-            <a:avLst/>
-          </a:prstGeom>
-        </p:spPr>
-        <p:style>
-          <a:lnRef idx="1">
-            <a:schemeClr val="accent1"/>
-          </a:lnRef>
-          <a:fillRef idx="0">
-            <a:schemeClr val="accent1"/>
-          </a:fillRef>
-          <a:effectRef idx="0">
-            <a:schemeClr val="accent1"/>
-          </a:effectRef>
-          <a:fontRef idx="minor">
-            <a:schemeClr val="tx1"/>
-          </a:fontRef>
-        </p:style>
-      </p:cxnSp>
-      <p:cxnSp>
-        <p:nvCxnSpPr>
-          <p:cNvPr id="26" name="Straight Connector 25"/>
-          <p:cNvCxnSpPr>
-            <a:stCxn id="7" idx="3"/>
-            <a:endCxn id="19" idx="1"/>
-          </p:cNvCxnSpPr>
-          <p:nvPr/>
-        </p:nvCxnSpPr>
-        <p:spPr>
-          <a:xfrm>
-            <a:off x="10066983" y="1502540"/>
-            <a:ext cx="892939" cy="2006955"/>
-          </a:xfrm>
-          <a:prstGeom prst="line">
-            <a:avLst/>
-          </a:prstGeom>
-        </p:spPr>
-        <p:style>
-          <a:lnRef idx="1">
-            <a:schemeClr val="accent1"/>
-          </a:lnRef>
-          <a:fillRef idx="0">
-            <a:schemeClr val="accent1"/>
-          </a:fillRef>
-          <a:effectRef idx="0">
-            <a:schemeClr val="accent1"/>
-          </a:effectRef>
-          <a:fontRef idx="minor">
-            <a:schemeClr val="tx1"/>
-          </a:fontRef>
-        </p:style>
-      </p:cxnSp>
-      <p:cxnSp>
-        <p:nvCxnSpPr>
-          <p:cNvPr id="29" name="Straight Connector 28"/>
-          <p:cNvCxnSpPr>
-            <a:stCxn id="8" idx="3"/>
-            <a:endCxn id="19" idx="1"/>
-          </p:cNvCxnSpPr>
-          <p:nvPr/>
-        </p:nvCxnSpPr>
-        <p:spPr>
-          <a:xfrm>
-            <a:off x="10069131" y="1981198"/>
-            <a:ext cx="890791" cy="1528297"/>
-          </a:xfrm>
-          <a:prstGeom prst="line">
-            <a:avLst/>
-          </a:prstGeom>
-        </p:spPr>
-        <p:style>
-          <a:lnRef idx="1">
-            <a:schemeClr val="accent1"/>
-          </a:lnRef>
-          <a:fillRef idx="0">
-            <a:schemeClr val="accent1"/>
-          </a:fillRef>
-          <a:effectRef idx="0">
-            <a:schemeClr val="accent1"/>
-          </a:effectRef>
-          <a:fontRef idx="minor">
-            <a:schemeClr val="tx1"/>
-          </a:fontRef>
-        </p:style>
-      </p:cxnSp>
-      <p:cxnSp>
-        <p:nvCxnSpPr>
-          <p:cNvPr id="32" name="Straight Connector 31"/>
-          <p:cNvCxnSpPr>
-            <a:stCxn id="9" idx="3"/>
-            <a:endCxn id="19" idx="1"/>
-          </p:cNvCxnSpPr>
-          <p:nvPr/>
-        </p:nvCxnSpPr>
-        <p:spPr>
-          <a:xfrm>
-            <a:off x="10079862" y="2404057"/>
-            <a:ext cx="880060" cy="1105438"/>
-          </a:xfrm>
-          <a:prstGeom prst="line">
-            <a:avLst/>
-          </a:prstGeom>
-        </p:spPr>
-        <p:style>
-          <a:lnRef idx="1">
-            <a:schemeClr val="accent1"/>
-          </a:lnRef>
-          <a:fillRef idx="0">
-            <a:schemeClr val="accent1"/>
-          </a:fillRef>
-          <a:effectRef idx="0">
-            <a:schemeClr val="accent1"/>
-          </a:effectRef>
-          <a:fontRef idx="minor">
-            <a:schemeClr val="tx1"/>
-          </a:fontRef>
-        </p:style>
-      </p:cxnSp>
-      <p:cxnSp>
-        <p:nvCxnSpPr>
-          <p:cNvPr id="35" name="Straight Connector 34"/>
-          <p:cNvCxnSpPr>
-            <a:stCxn id="10" idx="3"/>
-            <a:endCxn id="19" idx="1"/>
-          </p:cNvCxnSpPr>
-          <p:nvPr/>
-        </p:nvCxnSpPr>
-        <p:spPr>
-          <a:xfrm>
-            <a:off x="10090593" y="2814037"/>
-            <a:ext cx="869329" cy="695458"/>
-          </a:xfrm>
-          <a:prstGeom prst="line">
-            <a:avLst/>
-          </a:prstGeom>
-        </p:spPr>
-        <p:style>
-          <a:lnRef idx="1">
-            <a:schemeClr val="accent1"/>
-          </a:lnRef>
-          <a:fillRef idx="0">
-            <a:schemeClr val="accent1"/>
-          </a:fillRef>
-          <a:effectRef idx="0">
-            <a:schemeClr val="accent1"/>
-          </a:effectRef>
-          <a:fontRef idx="minor">
-            <a:schemeClr val="tx1"/>
-          </a:fontRef>
-        </p:style>
-      </p:cxnSp>
-      <p:cxnSp>
-        <p:nvCxnSpPr>
-          <p:cNvPr id="38" name="Straight Connector 37"/>
-          <p:cNvCxnSpPr>
-            <a:endCxn id="19" idx="1"/>
-          </p:cNvCxnSpPr>
-          <p:nvPr/>
-        </p:nvCxnSpPr>
-        <p:spPr>
-          <a:xfrm>
-            <a:off x="10099176" y="3228303"/>
-            <a:ext cx="860746" cy="281192"/>
-          </a:xfrm>
-          <a:prstGeom prst="line">
-            <a:avLst/>
-          </a:prstGeom>
-        </p:spPr>
-        <p:style>
-          <a:lnRef idx="1">
-            <a:schemeClr val="accent1"/>
-          </a:lnRef>
-          <a:fillRef idx="0">
-            <a:schemeClr val="accent1"/>
-          </a:fillRef>
-          <a:effectRef idx="0">
-            <a:schemeClr val="accent1"/>
-          </a:effectRef>
-          <a:fontRef idx="minor">
-            <a:schemeClr val="tx1"/>
-          </a:fontRef>
-        </p:style>
-      </p:cxnSp>
-      <p:cxnSp>
-        <p:nvCxnSpPr>
-          <p:cNvPr id="41" name="Straight Connector 40"/>
-          <p:cNvCxnSpPr>
-            <a:stCxn id="12" idx="3"/>
-            <a:endCxn id="19" idx="1"/>
-          </p:cNvCxnSpPr>
-          <p:nvPr/>
-        </p:nvCxnSpPr>
-        <p:spPr>
-          <a:xfrm flipV="1">
-            <a:off x="10090593" y="3509495"/>
-            <a:ext cx="869329" cy="141668"/>
-          </a:xfrm>
-          <a:prstGeom prst="line">
-            <a:avLst/>
-          </a:prstGeom>
-        </p:spPr>
-        <p:style>
-          <a:lnRef idx="1">
-            <a:schemeClr val="accent1"/>
-          </a:lnRef>
-          <a:fillRef idx="0">
-            <a:schemeClr val="accent1"/>
-          </a:fillRef>
-          <a:effectRef idx="0">
-            <a:schemeClr val="accent1"/>
-          </a:effectRef>
-          <a:fontRef idx="minor">
-            <a:schemeClr val="tx1"/>
-          </a:fontRef>
-        </p:style>
-      </p:cxnSp>
-      <p:cxnSp>
-        <p:nvCxnSpPr>
-          <p:cNvPr id="44" name="Straight Connector 43"/>
-          <p:cNvCxnSpPr>
-            <a:stCxn id="13" idx="3"/>
-            <a:endCxn id="19" idx="1"/>
-          </p:cNvCxnSpPr>
-          <p:nvPr/>
-        </p:nvCxnSpPr>
-        <p:spPr>
-          <a:xfrm flipV="1">
-            <a:off x="10088445" y="3509495"/>
-            <a:ext cx="871477" cy="577406"/>
-          </a:xfrm>
-          <a:prstGeom prst="line">
-            <a:avLst/>
-          </a:prstGeom>
-        </p:spPr>
-        <p:style>
-          <a:lnRef idx="1">
-            <a:schemeClr val="accent1"/>
-          </a:lnRef>
-          <a:fillRef idx="0">
-            <a:schemeClr val="accent1"/>
-          </a:fillRef>
-          <a:effectRef idx="0">
-            <a:schemeClr val="accent1"/>
-          </a:effectRef>
-          <a:fontRef idx="minor">
-            <a:schemeClr val="tx1"/>
-          </a:fontRef>
-        </p:style>
-      </p:cxnSp>
-      <p:cxnSp>
-        <p:nvCxnSpPr>
-          <p:cNvPr id="47" name="Straight Connector 46"/>
-          <p:cNvCxnSpPr>
-            <a:stCxn id="14" idx="3"/>
-            <a:endCxn id="19" idx="1"/>
-          </p:cNvCxnSpPr>
-          <p:nvPr/>
-        </p:nvCxnSpPr>
-        <p:spPr>
-          <a:xfrm flipV="1">
-            <a:off x="10090593" y="3509495"/>
-            <a:ext cx="869329" cy="965915"/>
-          </a:xfrm>
-          <a:prstGeom prst="line">
-            <a:avLst/>
-          </a:prstGeom>
-        </p:spPr>
-        <p:style>
-          <a:lnRef idx="1">
-            <a:schemeClr val="accent1"/>
-          </a:lnRef>
-          <a:fillRef idx="0">
-            <a:schemeClr val="accent1"/>
-          </a:fillRef>
-          <a:effectRef idx="0">
-            <a:schemeClr val="accent1"/>
-          </a:effectRef>
-          <a:fontRef idx="minor">
-            <a:schemeClr val="tx1"/>
-          </a:fontRef>
-        </p:style>
-      </p:cxnSp>
-      <p:cxnSp>
-        <p:nvCxnSpPr>
-          <p:cNvPr id="50" name="Straight Connector 49"/>
-          <p:cNvCxnSpPr>
-            <a:stCxn id="15" idx="3"/>
-            <a:endCxn id="19" idx="1"/>
-          </p:cNvCxnSpPr>
-          <p:nvPr/>
-        </p:nvCxnSpPr>
-        <p:spPr>
-          <a:xfrm flipV="1">
-            <a:off x="10101324" y="3509495"/>
-            <a:ext cx="858598" cy="1375895"/>
-          </a:xfrm>
-          <a:prstGeom prst="line">
-            <a:avLst/>
-          </a:prstGeom>
-        </p:spPr>
-        <p:style>
-          <a:lnRef idx="1">
-            <a:schemeClr val="accent1"/>
-          </a:lnRef>
-          <a:fillRef idx="0">
-            <a:schemeClr val="accent1"/>
-          </a:fillRef>
-          <a:effectRef idx="0">
-            <a:schemeClr val="accent1"/>
-          </a:effectRef>
-          <a:fontRef idx="minor">
-            <a:schemeClr val="tx1"/>
-          </a:fontRef>
-        </p:style>
-      </p:cxnSp>
-      <p:cxnSp>
-        <p:nvCxnSpPr>
-          <p:cNvPr id="53" name="Straight Connector 52"/>
-          <p:cNvCxnSpPr>
-            <a:stCxn id="16" idx="3"/>
-            <a:endCxn id="19" idx="1"/>
-          </p:cNvCxnSpPr>
-          <p:nvPr/>
-        </p:nvCxnSpPr>
-        <p:spPr>
-          <a:xfrm flipV="1">
-            <a:off x="10090593" y="3509495"/>
-            <a:ext cx="869329" cy="1790162"/>
-          </a:xfrm>
-          <a:prstGeom prst="line">
-            <a:avLst/>
-          </a:prstGeom>
-        </p:spPr>
-        <p:style>
-          <a:lnRef idx="1">
-            <a:schemeClr val="accent1"/>
-          </a:lnRef>
-          <a:fillRef idx="0">
-            <a:schemeClr val="accent1"/>
-          </a:fillRef>
-          <a:effectRef idx="0">
-            <a:schemeClr val="accent1"/>
-          </a:effectRef>
-          <a:fontRef idx="minor">
-            <a:schemeClr val="tx1"/>
-          </a:fontRef>
-        </p:style>
-      </p:cxnSp>
-      <p:cxnSp>
-        <p:nvCxnSpPr>
-          <p:cNvPr id="56" name="Straight Connector 55"/>
-          <p:cNvCxnSpPr>
-            <a:stCxn id="17" idx="3"/>
-            <a:endCxn id="19" idx="1"/>
-          </p:cNvCxnSpPr>
-          <p:nvPr/>
-        </p:nvCxnSpPr>
-        <p:spPr>
-          <a:xfrm flipV="1">
-            <a:off x="10101324" y="3509495"/>
-            <a:ext cx="858598" cy="2213021"/>
-          </a:xfrm>
-          <a:prstGeom prst="line">
-            <a:avLst/>
-          </a:prstGeom>
-        </p:spPr>
-        <p:style>
-          <a:lnRef idx="1">
-            <a:schemeClr val="accent1"/>
-          </a:lnRef>
-          <a:fillRef idx="0">
-            <a:schemeClr val="accent1"/>
-          </a:fillRef>
-          <a:effectRef idx="0">
-            <a:schemeClr val="accent1"/>
-          </a:effectRef>
-          <a:fontRef idx="minor">
-            <a:schemeClr val="tx1"/>
-          </a:fontRef>
-        </p:style>
-      </p:cxnSp>
-      <p:cxnSp>
-        <p:nvCxnSpPr>
-          <p:cNvPr id="59" name="Straight Connector 58"/>
-          <p:cNvCxnSpPr>
-            <a:stCxn id="18" idx="3"/>
-            <a:endCxn id="19" idx="1"/>
-          </p:cNvCxnSpPr>
-          <p:nvPr/>
-        </p:nvCxnSpPr>
-        <p:spPr>
-          <a:xfrm flipV="1">
-            <a:off x="10099176" y="3509495"/>
-            <a:ext cx="860746" cy="2648759"/>
-          </a:xfrm>
-          <a:prstGeom prst="line">
-            <a:avLst/>
-          </a:prstGeom>
-        </p:spPr>
-        <p:style>
-          <a:lnRef idx="1">
-            <a:schemeClr val="accent1"/>
-          </a:lnRef>
-          <a:fillRef idx="0">
-            <a:schemeClr val="accent1"/>
-          </a:fillRef>
-          <a:effectRef idx="0">
-            <a:schemeClr val="accent1"/>
-          </a:effectRef>
-          <a:fontRef idx="minor">
-            <a:schemeClr val="tx1"/>
-          </a:fontRef>
-        </p:style>
-      </p:cxnSp>
-      <p:sp>
-        <p:nvSpPr>
-          <p:cNvPr id="62" name="TextBox 61"/>
-          <p:cNvSpPr txBox="1"/>
-          <p:nvPr/>
-        </p:nvSpPr>
-        <p:spPr>
-          <a:xfrm>
-            <a:off x="7321639" y="2143"/>
-            <a:ext cx="1249251" cy="369332"/>
-          </a:xfrm>
-          <a:prstGeom prst="rect">
-            <a:avLst/>
-          </a:prstGeom>
-          <a:noFill/>
-        </p:spPr>
-        <p:txBody>
-          <a:bodyPr wrap="square" rtlCol="0">
-            <a:spAutoFit/>
-          </a:bodyPr>
-          <a:lstStyle/>
-          <a:p>
-            <a:r>
-              <a:rPr lang="en-GB" dirty="0" smtClean="0"/>
-              <a:t>Province</a:t>
-            </a:r>
-            <a:endParaRPr lang="en-GB" dirty="0"/>
-          </a:p>
-        </p:txBody>
-      </p:sp>
-      <p:sp>
-        <p:nvSpPr>
-          <p:cNvPr id="63" name="Rectangle 62"/>
-          <p:cNvSpPr/>
-          <p:nvPr/>
-        </p:nvSpPr>
-        <p:spPr>
-          <a:xfrm>
-            <a:off x="7547020" y="448681"/>
-            <a:ext cx="515155" cy="442037"/>
-          </a:xfrm>
-          <a:prstGeom prst="rect">
-            <a:avLst/>
-          </a:prstGeom>
-        </p:spPr>
-        <p:style>
-          <a:lnRef idx="2">
-            <a:schemeClr val="accent1">
-              <a:shade val="50000"/>
-            </a:schemeClr>
-          </a:lnRef>
-          <a:fillRef idx="1">
-            <a:schemeClr val="accent1"/>
-          </a:fillRef>
-          <a:effectRef idx="0">
-            <a:schemeClr val="accent1"/>
-          </a:effectRef>
-          <a:fontRef idx="minor">
-            <a:schemeClr val="lt1"/>
-          </a:fontRef>
-        </p:style>
-        <p:txBody>
-          <a:bodyPr rtlCol="0" anchor="ctr"/>
-          <a:lstStyle/>
-          <a:p>
-            <a:pPr algn="ctr"/>
-            <a:endParaRPr lang="en-GB"/>
-          </a:p>
-        </p:txBody>
-      </p:sp>
-      <p:sp>
-        <p:nvSpPr>
-          <p:cNvPr id="64" name="Rectangle 63"/>
-          <p:cNvSpPr/>
-          <p:nvPr/>
-        </p:nvSpPr>
-        <p:spPr>
-          <a:xfrm>
-            <a:off x="7547015" y="1307874"/>
-            <a:ext cx="515155" cy="442037"/>
-          </a:xfrm>
-          <a:prstGeom prst="rect">
-            <a:avLst/>
-          </a:prstGeom>
-        </p:spPr>
-        <p:style>
-          <a:lnRef idx="2">
-            <a:schemeClr val="accent1">
-              <a:shade val="50000"/>
-            </a:schemeClr>
-          </a:lnRef>
-          <a:fillRef idx="1">
-            <a:schemeClr val="accent1"/>
-          </a:fillRef>
-          <a:effectRef idx="0">
-            <a:schemeClr val="accent1"/>
-          </a:effectRef>
-          <a:fontRef idx="minor">
-            <a:schemeClr val="lt1"/>
-          </a:fontRef>
-        </p:style>
-        <p:txBody>
-          <a:bodyPr rtlCol="0" anchor="ctr"/>
-          <a:lstStyle/>
-          <a:p>
-            <a:pPr algn="ctr"/>
-            <a:endParaRPr lang="en-GB"/>
-          </a:p>
-        </p:txBody>
-      </p:sp>
-      <p:sp>
-        <p:nvSpPr>
-          <p:cNvPr id="65" name="Rectangle 64"/>
-          <p:cNvSpPr/>
-          <p:nvPr/>
-        </p:nvSpPr>
-        <p:spPr>
-          <a:xfrm>
-            <a:off x="7547015" y="2217810"/>
-            <a:ext cx="515155" cy="442037"/>
-          </a:xfrm>
-          <a:prstGeom prst="rect">
-            <a:avLst/>
-          </a:prstGeom>
-        </p:spPr>
-        <p:style>
-          <a:lnRef idx="2">
-            <a:schemeClr val="accent1">
-              <a:shade val="50000"/>
-            </a:schemeClr>
-          </a:lnRef>
-          <a:fillRef idx="1">
-            <a:schemeClr val="accent1"/>
-          </a:fillRef>
-          <a:effectRef idx="0">
-            <a:schemeClr val="accent1"/>
-          </a:effectRef>
-          <a:fontRef idx="minor">
-            <a:schemeClr val="lt1"/>
-          </a:fontRef>
-        </p:style>
-        <p:txBody>
-          <a:bodyPr rtlCol="0" anchor="ctr"/>
-          <a:lstStyle/>
-          <a:p>
-            <a:pPr algn="ctr"/>
-            <a:endParaRPr lang="en-GB"/>
-          </a:p>
-        </p:txBody>
-      </p:sp>
-      <p:sp>
-        <p:nvSpPr>
-          <p:cNvPr id="66" name="Rectangle 65"/>
-          <p:cNvSpPr/>
-          <p:nvPr/>
-        </p:nvSpPr>
-        <p:spPr>
-          <a:xfrm>
-            <a:off x="7547016" y="3130001"/>
-            <a:ext cx="515155" cy="442037"/>
-          </a:xfrm>
-          <a:prstGeom prst="rect">
-            <a:avLst/>
-          </a:prstGeom>
-        </p:spPr>
-        <p:style>
-          <a:lnRef idx="2">
-            <a:schemeClr val="accent1">
-              <a:shade val="50000"/>
-            </a:schemeClr>
-          </a:lnRef>
-          <a:fillRef idx="1">
-            <a:schemeClr val="accent1"/>
-          </a:fillRef>
-          <a:effectRef idx="0">
-            <a:schemeClr val="accent1"/>
-          </a:effectRef>
-          <a:fontRef idx="minor">
-            <a:schemeClr val="lt1"/>
-          </a:fontRef>
-        </p:style>
-        <p:txBody>
-          <a:bodyPr rtlCol="0" anchor="ctr"/>
-          <a:lstStyle/>
-          <a:p>
-            <a:pPr algn="ctr"/>
-            <a:endParaRPr lang="en-GB"/>
-          </a:p>
-        </p:txBody>
-      </p:sp>
-      <p:sp>
-        <p:nvSpPr>
-          <p:cNvPr id="67" name="Rectangle 66"/>
-          <p:cNvSpPr/>
-          <p:nvPr/>
-        </p:nvSpPr>
-        <p:spPr>
-          <a:xfrm>
-            <a:off x="7547016" y="4005473"/>
-            <a:ext cx="515155" cy="442037"/>
-          </a:xfrm>
-          <a:prstGeom prst="rect">
-            <a:avLst/>
-          </a:prstGeom>
-        </p:spPr>
-        <p:style>
-          <a:lnRef idx="2">
-            <a:schemeClr val="accent1">
-              <a:shade val="50000"/>
-            </a:schemeClr>
-          </a:lnRef>
-          <a:fillRef idx="1">
-            <a:schemeClr val="accent1"/>
-          </a:fillRef>
-          <a:effectRef idx="0">
-            <a:schemeClr val="accent1"/>
-          </a:effectRef>
-          <a:fontRef idx="minor">
-            <a:schemeClr val="lt1"/>
-          </a:fontRef>
-        </p:style>
-        <p:txBody>
-          <a:bodyPr rtlCol="0" anchor="ctr"/>
-          <a:lstStyle/>
-          <a:p>
-            <a:pPr algn="ctr"/>
-            <a:endParaRPr lang="en-GB"/>
-          </a:p>
-        </p:txBody>
-      </p:sp>
-      <p:sp>
-        <p:nvSpPr>
-          <p:cNvPr id="68" name="Rectangle 67"/>
-          <p:cNvSpPr/>
-          <p:nvPr/>
-        </p:nvSpPr>
-        <p:spPr>
-          <a:xfrm>
-            <a:off x="7547016" y="4979907"/>
-            <a:ext cx="515155" cy="442037"/>
-          </a:xfrm>
-          <a:prstGeom prst="rect">
-            <a:avLst/>
-          </a:prstGeom>
-        </p:spPr>
-        <p:style>
-          <a:lnRef idx="2">
-            <a:schemeClr val="accent1">
-              <a:shade val="50000"/>
-            </a:schemeClr>
-          </a:lnRef>
-          <a:fillRef idx="1">
-            <a:schemeClr val="accent1"/>
-          </a:fillRef>
-          <a:effectRef idx="0">
-            <a:schemeClr val="accent1"/>
-          </a:effectRef>
-          <a:fontRef idx="minor">
-            <a:schemeClr val="lt1"/>
-          </a:fontRef>
-        </p:style>
-        <p:txBody>
-          <a:bodyPr rtlCol="0" anchor="ctr"/>
-          <a:lstStyle/>
-          <a:p>
-            <a:pPr algn="ctr"/>
-            <a:endParaRPr lang="en-GB"/>
-          </a:p>
-        </p:txBody>
-      </p:sp>
-      <p:sp>
-        <p:nvSpPr>
-          <p:cNvPr id="69" name="Rectangle 68"/>
-          <p:cNvSpPr/>
-          <p:nvPr/>
-        </p:nvSpPr>
-        <p:spPr>
-          <a:xfrm>
-            <a:off x="7547018" y="6016586"/>
-            <a:ext cx="515155" cy="442037"/>
-          </a:xfrm>
-          <a:prstGeom prst="rect">
-            <a:avLst/>
-          </a:prstGeom>
-        </p:spPr>
-        <p:style>
-          <a:lnRef idx="2">
-            <a:schemeClr val="accent1">
-              <a:shade val="50000"/>
-            </a:schemeClr>
-          </a:lnRef>
-          <a:fillRef idx="1">
-            <a:schemeClr val="accent1"/>
-          </a:fillRef>
-          <a:effectRef idx="0">
-            <a:schemeClr val="accent1"/>
-          </a:effectRef>
-          <a:fontRef idx="minor">
-            <a:schemeClr val="lt1"/>
-          </a:fontRef>
-        </p:style>
-        <p:txBody>
-          <a:bodyPr rtlCol="0" anchor="ctr"/>
-          <a:lstStyle/>
-          <a:p>
-            <a:pPr algn="ctr"/>
-            <a:endParaRPr lang="en-GB"/>
-          </a:p>
-        </p:txBody>
-      </p:sp>
-      <p:cxnSp>
-        <p:nvCxnSpPr>
-          <p:cNvPr id="73" name="Straight Connector 72"/>
-          <p:cNvCxnSpPr>
-            <a:stCxn id="63" idx="3"/>
-            <a:endCxn id="4" idx="1"/>
-          </p:cNvCxnSpPr>
-          <p:nvPr/>
-        </p:nvCxnSpPr>
-        <p:spPr>
-          <a:xfrm>
-            <a:off x="8062175" y="669700"/>
-            <a:ext cx="1622737" cy="1"/>
-          </a:xfrm>
-          <a:prstGeom prst="line">
-            <a:avLst/>
-          </a:prstGeom>
-        </p:spPr>
-        <p:style>
-          <a:lnRef idx="1">
-            <a:schemeClr val="accent1"/>
-          </a:lnRef>
-          <a:fillRef idx="0">
-            <a:schemeClr val="accent1"/>
-          </a:fillRef>
-          <a:effectRef idx="0">
-            <a:schemeClr val="accent1"/>
-          </a:effectRef>
-          <a:fontRef idx="minor">
-            <a:schemeClr val="tx1"/>
-          </a:fontRef>
-        </p:style>
-      </p:cxnSp>
-      <p:cxnSp>
-        <p:nvCxnSpPr>
-          <p:cNvPr id="74" name="Straight Connector 73"/>
-          <p:cNvCxnSpPr>
-            <a:stCxn id="63" idx="3"/>
-            <a:endCxn id="6" idx="1"/>
-          </p:cNvCxnSpPr>
-          <p:nvPr/>
-        </p:nvCxnSpPr>
-        <p:spPr>
-          <a:xfrm>
-            <a:off x="8062175" y="669700"/>
-            <a:ext cx="1633468" cy="422860"/>
-          </a:xfrm>
-          <a:prstGeom prst="line">
-            <a:avLst/>
-          </a:prstGeom>
-        </p:spPr>
-        <p:style>
-          <a:lnRef idx="1">
-            <a:schemeClr val="accent1"/>
-          </a:lnRef>
-          <a:fillRef idx="0">
-            <a:schemeClr val="accent1"/>
-          </a:fillRef>
-          <a:effectRef idx="0">
-            <a:schemeClr val="accent1"/>
-          </a:effectRef>
-          <a:fontRef idx="minor">
-            <a:schemeClr val="tx1"/>
-          </a:fontRef>
-        </p:style>
-      </p:cxnSp>
-      <p:cxnSp>
-        <p:nvCxnSpPr>
-          <p:cNvPr id="77" name="Straight Connector 76"/>
-          <p:cNvCxnSpPr>
-            <a:stCxn id="64" idx="3"/>
-            <a:endCxn id="7" idx="1"/>
-          </p:cNvCxnSpPr>
-          <p:nvPr/>
-        </p:nvCxnSpPr>
-        <p:spPr>
-          <a:xfrm flipV="1">
-            <a:off x="8062170" y="1502540"/>
-            <a:ext cx="1631325" cy="26353"/>
-          </a:xfrm>
-          <a:prstGeom prst="line">
-            <a:avLst/>
-          </a:prstGeom>
-        </p:spPr>
-        <p:style>
-          <a:lnRef idx="1">
-            <a:schemeClr val="accent1"/>
-          </a:lnRef>
-          <a:fillRef idx="0">
-            <a:schemeClr val="accent1"/>
-          </a:fillRef>
-          <a:effectRef idx="0">
-            <a:schemeClr val="accent1"/>
-          </a:effectRef>
-          <a:fontRef idx="minor">
-            <a:schemeClr val="tx1"/>
-          </a:fontRef>
-        </p:style>
-      </p:cxnSp>
-      <p:cxnSp>
-        <p:nvCxnSpPr>
-          <p:cNvPr id="80" name="Straight Connector 79"/>
-          <p:cNvCxnSpPr>
-            <a:stCxn id="64" idx="3"/>
-            <a:endCxn id="8" idx="1"/>
-          </p:cNvCxnSpPr>
-          <p:nvPr/>
-        </p:nvCxnSpPr>
-        <p:spPr>
-          <a:xfrm>
-            <a:off x="8062170" y="1528893"/>
-            <a:ext cx="1633473" cy="452305"/>
-          </a:xfrm>
-          <a:prstGeom prst="line">
-            <a:avLst/>
-          </a:prstGeom>
-        </p:spPr>
-        <p:style>
-          <a:lnRef idx="1">
-            <a:schemeClr val="accent1"/>
-          </a:lnRef>
-          <a:fillRef idx="0">
-            <a:schemeClr val="accent1"/>
-          </a:fillRef>
-          <a:effectRef idx="0">
-            <a:schemeClr val="accent1"/>
-          </a:effectRef>
-          <a:fontRef idx="minor">
-            <a:schemeClr val="tx1"/>
-          </a:fontRef>
-        </p:style>
-      </p:cxnSp>
-      <p:cxnSp>
-        <p:nvCxnSpPr>
-          <p:cNvPr id="83" name="Straight Connector 82"/>
-          <p:cNvCxnSpPr>
-            <a:stCxn id="65" idx="3"/>
-            <a:endCxn id="9" idx="1"/>
-          </p:cNvCxnSpPr>
-          <p:nvPr/>
-        </p:nvCxnSpPr>
-        <p:spPr>
-          <a:xfrm flipV="1">
-            <a:off x="8062170" y="2404057"/>
-            <a:ext cx="1644204" cy="34772"/>
-          </a:xfrm>
-          <a:prstGeom prst="line">
-            <a:avLst/>
-          </a:prstGeom>
-        </p:spPr>
-        <p:style>
-          <a:lnRef idx="1">
-            <a:schemeClr val="accent1"/>
-          </a:lnRef>
-          <a:fillRef idx="0">
-            <a:schemeClr val="accent1"/>
-          </a:fillRef>
-          <a:effectRef idx="0">
-            <a:schemeClr val="accent1"/>
-          </a:effectRef>
-          <a:fontRef idx="minor">
-            <a:schemeClr val="tx1"/>
-          </a:fontRef>
-        </p:style>
-      </p:cxnSp>
-      <p:cxnSp>
-        <p:nvCxnSpPr>
-          <p:cNvPr id="87" name="Straight Connector 86"/>
-          <p:cNvCxnSpPr>
-            <a:stCxn id="65" idx="3"/>
-            <a:endCxn id="10" idx="1"/>
-          </p:cNvCxnSpPr>
-          <p:nvPr/>
-        </p:nvCxnSpPr>
-        <p:spPr>
-          <a:xfrm>
-            <a:off x="8062170" y="2438829"/>
-            <a:ext cx="1654935" cy="375208"/>
-          </a:xfrm>
-          <a:prstGeom prst="line">
-            <a:avLst/>
-          </a:prstGeom>
-        </p:spPr>
-        <p:style>
-          <a:lnRef idx="1">
-            <a:schemeClr val="accent1"/>
-          </a:lnRef>
-          <a:fillRef idx="0">
-            <a:schemeClr val="accent1"/>
-          </a:fillRef>
-          <a:effectRef idx="0">
-            <a:schemeClr val="accent1"/>
-          </a:effectRef>
-          <a:fontRef idx="minor">
-            <a:schemeClr val="tx1"/>
-          </a:fontRef>
-        </p:style>
-      </p:cxnSp>
-      <p:cxnSp>
-        <p:nvCxnSpPr>
-          <p:cNvPr id="90" name="Straight Connector 89"/>
-          <p:cNvCxnSpPr>
-            <a:stCxn id="66" idx="3"/>
-            <a:endCxn id="11" idx="1"/>
-          </p:cNvCxnSpPr>
-          <p:nvPr/>
-        </p:nvCxnSpPr>
-        <p:spPr>
-          <a:xfrm flipV="1">
-            <a:off x="8062171" y="3228304"/>
-            <a:ext cx="1644203" cy="122716"/>
-          </a:xfrm>
-          <a:prstGeom prst="line">
-            <a:avLst/>
-          </a:prstGeom>
-        </p:spPr>
-        <p:style>
-          <a:lnRef idx="1">
-            <a:schemeClr val="accent1"/>
-          </a:lnRef>
-          <a:fillRef idx="0">
-            <a:schemeClr val="accent1"/>
-          </a:fillRef>
-          <a:effectRef idx="0">
-            <a:schemeClr val="accent1"/>
-          </a:effectRef>
-          <a:fontRef idx="minor">
-            <a:schemeClr val="tx1"/>
-          </a:fontRef>
-        </p:style>
-      </p:cxnSp>
-      <p:cxnSp>
-        <p:nvCxnSpPr>
-          <p:cNvPr id="93" name="Straight Connector 92"/>
-          <p:cNvCxnSpPr>
-            <a:stCxn id="66" idx="3"/>
-            <a:endCxn id="12" idx="1"/>
-          </p:cNvCxnSpPr>
-          <p:nvPr/>
-        </p:nvCxnSpPr>
-        <p:spPr>
-          <a:xfrm>
-            <a:off x="8062171" y="3351020"/>
-            <a:ext cx="1654934" cy="300143"/>
-          </a:xfrm>
-          <a:prstGeom prst="line">
-            <a:avLst/>
-          </a:prstGeom>
-        </p:spPr>
-        <p:style>
-          <a:lnRef idx="1">
-            <a:schemeClr val="accent1"/>
-          </a:lnRef>
-          <a:fillRef idx="0">
-            <a:schemeClr val="accent1"/>
-          </a:fillRef>
-          <a:effectRef idx="0">
-            <a:schemeClr val="accent1"/>
-          </a:effectRef>
-          <a:fontRef idx="minor">
-            <a:schemeClr val="tx1"/>
-          </a:fontRef>
-        </p:style>
-      </p:cxnSp>
-      <p:cxnSp>
-        <p:nvCxnSpPr>
-          <p:cNvPr id="96" name="Straight Connector 95"/>
-          <p:cNvCxnSpPr>
-            <a:stCxn id="67" idx="3"/>
-            <a:endCxn id="13" idx="1"/>
-          </p:cNvCxnSpPr>
-          <p:nvPr/>
-        </p:nvCxnSpPr>
-        <p:spPr>
-          <a:xfrm flipV="1">
-            <a:off x="8062171" y="4086901"/>
-            <a:ext cx="1652786" cy="139591"/>
-          </a:xfrm>
-          <a:prstGeom prst="line">
-            <a:avLst/>
-          </a:prstGeom>
-        </p:spPr>
-        <p:style>
-          <a:lnRef idx="1">
-            <a:schemeClr val="accent1"/>
-          </a:lnRef>
-          <a:fillRef idx="0">
-            <a:schemeClr val="accent1"/>
-          </a:fillRef>
-          <a:effectRef idx="0">
-            <a:schemeClr val="accent1"/>
-          </a:effectRef>
-          <a:fontRef idx="minor">
-            <a:schemeClr val="tx1"/>
-          </a:fontRef>
-        </p:style>
-      </p:cxnSp>
-      <p:cxnSp>
-        <p:nvCxnSpPr>
-          <p:cNvPr id="99" name="Straight Connector 98"/>
-          <p:cNvCxnSpPr>
-            <a:stCxn id="67" idx="3"/>
-            <a:endCxn id="14" idx="1"/>
-          </p:cNvCxnSpPr>
-          <p:nvPr/>
-        </p:nvCxnSpPr>
-        <p:spPr>
-          <a:xfrm>
-            <a:off x="8062171" y="4226492"/>
-            <a:ext cx="1654934" cy="248918"/>
-          </a:xfrm>
-          <a:prstGeom prst="line">
-            <a:avLst/>
-          </a:prstGeom>
-        </p:spPr>
-        <p:style>
-          <a:lnRef idx="1">
-            <a:schemeClr val="accent1"/>
-          </a:lnRef>
-          <a:fillRef idx="0">
-            <a:schemeClr val="accent1"/>
-          </a:fillRef>
-          <a:effectRef idx="0">
-            <a:schemeClr val="accent1"/>
-          </a:effectRef>
-          <a:fontRef idx="minor">
-            <a:schemeClr val="tx1"/>
-          </a:fontRef>
-        </p:style>
-      </p:cxnSp>
-      <p:cxnSp>
-        <p:nvCxnSpPr>
-          <p:cNvPr id="102" name="Straight Connector 101"/>
-          <p:cNvCxnSpPr>
-            <a:stCxn id="68" idx="3"/>
-            <a:endCxn id="15" idx="1"/>
-          </p:cNvCxnSpPr>
-          <p:nvPr/>
-        </p:nvCxnSpPr>
-        <p:spPr>
-          <a:xfrm flipV="1">
-            <a:off x="8062171" y="4885390"/>
-            <a:ext cx="1665665" cy="315536"/>
-          </a:xfrm>
-          <a:prstGeom prst="line">
-            <a:avLst/>
-          </a:prstGeom>
-        </p:spPr>
-        <p:style>
-          <a:lnRef idx="1">
-            <a:schemeClr val="accent1"/>
-          </a:lnRef>
-          <a:fillRef idx="0">
-            <a:schemeClr val="accent1"/>
-          </a:fillRef>
-          <a:effectRef idx="0">
-            <a:schemeClr val="accent1"/>
-          </a:effectRef>
-          <a:fontRef idx="minor">
-            <a:schemeClr val="tx1"/>
-          </a:fontRef>
-        </p:style>
-      </p:cxnSp>
-      <p:cxnSp>
-        <p:nvCxnSpPr>
-          <p:cNvPr id="105" name="Straight Connector 104"/>
-          <p:cNvCxnSpPr>
-            <a:stCxn id="68" idx="3"/>
-            <a:endCxn id="16" idx="1"/>
-          </p:cNvCxnSpPr>
-          <p:nvPr/>
-        </p:nvCxnSpPr>
-        <p:spPr>
-          <a:xfrm>
-            <a:off x="8062171" y="5200926"/>
-            <a:ext cx="1654934" cy="98731"/>
-          </a:xfrm>
-          <a:prstGeom prst="line">
-            <a:avLst/>
-          </a:prstGeom>
-        </p:spPr>
-        <p:style>
-          <a:lnRef idx="1">
-            <a:schemeClr val="accent1"/>
-          </a:lnRef>
-          <a:fillRef idx="0">
-            <a:schemeClr val="accent1"/>
-          </a:fillRef>
-          <a:effectRef idx="0">
-            <a:schemeClr val="accent1"/>
-          </a:effectRef>
-          <a:fontRef idx="minor">
-            <a:schemeClr val="tx1"/>
-          </a:fontRef>
-        </p:style>
-      </p:cxnSp>
-      <p:cxnSp>
-        <p:nvCxnSpPr>
-          <p:cNvPr id="108" name="Straight Connector 107"/>
-          <p:cNvCxnSpPr>
-            <a:stCxn id="69" idx="3"/>
-            <a:endCxn id="17" idx="1"/>
-          </p:cNvCxnSpPr>
-          <p:nvPr/>
-        </p:nvCxnSpPr>
-        <p:spPr>
-          <a:xfrm flipV="1">
-            <a:off x="8062173" y="5722516"/>
-            <a:ext cx="1665663" cy="515089"/>
-          </a:xfrm>
-          <a:prstGeom prst="line">
-            <a:avLst/>
-          </a:prstGeom>
-        </p:spPr>
-        <p:style>
-          <a:lnRef idx="1">
-            <a:schemeClr val="accent1"/>
-          </a:lnRef>
-          <a:fillRef idx="0">
-            <a:schemeClr val="accent1"/>
-          </a:fillRef>
-          <a:effectRef idx="0">
-            <a:schemeClr val="accent1"/>
-          </a:effectRef>
-          <a:fontRef idx="minor">
-            <a:schemeClr val="tx1"/>
-          </a:fontRef>
-        </p:style>
-      </p:cxnSp>
-      <p:cxnSp>
-        <p:nvCxnSpPr>
-          <p:cNvPr id="111" name="Straight Connector 110"/>
-          <p:cNvCxnSpPr>
-            <a:stCxn id="69" idx="3"/>
-            <a:endCxn id="18" idx="1"/>
-          </p:cNvCxnSpPr>
-          <p:nvPr/>
-        </p:nvCxnSpPr>
-        <p:spPr>
-          <a:xfrm flipV="1">
-            <a:off x="8062173" y="6158254"/>
-            <a:ext cx="1663515" cy="79351"/>
-          </a:xfrm>
-          <a:prstGeom prst="line">
-            <a:avLst/>
-          </a:prstGeom>
-        </p:spPr>
-        <p:style>
-          <a:lnRef idx="1">
-            <a:schemeClr val="accent1"/>
-          </a:lnRef>
-          <a:fillRef idx="0">
-            <a:schemeClr val="accent1"/>
-          </a:fillRef>
-          <a:effectRef idx="0">
-            <a:schemeClr val="accent1"/>
-          </a:effectRef>
-          <a:fontRef idx="minor">
-            <a:schemeClr val="tx1"/>
-          </a:fontRef>
-        </p:style>
-      </p:cxnSp>
-      <p:sp>
-        <p:nvSpPr>
-          <p:cNvPr id="114" name="Rectangle 113"/>
-          <p:cNvSpPr/>
-          <p:nvPr/>
-        </p:nvSpPr>
-        <p:spPr>
-          <a:xfrm>
-            <a:off x="4468969" y="715510"/>
-            <a:ext cx="875763" cy="864896"/>
-          </a:xfrm>
-          <a:prstGeom prst="rect">
-            <a:avLst/>
-          </a:prstGeom>
-        </p:spPr>
-        <p:style>
-          <a:lnRef idx="2">
-            <a:schemeClr val="accent1">
-              <a:shade val="50000"/>
-            </a:schemeClr>
-          </a:lnRef>
-          <a:fillRef idx="1">
-            <a:schemeClr val="accent1"/>
-          </a:fillRef>
-          <a:effectRef idx="0">
-            <a:schemeClr val="accent1"/>
-          </a:effectRef>
-          <a:fontRef idx="minor">
-            <a:schemeClr val="lt1"/>
-          </a:fontRef>
-        </p:style>
-        <p:txBody>
-          <a:bodyPr rtlCol="0" anchor="ctr"/>
-          <a:lstStyle/>
-          <a:p>
-            <a:pPr algn="ctr"/>
-            <a:endParaRPr lang="en-GB"/>
-          </a:p>
-        </p:txBody>
-      </p:sp>
-      <p:sp>
-        <p:nvSpPr>
-          <p:cNvPr id="115" name="Rectangle 114"/>
-          <p:cNvSpPr/>
-          <p:nvPr/>
-        </p:nvSpPr>
-        <p:spPr>
-          <a:xfrm>
-            <a:off x="4468969" y="2193985"/>
-            <a:ext cx="875763" cy="864896"/>
-          </a:xfrm>
-          <a:prstGeom prst="rect">
-            <a:avLst/>
-          </a:prstGeom>
-          <a:solidFill>
-            <a:srgbClr val="FFC000"/>
-          </a:solidFill>
-          <a:ln>
-            <a:solidFill>
-              <a:srgbClr val="FFC000"/>
-            </a:solidFill>
-          </a:ln>
-        </p:spPr>
-        <p:style>
-          <a:lnRef idx="2">
-            <a:schemeClr val="accent1">
-              <a:shade val="50000"/>
-            </a:schemeClr>
-          </a:lnRef>
-          <a:fillRef idx="1">
-            <a:schemeClr val="accent1"/>
-          </a:fillRef>
-          <a:effectRef idx="0">
-            <a:schemeClr val="accent1"/>
-          </a:effectRef>
-          <a:fontRef idx="minor">
-            <a:schemeClr val="lt1"/>
-          </a:fontRef>
-        </p:style>
-        <p:txBody>
-          <a:bodyPr rtlCol="0" anchor="ctr"/>
-          <a:lstStyle/>
-          <a:p>
-            <a:pPr algn="ctr"/>
-            <a:endParaRPr lang="en-GB"/>
-          </a:p>
-        </p:txBody>
-      </p:sp>
-      <p:sp>
-        <p:nvSpPr>
-          <p:cNvPr id="116" name="Rectangle 115"/>
-          <p:cNvSpPr/>
-          <p:nvPr/>
-        </p:nvSpPr>
-        <p:spPr>
-          <a:xfrm>
-            <a:off x="4468969" y="3683362"/>
-            <a:ext cx="875763" cy="864896"/>
-          </a:xfrm>
-          <a:prstGeom prst="rect">
-            <a:avLst/>
-          </a:prstGeom>
-          <a:solidFill>
-            <a:srgbClr val="92D050"/>
-          </a:solidFill>
-          <a:ln>
-            <a:solidFill>
-              <a:srgbClr val="92D050"/>
-            </a:solidFill>
-          </a:ln>
-        </p:spPr>
-        <p:style>
-          <a:lnRef idx="2">
-            <a:schemeClr val="accent1">
-              <a:shade val="50000"/>
-            </a:schemeClr>
-          </a:lnRef>
-          <a:fillRef idx="1">
-            <a:schemeClr val="accent1"/>
-          </a:fillRef>
-          <a:effectRef idx="0">
-            <a:schemeClr val="accent1"/>
-          </a:effectRef>
-          <a:fontRef idx="minor">
-            <a:schemeClr val="lt1"/>
-          </a:fontRef>
-        </p:style>
-        <p:txBody>
-          <a:bodyPr rtlCol="0" anchor="ctr"/>
-          <a:lstStyle/>
-          <a:p>
-            <a:pPr algn="ctr"/>
-            <a:endParaRPr lang="en-GB"/>
-          </a:p>
-        </p:txBody>
-      </p:sp>
-      <p:sp>
-        <p:nvSpPr>
-          <p:cNvPr id="117" name="Rectangle 116"/>
-          <p:cNvSpPr/>
-          <p:nvPr/>
-        </p:nvSpPr>
-        <p:spPr>
-          <a:xfrm>
-            <a:off x="4474335" y="5290067"/>
-            <a:ext cx="875763" cy="864896"/>
-          </a:xfrm>
-          <a:prstGeom prst="rect">
-            <a:avLst/>
-          </a:prstGeom>
-          <a:solidFill>
-            <a:srgbClr val="7030A0"/>
-          </a:solidFill>
-          <a:ln>
-            <a:solidFill>
-              <a:srgbClr val="7030A0"/>
-            </a:solidFill>
-          </a:ln>
-        </p:spPr>
-        <p:style>
-          <a:lnRef idx="2">
-            <a:schemeClr val="accent1">
-              <a:shade val="50000"/>
-            </a:schemeClr>
-          </a:lnRef>
-          <a:fillRef idx="1">
-            <a:schemeClr val="accent1"/>
-          </a:fillRef>
-          <a:effectRef idx="0">
-            <a:schemeClr val="accent1"/>
-          </a:effectRef>
-          <a:fontRef idx="minor">
-            <a:schemeClr val="lt1"/>
-          </a:fontRef>
-        </p:style>
-        <p:txBody>
-          <a:bodyPr rtlCol="0" anchor="ctr"/>
-          <a:lstStyle/>
-          <a:p>
-            <a:pPr algn="ctr"/>
-            <a:endParaRPr lang="en-GB"/>
-          </a:p>
-        </p:txBody>
-      </p:sp>
-      <p:sp>
-        <p:nvSpPr>
-          <p:cNvPr id="118" name="TextBox 117"/>
-          <p:cNvSpPr txBox="1"/>
-          <p:nvPr/>
-        </p:nvSpPr>
-        <p:spPr>
-          <a:xfrm>
-            <a:off x="4597760" y="-1"/>
-            <a:ext cx="734096" cy="369332"/>
-          </a:xfrm>
-          <a:prstGeom prst="rect">
-            <a:avLst/>
-          </a:prstGeom>
-          <a:noFill/>
-        </p:spPr>
-        <p:txBody>
-          <a:bodyPr wrap="square" rtlCol="0">
-            <a:spAutoFit/>
-          </a:bodyPr>
-          <a:lstStyle/>
-          <a:p>
-            <a:r>
-              <a:rPr lang="en-GB" dirty="0" smtClean="0"/>
-              <a:t>Year</a:t>
-            </a:r>
-            <a:endParaRPr lang="en-GB" dirty="0"/>
-          </a:p>
-        </p:txBody>
-      </p:sp>
-      <p:cxnSp>
-        <p:nvCxnSpPr>
-          <p:cNvPr id="120" name="Straight Connector 119"/>
-          <p:cNvCxnSpPr>
-            <a:stCxn id="114" idx="3"/>
-            <a:endCxn id="63" idx="1"/>
-          </p:cNvCxnSpPr>
-          <p:nvPr/>
-        </p:nvCxnSpPr>
-        <p:spPr>
-          <a:xfrm flipV="1">
-            <a:off x="5344732" y="669700"/>
-            <a:ext cx="2202288" cy="478258"/>
-          </a:xfrm>
-          <a:prstGeom prst="line">
-            <a:avLst/>
-          </a:prstGeom>
-        </p:spPr>
-        <p:style>
-          <a:lnRef idx="1">
-            <a:schemeClr val="accent1"/>
-          </a:lnRef>
-          <a:fillRef idx="0">
-            <a:schemeClr val="accent1"/>
-          </a:fillRef>
-          <a:effectRef idx="0">
-            <a:schemeClr val="accent1"/>
-          </a:effectRef>
-          <a:fontRef idx="minor">
-            <a:schemeClr val="tx1"/>
-          </a:fontRef>
-        </p:style>
-      </p:cxnSp>
-      <p:cxnSp>
-        <p:nvCxnSpPr>
-          <p:cNvPr id="121" name="Straight Connector 120"/>
-          <p:cNvCxnSpPr>
-            <a:stCxn id="114" idx="3"/>
-            <a:endCxn id="64" idx="1"/>
-          </p:cNvCxnSpPr>
-          <p:nvPr/>
-        </p:nvCxnSpPr>
-        <p:spPr>
-          <a:xfrm>
-            <a:off x="5344732" y="1147958"/>
-            <a:ext cx="2202283" cy="380935"/>
-          </a:xfrm>
-          <a:prstGeom prst="line">
-            <a:avLst/>
-          </a:prstGeom>
-        </p:spPr>
-        <p:style>
-          <a:lnRef idx="1">
-            <a:schemeClr val="accent1"/>
-          </a:lnRef>
-          <a:fillRef idx="0">
-            <a:schemeClr val="accent1"/>
-          </a:fillRef>
-          <a:effectRef idx="0">
-            <a:schemeClr val="accent1"/>
-          </a:effectRef>
-          <a:fontRef idx="minor">
-            <a:schemeClr val="tx1"/>
-          </a:fontRef>
-        </p:style>
-      </p:cxnSp>
-      <p:cxnSp>
-        <p:nvCxnSpPr>
-          <p:cNvPr id="124" name="Straight Connector 123"/>
-          <p:cNvCxnSpPr>
-            <a:stCxn id="114" idx="3"/>
-            <a:endCxn id="65" idx="1"/>
-          </p:cNvCxnSpPr>
-          <p:nvPr/>
-        </p:nvCxnSpPr>
-        <p:spPr>
-          <a:xfrm>
-            <a:off x="5344732" y="1147958"/>
-            <a:ext cx="2202283" cy="1290871"/>
-          </a:xfrm>
-          <a:prstGeom prst="line">
-            <a:avLst/>
-          </a:prstGeom>
-        </p:spPr>
-        <p:style>
-          <a:lnRef idx="1">
-            <a:schemeClr val="accent1"/>
-          </a:lnRef>
-          <a:fillRef idx="0">
-            <a:schemeClr val="accent1"/>
-          </a:fillRef>
-          <a:effectRef idx="0">
-            <a:schemeClr val="accent1"/>
-          </a:effectRef>
-          <a:fontRef idx="minor">
-            <a:schemeClr val="tx1"/>
-          </a:fontRef>
-        </p:style>
-      </p:cxnSp>
-      <p:cxnSp>
-        <p:nvCxnSpPr>
-          <p:cNvPr id="127" name="Straight Connector 126"/>
-          <p:cNvCxnSpPr>
-            <a:stCxn id="114" idx="3"/>
-            <a:endCxn id="66" idx="1"/>
-          </p:cNvCxnSpPr>
-          <p:nvPr/>
-        </p:nvCxnSpPr>
-        <p:spPr>
-          <a:xfrm>
-            <a:off x="5344732" y="1147958"/>
-            <a:ext cx="2202284" cy="2203062"/>
-          </a:xfrm>
-          <a:prstGeom prst="line">
-            <a:avLst/>
-          </a:prstGeom>
-        </p:spPr>
-        <p:style>
-          <a:lnRef idx="1">
-            <a:schemeClr val="accent1"/>
-          </a:lnRef>
-          <a:fillRef idx="0">
-            <a:schemeClr val="accent1"/>
-          </a:fillRef>
-          <a:effectRef idx="0">
-            <a:schemeClr val="accent1"/>
-          </a:effectRef>
-          <a:fontRef idx="minor">
-            <a:schemeClr val="tx1"/>
-          </a:fontRef>
-        </p:style>
-      </p:cxnSp>
-      <p:cxnSp>
-        <p:nvCxnSpPr>
-          <p:cNvPr id="130" name="Straight Connector 129"/>
-          <p:cNvCxnSpPr>
-            <a:stCxn id="114" idx="3"/>
-            <a:endCxn id="67" idx="1"/>
-          </p:cNvCxnSpPr>
-          <p:nvPr/>
-        </p:nvCxnSpPr>
-        <p:spPr>
-          <a:xfrm>
-            <a:off x="5344732" y="1147958"/>
-            <a:ext cx="2202284" cy="3078534"/>
-          </a:xfrm>
-          <a:prstGeom prst="line">
-            <a:avLst/>
-          </a:prstGeom>
-        </p:spPr>
-        <p:style>
-          <a:lnRef idx="1">
-            <a:schemeClr val="accent1"/>
-          </a:lnRef>
-          <a:fillRef idx="0">
-            <a:schemeClr val="accent1"/>
-          </a:fillRef>
-          <a:effectRef idx="0">
-            <a:schemeClr val="accent1"/>
-          </a:effectRef>
-          <a:fontRef idx="minor">
-            <a:schemeClr val="tx1"/>
-          </a:fontRef>
-        </p:style>
-      </p:cxnSp>
-      <p:cxnSp>
-        <p:nvCxnSpPr>
-          <p:cNvPr id="133" name="Straight Connector 132"/>
-          <p:cNvCxnSpPr>
-            <a:stCxn id="114" idx="3"/>
-            <a:endCxn id="68" idx="1"/>
-          </p:cNvCxnSpPr>
-          <p:nvPr/>
-        </p:nvCxnSpPr>
-        <p:spPr>
-          <a:xfrm>
-            <a:off x="5344732" y="1147958"/>
-            <a:ext cx="2202284" cy="4052968"/>
-          </a:xfrm>
-          <a:prstGeom prst="line">
-            <a:avLst/>
-          </a:prstGeom>
-        </p:spPr>
-        <p:style>
-          <a:lnRef idx="1">
-            <a:schemeClr val="accent1"/>
-          </a:lnRef>
-          <a:fillRef idx="0">
-            <a:schemeClr val="accent1"/>
-          </a:fillRef>
-          <a:effectRef idx="0">
-            <a:schemeClr val="accent1"/>
-          </a:effectRef>
-          <a:fontRef idx="minor">
-            <a:schemeClr val="tx1"/>
-          </a:fontRef>
-        </p:style>
-      </p:cxnSp>
-      <p:cxnSp>
-        <p:nvCxnSpPr>
-          <p:cNvPr id="136" name="Straight Connector 135"/>
-          <p:cNvCxnSpPr>
-            <a:stCxn id="114" idx="3"/>
-            <a:endCxn id="69" idx="1"/>
-          </p:cNvCxnSpPr>
-          <p:nvPr/>
-        </p:nvCxnSpPr>
-        <p:spPr>
-          <a:xfrm>
-            <a:off x="5344732" y="1147958"/>
-            <a:ext cx="2202286" cy="5089647"/>
-          </a:xfrm>
-          <a:prstGeom prst="line">
-            <a:avLst/>
-          </a:prstGeom>
-        </p:spPr>
-        <p:style>
-          <a:lnRef idx="1">
-            <a:schemeClr val="accent1"/>
-          </a:lnRef>
-          <a:fillRef idx="0">
-            <a:schemeClr val="accent1"/>
-          </a:fillRef>
-          <a:effectRef idx="0">
-            <a:schemeClr val="accent1"/>
-          </a:effectRef>
-          <a:fontRef idx="minor">
-            <a:schemeClr val="tx1"/>
-          </a:fontRef>
-        </p:style>
-      </p:cxnSp>
-      <p:cxnSp>
-        <p:nvCxnSpPr>
-          <p:cNvPr id="139" name="Straight Connector 138"/>
-          <p:cNvCxnSpPr>
-            <a:endCxn id="63" idx="1"/>
-          </p:cNvCxnSpPr>
-          <p:nvPr/>
-        </p:nvCxnSpPr>
-        <p:spPr>
-          <a:xfrm flipV="1">
-            <a:off x="5342584" y="669700"/>
-            <a:ext cx="2204436" cy="1940013"/>
-          </a:xfrm>
-          <a:prstGeom prst="line">
-            <a:avLst/>
-          </a:prstGeom>
-          <a:ln>
-            <a:solidFill>
-              <a:srgbClr val="FFC000"/>
-            </a:solidFill>
-          </a:ln>
-        </p:spPr>
-        <p:style>
-          <a:lnRef idx="1">
-            <a:schemeClr val="accent1"/>
-          </a:lnRef>
-          <a:fillRef idx="0">
-            <a:schemeClr val="accent1"/>
-          </a:fillRef>
-          <a:effectRef idx="0">
-            <a:schemeClr val="accent1"/>
-          </a:effectRef>
-          <a:fontRef idx="minor">
-            <a:schemeClr val="tx1"/>
-          </a:fontRef>
-        </p:style>
-      </p:cxnSp>
-      <p:cxnSp>
-        <p:nvCxnSpPr>
-          <p:cNvPr id="140" name="Straight Connector 139"/>
-          <p:cNvCxnSpPr>
-            <a:endCxn id="69" idx="1"/>
-          </p:cNvCxnSpPr>
-          <p:nvPr/>
-        </p:nvCxnSpPr>
-        <p:spPr>
-          <a:xfrm>
-            <a:off x="5342584" y="2609714"/>
-            <a:ext cx="2204434" cy="3627891"/>
-          </a:xfrm>
-          <a:prstGeom prst="line">
-            <a:avLst/>
-          </a:prstGeom>
-          <a:ln>
-            <a:solidFill>
-              <a:srgbClr val="FFC000"/>
-            </a:solidFill>
-          </a:ln>
-        </p:spPr>
-        <p:style>
-          <a:lnRef idx="1">
-            <a:schemeClr val="accent1"/>
-          </a:lnRef>
-          <a:fillRef idx="0">
-            <a:schemeClr val="accent1"/>
-          </a:fillRef>
-          <a:effectRef idx="0">
-            <a:schemeClr val="accent1"/>
-          </a:effectRef>
-          <a:fontRef idx="minor">
-            <a:schemeClr val="tx1"/>
-          </a:fontRef>
-        </p:style>
-      </p:cxnSp>
-      <p:cxnSp>
-        <p:nvCxnSpPr>
-          <p:cNvPr id="141" name="Straight Connector 140"/>
-          <p:cNvCxnSpPr>
-            <a:endCxn id="68" idx="1"/>
-          </p:cNvCxnSpPr>
-          <p:nvPr/>
-        </p:nvCxnSpPr>
-        <p:spPr>
-          <a:xfrm>
-            <a:off x="5342584" y="2609714"/>
-            <a:ext cx="2204432" cy="2591212"/>
-          </a:xfrm>
-          <a:prstGeom prst="line">
-            <a:avLst/>
-          </a:prstGeom>
-          <a:ln>
-            <a:solidFill>
-              <a:srgbClr val="FFC000"/>
-            </a:solidFill>
-          </a:ln>
-        </p:spPr>
-        <p:style>
-          <a:lnRef idx="1">
-            <a:schemeClr val="accent1"/>
-          </a:lnRef>
-          <a:fillRef idx="0">
-            <a:schemeClr val="accent1"/>
-          </a:fillRef>
-          <a:effectRef idx="0">
-            <a:schemeClr val="accent1"/>
-          </a:effectRef>
-          <a:fontRef idx="minor">
-            <a:schemeClr val="tx1"/>
-          </a:fontRef>
-        </p:style>
-      </p:cxnSp>
-      <p:cxnSp>
-        <p:nvCxnSpPr>
-          <p:cNvPr id="142" name="Straight Connector 141"/>
-          <p:cNvCxnSpPr>
-            <a:endCxn id="67" idx="1"/>
-          </p:cNvCxnSpPr>
-          <p:nvPr/>
-        </p:nvCxnSpPr>
-        <p:spPr>
-          <a:xfrm>
-            <a:off x="5342584" y="2609714"/>
-            <a:ext cx="2204432" cy="1616778"/>
-          </a:xfrm>
-          <a:prstGeom prst="line">
-            <a:avLst/>
-          </a:prstGeom>
-          <a:ln>
-            <a:solidFill>
-              <a:srgbClr val="FFC000"/>
-            </a:solidFill>
-          </a:ln>
-        </p:spPr>
-        <p:style>
-          <a:lnRef idx="1">
-            <a:schemeClr val="accent1"/>
-          </a:lnRef>
-          <a:fillRef idx="0">
-            <a:schemeClr val="accent1"/>
-          </a:fillRef>
-          <a:effectRef idx="0">
-            <a:schemeClr val="accent1"/>
-          </a:effectRef>
-          <a:fontRef idx="minor">
-            <a:schemeClr val="tx1"/>
-          </a:fontRef>
-        </p:style>
-      </p:cxnSp>
-      <p:cxnSp>
-        <p:nvCxnSpPr>
-          <p:cNvPr id="143" name="Straight Connector 142"/>
-          <p:cNvCxnSpPr>
-            <a:endCxn id="66" idx="1"/>
-          </p:cNvCxnSpPr>
-          <p:nvPr/>
-        </p:nvCxnSpPr>
-        <p:spPr>
-          <a:xfrm>
-            <a:off x="5342584" y="2609714"/>
-            <a:ext cx="2204432" cy="741306"/>
-          </a:xfrm>
-          <a:prstGeom prst="line">
-            <a:avLst/>
-          </a:prstGeom>
-          <a:ln>
-            <a:solidFill>
-              <a:srgbClr val="FFC000"/>
-            </a:solidFill>
-          </a:ln>
-        </p:spPr>
-        <p:style>
-          <a:lnRef idx="1">
-            <a:schemeClr val="accent1"/>
-          </a:lnRef>
-          <a:fillRef idx="0">
-            <a:schemeClr val="accent1"/>
-          </a:fillRef>
-          <a:effectRef idx="0">
-            <a:schemeClr val="accent1"/>
-          </a:effectRef>
-          <a:fontRef idx="minor">
-            <a:schemeClr val="tx1"/>
-          </a:fontRef>
-        </p:style>
-      </p:cxnSp>
-      <p:cxnSp>
-        <p:nvCxnSpPr>
-          <p:cNvPr id="144" name="Straight Connector 143"/>
-          <p:cNvCxnSpPr>
-            <a:endCxn id="65" idx="1"/>
-          </p:cNvCxnSpPr>
-          <p:nvPr/>
-        </p:nvCxnSpPr>
-        <p:spPr>
-          <a:xfrm flipV="1">
-            <a:off x="5342584" y="2438829"/>
-            <a:ext cx="2204431" cy="170885"/>
-          </a:xfrm>
-          <a:prstGeom prst="line">
-            <a:avLst/>
-          </a:prstGeom>
-          <a:ln>
-            <a:solidFill>
-              <a:srgbClr val="FFC000"/>
-            </a:solidFill>
-          </a:ln>
-        </p:spPr>
-        <p:style>
-          <a:lnRef idx="1">
-            <a:schemeClr val="accent1"/>
-          </a:lnRef>
-          <a:fillRef idx="0">
-            <a:schemeClr val="accent1"/>
-          </a:fillRef>
-          <a:effectRef idx="0">
-            <a:schemeClr val="accent1"/>
-          </a:effectRef>
-          <a:fontRef idx="minor">
-            <a:schemeClr val="tx1"/>
-          </a:fontRef>
-        </p:style>
-      </p:cxnSp>
-      <p:cxnSp>
-        <p:nvCxnSpPr>
-          <p:cNvPr id="145" name="Straight Connector 144"/>
-          <p:cNvCxnSpPr>
-            <a:endCxn id="64" idx="1"/>
-          </p:cNvCxnSpPr>
-          <p:nvPr/>
-        </p:nvCxnSpPr>
-        <p:spPr>
-          <a:xfrm flipV="1">
-            <a:off x="5342584" y="1528893"/>
-            <a:ext cx="2204431" cy="1080821"/>
-          </a:xfrm>
-          <a:prstGeom prst="line">
-            <a:avLst/>
-          </a:prstGeom>
-          <a:ln>
-            <a:solidFill>
-              <a:srgbClr val="FFC000"/>
-            </a:solidFill>
-          </a:ln>
-        </p:spPr>
-        <p:style>
-          <a:lnRef idx="1">
-            <a:schemeClr val="accent1"/>
-          </a:lnRef>
-          <a:fillRef idx="0">
-            <a:schemeClr val="accent1"/>
-          </a:fillRef>
-          <a:effectRef idx="0">
-            <a:schemeClr val="accent1"/>
-          </a:effectRef>
-          <a:fontRef idx="minor">
-            <a:schemeClr val="tx1"/>
-          </a:fontRef>
-        </p:style>
-      </p:cxnSp>
-      <p:cxnSp>
-        <p:nvCxnSpPr>
-          <p:cNvPr id="160" name="Straight Connector 159"/>
-          <p:cNvCxnSpPr>
-            <a:endCxn id="63" idx="1"/>
-          </p:cNvCxnSpPr>
-          <p:nvPr/>
-        </p:nvCxnSpPr>
-        <p:spPr>
-          <a:xfrm flipV="1">
-            <a:off x="5366194" y="669700"/>
-            <a:ext cx="2180826" cy="3453282"/>
-          </a:xfrm>
-          <a:prstGeom prst="line">
-            <a:avLst/>
-          </a:prstGeom>
-          <a:ln>
-            <a:solidFill>
-              <a:srgbClr val="92D050"/>
-            </a:solidFill>
-          </a:ln>
-        </p:spPr>
-        <p:style>
-          <a:lnRef idx="1">
-            <a:schemeClr val="accent1"/>
-          </a:lnRef>
-          <a:fillRef idx="0">
-            <a:schemeClr val="accent1"/>
-          </a:fillRef>
-          <a:effectRef idx="0">
-            <a:schemeClr val="accent1"/>
-          </a:effectRef>
-          <a:fontRef idx="minor">
-            <a:schemeClr val="tx1"/>
-          </a:fontRef>
-        </p:style>
-      </p:cxnSp>
-      <p:cxnSp>
-        <p:nvCxnSpPr>
-          <p:cNvPr id="161" name="Straight Connector 160"/>
-          <p:cNvCxnSpPr>
-            <a:endCxn id="69" idx="1"/>
-          </p:cNvCxnSpPr>
-          <p:nvPr/>
-        </p:nvCxnSpPr>
-        <p:spPr>
-          <a:xfrm>
-            <a:off x="5366194" y="4122982"/>
-            <a:ext cx="2180824" cy="2114623"/>
-          </a:xfrm>
-          <a:prstGeom prst="line">
-            <a:avLst/>
-          </a:prstGeom>
-          <a:ln>
-            <a:solidFill>
-              <a:srgbClr val="92D050"/>
-            </a:solidFill>
-          </a:ln>
-        </p:spPr>
-        <p:style>
-          <a:lnRef idx="1">
-            <a:schemeClr val="accent1"/>
-          </a:lnRef>
-          <a:fillRef idx="0">
-            <a:schemeClr val="accent1"/>
-          </a:fillRef>
-          <a:effectRef idx="0">
-            <a:schemeClr val="accent1"/>
-          </a:effectRef>
-          <a:fontRef idx="minor">
-            <a:schemeClr val="tx1"/>
-          </a:fontRef>
-        </p:style>
-      </p:cxnSp>
-      <p:cxnSp>
-        <p:nvCxnSpPr>
-          <p:cNvPr id="162" name="Straight Connector 161"/>
-          <p:cNvCxnSpPr>
-            <a:endCxn id="68" idx="1"/>
-          </p:cNvCxnSpPr>
-          <p:nvPr/>
-        </p:nvCxnSpPr>
-        <p:spPr>
-          <a:xfrm>
-            <a:off x="5366194" y="4122982"/>
-            <a:ext cx="2180822" cy="1077944"/>
-          </a:xfrm>
-          <a:prstGeom prst="line">
-            <a:avLst/>
-          </a:prstGeom>
-          <a:ln>
-            <a:solidFill>
-              <a:srgbClr val="92D050"/>
-            </a:solidFill>
-          </a:ln>
-        </p:spPr>
-        <p:style>
-          <a:lnRef idx="1">
-            <a:schemeClr val="accent1"/>
-          </a:lnRef>
-          <a:fillRef idx="0">
-            <a:schemeClr val="accent1"/>
-          </a:fillRef>
-          <a:effectRef idx="0">
-            <a:schemeClr val="accent1"/>
-          </a:effectRef>
-          <a:fontRef idx="minor">
-            <a:schemeClr val="tx1"/>
-          </a:fontRef>
-        </p:style>
-      </p:cxnSp>
-      <p:cxnSp>
-        <p:nvCxnSpPr>
-          <p:cNvPr id="163" name="Straight Connector 162"/>
-          <p:cNvCxnSpPr>
-            <a:endCxn id="67" idx="1"/>
-          </p:cNvCxnSpPr>
-          <p:nvPr/>
-        </p:nvCxnSpPr>
-        <p:spPr>
-          <a:xfrm>
-            <a:off x="5366194" y="4122982"/>
-            <a:ext cx="2180822" cy="103510"/>
-          </a:xfrm>
-          <a:prstGeom prst="line">
-            <a:avLst/>
-          </a:prstGeom>
-          <a:ln>
-            <a:solidFill>
-              <a:srgbClr val="92D050"/>
-            </a:solidFill>
-          </a:ln>
-        </p:spPr>
-        <p:style>
-          <a:lnRef idx="1">
-            <a:schemeClr val="accent1"/>
-          </a:lnRef>
-          <a:fillRef idx="0">
-            <a:schemeClr val="accent1"/>
-          </a:fillRef>
-          <a:effectRef idx="0">
-            <a:schemeClr val="accent1"/>
-          </a:effectRef>
-          <a:fontRef idx="minor">
-            <a:schemeClr val="tx1"/>
-          </a:fontRef>
-        </p:style>
-      </p:cxnSp>
-      <p:cxnSp>
-        <p:nvCxnSpPr>
-          <p:cNvPr id="164" name="Straight Connector 163"/>
-          <p:cNvCxnSpPr>
-            <a:endCxn id="66" idx="1"/>
-          </p:cNvCxnSpPr>
-          <p:nvPr/>
-        </p:nvCxnSpPr>
-        <p:spPr>
-          <a:xfrm flipV="1">
-            <a:off x="5366194" y="3351020"/>
-            <a:ext cx="2180822" cy="771962"/>
-          </a:xfrm>
-          <a:prstGeom prst="line">
-            <a:avLst/>
-          </a:prstGeom>
-          <a:ln>
-            <a:solidFill>
-              <a:srgbClr val="92D050"/>
-            </a:solidFill>
-          </a:ln>
-        </p:spPr>
-        <p:style>
-          <a:lnRef idx="1">
-            <a:schemeClr val="accent1"/>
-          </a:lnRef>
-          <a:fillRef idx="0">
-            <a:schemeClr val="accent1"/>
-          </a:fillRef>
-          <a:effectRef idx="0">
-            <a:schemeClr val="accent1"/>
-          </a:effectRef>
-          <a:fontRef idx="minor">
-            <a:schemeClr val="tx1"/>
-          </a:fontRef>
-        </p:style>
-      </p:cxnSp>
-      <p:cxnSp>
-        <p:nvCxnSpPr>
-          <p:cNvPr id="165" name="Straight Connector 164"/>
-          <p:cNvCxnSpPr>
-            <a:endCxn id="65" idx="1"/>
-          </p:cNvCxnSpPr>
-          <p:nvPr/>
-        </p:nvCxnSpPr>
-        <p:spPr>
-          <a:xfrm flipV="1">
-            <a:off x="5366194" y="2438829"/>
-            <a:ext cx="2180821" cy="1684155"/>
-          </a:xfrm>
-          <a:prstGeom prst="line">
-            <a:avLst/>
-          </a:prstGeom>
-          <a:ln>
-            <a:solidFill>
-              <a:srgbClr val="92D050"/>
-            </a:solidFill>
-          </a:ln>
-        </p:spPr>
-        <p:style>
-          <a:lnRef idx="1">
-            <a:schemeClr val="accent1"/>
-          </a:lnRef>
-          <a:fillRef idx="0">
-            <a:schemeClr val="accent1"/>
-          </a:fillRef>
-          <a:effectRef idx="0">
-            <a:schemeClr val="accent1"/>
-          </a:effectRef>
-          <a:fontRef idx="minor">
-            <a:schemeClr val="tx1"/>
-          </a:fontRef>
-        </p:style>
-      </p:cxnSp>
-      <p:cxnSp>
-        <p:nvCxnSpPr>
-          <p:cNvPr id="166" name="Straight Connector 165"/>
-          <p:cNvCxnSpPr>
-            <a:stCxn id="116" idx="3"/>
-            <a:endCxn id="64" idx="1"/>
-          </p:cNvCxnSpPr>
-          <p:nvPr/>
-        </p:nvCxnSpPr>
-        <p:spPr>
-          <a:xfrm flipV="1">
-            <a:off x="5344732" y="1528893"/>
-            <a:ext cx="2202283" cy="2586917"/>
-          </a:xfrm>
-          <a:prstGeom prst="line">
-            <a:avLst/>
-          </a:prstGeom>
-          <a:ln>
-            <a:solidFill>
-              <a:srgbClr val="92D050"/>
-            </a:solidFill>
-          </a:ln>
-        </p:spPr>
-        <p:style>
-          <a:lnRef idx="1">
-            <a:schemeClr val="accent1"/>
-          </a:lnRef>
-          <a:fillRef idx="0">
-            <a:schemeClr val="accent1"/>
-          </a:fillRef>
-          <a:effectRef idx="0">
-            <a:schemeClr val="accent1"/>
-          </a:effectRef>
-          <a:fontRef idx="minor">
-            <a:schemeClr val="tx1"/>
-          </a:fontRef>
-        </p:style>
-      </p:cxnSp>
-      <p:cxnSp>
-        <p:nvCxnSpPr>
-          <p:cNvPr id="182" name="Straight Connector 181"/>
-          <p:cNvCxnSpPr>
-            <a:endCxn id="63" idx="1"/>
-          </p:cNvCxnSpPr>
-          <p:nvPr/>
-        </p:nvCxnSpPr>
-        <p:spPr>
-          <a:xfrm flipV="1">
-            <a:off x="5353306" y="669700"/>
-            <a:ext cx="2193714" cy="5048193"/>
-          </a:xfrm>
-          <a:prstGeom prst="line">
-            <a:avLst/>
-          </a:prstGeom>
-          <a:ln>
-            <a:solidFill>
-              <a:srgbClr val="7030A0"/>
-            </a:solidFill>
-          </a:ln>
-        </p:spPr>
-        <p:style>
-          <a:lnRef idx="1">
-            <a:schemeClr val="accent1"/>
-          </a:lnRef>
-          <a:fillRef idx="0">
-            <a:schemeClr val="accent1"/>
-          </a:fillRef>
-          <a:effectRef idx="0">
-            <a:schemeClr val="accent1"/>
-          </a:effectRef>
-          <a:fontRef idx="minor">
-            <a:schemeClr val="tx1"/>
-          </a:fontRef>
-        </p:style>
-      </p:cxnSp>
-      <p:cxnSp>
-        <p:nvCxnSpPr>
-          <p:cNvPr id="183" name="Straight Connector 182"/>
-          <p:cNvCxnSpPr>
-            <a:endCxn id="69" idx="1"/>
-          </p:cNvCxnSpPr>
-          <p:nvPr/>
-        </p:nvCxnSpPr>
-        <p:spPr>
-          <a:xfrm>
-            <a:off x="5353306" y="5717893"/>
-            <a:ext cx="2193712" cy="519712"/>
-          </a:xfrm>
-          <a:prstGeom prst="line">
-            <a:avLst/>
-          </a:prstGeom>
-          <a:ln>
-            <a:solidFill>
-              <a:srgbClr val="7030A0"/>
-            </a:solidFill>
-          </a:ln>
-        </p:spPr>
-        <p:style>
-          <a:lnRef idx="1">
-            <a:schemeClr val="accent1"/>
-          </a:lnRef>
-          <a:fillRef idx="0">
-            <a:schemeClr val="accent1"/>
-          </a:fillRef>
-          <a:effectRef idx="0">
-            <a:schemeClr val="accent1"/>
-          </a:effectRef>
-          <a:fontRef idx="minor">
-            <a:schemeClr val="tx1"/>
-          </a:fontRef>
-        </p:style>
-      </p:cxnSp>
-      <p:cxnSp>
-        <p:nvCxnSpPr>
-          <p:cNvPr id="184" name="Straight Connector 183"/>
-          <p:cNvCxnSpPr>
-            <a:endCxn id="68" idx="1"/>
-          </p:cNvCxnSpPr>
-          <p:nvPr/>
-        </p:nvCxnSpPr>
-        <p:spPr>
-          <a:xfrm flipV="1">
-            <a:off x="5353306" y="5200926"/>
-            <a:ext cx="2193710" cy="516967"/>
-          </a:xfrm>
-          <a:prstGeom prst="line">
-            <a:avLst/>
-          </a:prstGeom>
-          <a:ln>
-            <a:solidFill>
-              <a:srgbClr val="7030A0"/>
-            </a:solidFill>
-          </a:ln>
-        </p:spPr>
-        <p:style>
-          <a:lnRef idx="1">
-            <a:schemeClr val="accent1"/>
-          </a:lnRef>
-          <a:fillRef idx="0">
-            <a:schemeClr val="accent1"/>
-          </a:fillRef>
-          <a:effectRef idx="0">
-            <a:schemeClr val="accent1"/>
-          </a:effectRef>
-          <a:fontRef idx="minor">
-            <a:schemeClr val="tx1"/>
-          </a:fontRef>
-        </p:style>
-      </p:cxnSp>
-      <p:cxnSp>
-        <p:nvCxnSpPr>
-          <p:cNvPr id="185" name="Straight Connector 184"/>
-          <p:cNvCxnSpPr>
-            <a:endCxn id="67" idx="1"/>
-          </p:cNvCxnSpPr>
-          <p:nvPr/>
-        </p:nvCxnSpPr>
-        <p:spPr>
-          <a:xfrm flipV="1">
-            <a:off x="5353306" y="4226492"/>
-            <a:ext cx="2193710" cy="1491401"/>
-          </a:xfrm>
-          <a:prstGeom prst="line">
-            <a:avLst/>
-          </a:prstGeom>
-          <a:ln>
-            <a:solidFill>
-              <a:srgbClr val="7030A0"/>
-            </a:solidFill>
-          </a:ln>
-        </p:spPr>
-        <p:style>
-          <a:lnRef idx="1">
-            <a:schemeClr val="accent1"/>
-          </a:lnRef>
-          <a:fillRef idx="0">
-            <a:schemeClr val="accent1"/>
-          </a:fillRef>
-          <a:effectRef idx="0">
-            <a:schemeClr val="accent1"/>
-          </a:effectRef>
-          <a:fontRef idx="minor">
-            <a:schemeClr val="tx1"/>
-          </a:fontRef>
-        </p:style>
-      </p:cxnSp>
-      <p:cxnSp>
-        <p:nvCxnSpPr>
-          <p:cNvPr id="186" name="Straight Connector 185"/>
-          <p:cNvCxnSpPr>
-            <a:endCxn id="66" idx="1"/>
-          </p:cNvCxnSpPr>
-          <p:nvPr/>
-        </p:nvCxnSpPr>
-        <p:spPr>
-          <a:xfrm flipV="1">
-            <a:off x="5353306" y="3351020"/>
-            <a:ext cx="2193710" cy="2366873"/>
-          </a:xfrm>
-          <a:prstGeom prst="line">
-            <a:avLst/>
-          </a:prstGeom>
-          <a:ln>
-            <a:solidFill>
-              <a:srgbClr val="7030A0"/>
-            </a:solidFill>
-          </a:ln>
-        </p:spPr>
-        <p:style>
-          <a:lnRef idx="1">
-            <a:schemeClr val="accent1"/>
-          </a:lnRef>
-          <a:fillRef idx="0">
-            <a:schemeClr val="accent1"/>
-          </a:fillRef>
-          <a:effectRef idx="0">
-            <a:schemeClr val="accent1"/>
-          </a:effectRef>
-          <a:fontRef idx="minor">
-            <a:schemeClr val="tx1"/>
-          </a:fontRef>
-        </p:style>
-      </p:cxnSp>
-      <p:cxnSp>
-        <p:nvCxnSpPr>
-          <p:cNvPr id="187" name="Straight Connector 186"/>
-          <p:cNvCxnSpPr>
-            <a:endCxn id="65" idx="1"/>
-          </p:cNvCxnSpPr>
-          <p:nvPr/>
-        </p:nvCxnSpPr>
-        <p:spPr>
-          <a:xfrm flipV="1">
-            <a:off x="5353306" y="2438829"/>
-            <a:ext cx="2193709" cy="3279067"/>
-          </a:xfrm>
-          <a:prstGeom prst="line">
-            <a:avLst/>
-          </a:prstGeom>
-          <a:ln>
-            <a:solidFill>
-              <a:srgbClr val="7030A0"/>
-            </a:solidFill>
-          </a:ln>
-        </p:spPr>
-        <p:style>
-          <a:lnRef idx="1">
-            <a:schemeClr val="accent1"/>
-          </a:lnRef>
-          <a:fillRef idx="0">
-            <a:schemeClr val="accent1"/>
-          </a:fillRef>
-          <a:effectRef idx="0">
-            <a:schemeClr val="accent1"/>
-          </a:effectRef>
-          <a:fontRef idx="minor">
-            <a:schemeClr val="tx1"/>
-          </a:fontRef>
-        </p:style>
-      </p:cxnSp>
-      <p:cxnSp>
-        <p:nvCxnSpPr>
-          <p:cNvPr id="188" name="Straight Connector 187"/>
-          <p:cNvCxnSpPr>
-            <a:endCxn id="64" idx="1"/>
-          </p:cNvCxnSpPr>
-          <p:nvPr/>
-        </p:nvCxnSpPr>
-        <p:spPr>
-          <a:xfrm flipV="1">
-            <a:off x="5331844" y="1528893"/>
-            <a:ext cx="2215171" cy="4181829"/>
-          </a:xfrm>
-          <a:prstGeom prst="line">
-            <a:avLst/>
-          </a:prstGeom>
-          <a:ln>
-            <a:solidFill>
-              <a:srgbClr val="7030A0"/>
-            </a:solidFill>
-          </a:ln>
-        </p:spPr>
-        <p:style>
-          <a:lnRef idx="1">
-            <a:schemeClr val="accent1"/>
-          </a:lnRef>
-          <a:fillRef idx="0">
-            <a:schemeClr val="accent1"/>
-          </a:fillRef>
-          <a:effectRef idx="0">
-            <a:schemeClr val="accent1"/>
-          </a:effectRef>
-          <a:fontRef idx="minor">
-            <a:schemeClr val="tx1"/>
-          </a:fontRef>
-        </p:style>
-      </p:cxnSp>
-      <p:sp>
-        <p:nvSpPr>
-          <p:cNvPr id="196" name="TextBox 195"/>
-          <p:cNvSpPr txBox="1"/>
-          <p:nvPr/>
-        </p:nvSpPr>
-        <p:spPr>
-          <a:xfrm>
-            <a:off x="254330" y="1741919"/>
-            <a:ext cx="4368100" cy="338554"/>
-          </a:xfrm>
-          <a:prstGeom prst="rect">
-            <a:avLst/>
-          </a:prstGeom>
-          <a:noFill/>
-        </p:spPr>
-        <p:txBody>
-          <a:bodyPr wrap="square" rtlCol="0">
-            <a:spAutoFit/>
-          </a:bodyPr>
-          <a:lstStyle/>
-          <a:p>
-            <a:r>
-              <a:rPr lang="en-GB" sz="1600" dirty="0" smtClean="0"/>
-              <a:t>~ </a:t>
-            </a:r>
-            <a:r>
-              <a:rPr lang="en-GB" sz="1600" dirty="0"/>
-              <a:t>x</a:t>
-            </a:r>
-            <a:r>
-              <a:rPr lang="en-GB" sz="1600" dirty="0" smtClean="0"/>
-              <a:t> + (1|Province/Commune) + (1|year)</a:t>
-            </a:r>
-            <a:endParaRPr lang="en-GB" sz="1600" dirty="0"/>
-          </a:p>
-        </p:txBody>
-      </p:sp>
-      <p:sp>
-        <p:nvSpPr>
-          <p:cNvPr id="197" name="TextBox 196"/>
-          <p:cNvSpPr txBox="1"/>
-          <p:nvPr/>
-        </p:nvSpPr>
-        <p:spPr>
-          <a:xfrm>
-            <a:off x="203916" y="941839"/>
-            <a:ext cx="4007476" cy="584775"/>
-          </a:xfrm>
-          <a:prstGeom prst="rect">
-            <a:avLst/>
-          </a:prstGeom>
-          <a:noFill/>
-        </p:spPr>
-        <p:txBody>
-          <a:bodyPr wrap="square" rtlCol="0">
-            <a:spAutoFit/>
-          </a:bodyPr>
-          <a:lstStyle/>
-          <a:p>
-            <a:r>
-              <a:rPr lang="en-GB" sz="1600" dirty="0" smtClean="0"/>
-              <a:t>Intercept varies by commune, province, and year </a:t>
-            </a:r>
-            <a:endParaRPr lang="en-GB" sz="1600" dirty="0"/>
-          </a:p>
-        </p:txBody>
-      </p:sp>
-      <p:sp>
-        <p:nvSpPr>
-          <p:cNvPr id="198" name="TextBox 197"/>
-          <p:cNvSpPr txBox="1"/>
-          <p:nvPr/>
-        </p:nvSpPr>
-        <p:spPr>
-          <a:xfrm>
-            <a:off x="203916" y="3360458"/>
-            <a:ext cx="4007476" cy="584775"/>
-          </a:xfrm>
-          <a:prstGeom prst="rect">
-            <a:avLst/>
-          </a:prstGeom>
-          <a:noFill/>
-        </p:spPr>
-        <p:txBody>
-          <a:bodyPr wrap="square" rtlCol="0">
-            <a:spAutoFit/>
-          </a:bodyPr>
-          <a:lstStyle/>
-          <a:p>
-            <a:r>
-              <a:rPr lang="en-GB" sz="1600" dirty="0"/>
-              <a:t>I</a:t>
-            </a:r>
-            <a:r>
-              <a:rPr lang="en-GB" sz="1600" dirty="0" smtClean="0"/>
-              <a:t>ntercept and slope vary by commune, province, and year</a:t>
-            </a:r>
-            <a:endParaRPr lang="en-GB" sz="1600" dirty="0"/>
-          </a:p>
-        </p:txBody>
-      </p:sp>
-      <p:sp>
-        <p:nvSpPr>
-          <p:cNvPr id="199" name="TextBox 198"/>
-          <p:cNvSpPr txBox="1"/>
-          <p:nvPr/>
-        </p:nvSpPr>
-        <p:spPr>
-          <a:xfrm>
-            <a:off x="98721" y="4122982"/>
-            <a:ext cx="4368100" cy="338554"/>
-          </a:xfrm>
-          <a:prstGeom prst="rect">
-            <a:avLst/>
-          </a:prstGeom>
-          <a:noFill/>
-        </p:spPr>
-        <p:txBody>
-          <a:bodyPr wrap="square" rtlCol="0">
-            <a:spAutoFit/>
-          </a:bodyPr>
-          <a:lstStyle/>
-          <a:p>
-            <a:r>
-              <a:rPr lang="en-GB" sz="1600" dirty="0" smtClean="0"/>
-              <a:t>~ </a:t>
-            </a:r>
-            <a:r>
-              <a:rPr lang="en-GB" sz="1600" dirty="0"/>
-              <a:t>x</a:t>
-            </a:r>
-            <a:r>
-              <a:rPr lang="en-GB" sz="1600" dirty="0" smtClean="0"/>
-              <a:t> + (</a:t>
-            </a:r>
-            <a:r>
-              <a:rPr lang="en-GB" sz="1600" dirty="0" err="1" smtClean="0"/>
-              <a:t>x|Province</a:t>
-            </a:r>
-            <a:r>
-              <a:rPr lang="en-GB" sz="1600" dirty="0" smtClean="0"/>
-              <a:t>/Commune) + (</a:t>
-            </a:r>
-            <a:r>
-              <a:rPr lang="en-GB" sz="1600" dirty="0" err="1" smtClean="0"/>
-              <a:t>x|year</a:t>
-            </a:r>
-            <a:r>
-              <a:rPr lang="en-GB" sz="1600" dirty="0" smtClean="0"/>
-              <a:t>)</a:t>
-            </a:r>
-            <a:endParaRPr lang="en-GB" sz="1600" dirty="0"/>
           </a:p>
         </p:txBody>
       </p:sp>
     </p:spTree>
     <p:extLst>
       <p:ext uri="{BB962C8B-B14F-4D97-AF65-F5344CB8AC3E}">
-        <p14:creationId xmlns:p14="http://schemas.microsoft.com/office/powerpoint/2010/main" val="74165086"/>
+        <p14:creationId xmlns:p14="http://schemas.microsoft.com/office/powerpoint/2010/main" val="1735017006"/>
       </p:ext>
     </p:extLst>
   </p:cSld>
@@ -7662,7 +4581,7 @@
           <a:p>
             <a:r>
               <a:rPr lang="en-GB" dirty="0" smtClean="0"/>
-              <a:t>Habitat</a:t>
+              <a:t>Province</a:t>
             </a:r>
             <a:endParaRPr lang="en-GB" dirty="0"/>
           </a:p>
@@ -7716,7 +4635,7 @@
         </p:nvSpPr>
         <p:spPr>
           <a:xfrm>
-            <a:off x="7577059" y="1887133"/>
+            <a:off x="7547015" y="1307874"/>
             <a:ext cx="515155" cy="442037"/>
           </a:xfrm>
           <a:prstGeom prst="rect">
@@ -7750,13 +4669,13 @@
       </p:sp>
       <p:sp>
         <p:nvSpPr>
-          <p:cNvPr id="67" name="Rectangle 66"/>
+          <p:cNvPr id="65" name="Rectangle 64"/>
           <p:cNvSpPr/>
           <p:nvPr/>
         </p:nvSpPr>
         <p:spPr>
           <a:xfrm>
-            <a:off x="7577060" y="3311188"/>
+            <a:off x="7547015" y="2217810"/>
             <a:ext cx="515155" cy="442037"/>
           </a:xfrm>
           <a:prstGeom prst="rect">
@@ -7790,13 +4709,93 @@
       </p:sp>
       <p:sp>
         <p:nvSpPr>
+          <p:cNvPr id="66" name="Rectangle 65"/>
+          <p:cNvSpPr/>
+          <p:nvPr/>
+        </p:nvSpPr>
+        <p:spPr>
+          <a:xfrm>
+            <a:off x="7547016" y="3130001"/>
+            <a:ext cx="515155" cy="442037"/>
+          </a:xfrm>
+          <a:prstGeom prst="rect">
+            <a:avLst/>
+          </a:prstGeom>
+        </p:spPr>
+        <p:style>
+          <a:lnRef idx="2">
+            <a:schemeClr val="accent1">
+              <a:shade val="50000"/>
+            </a:schemeClr>
+          </a:lnRef>
+          <a:fillRef idx="1">
+            <a:schemeClr val="accent1"/>
+          </a:fillRef>
+          <a:effectRef idx="0">
+            <a:schemeClr val="accent1"/>
+          </a:effectRef>
+          <a:fontRef idx="minor">
+            <a:schemeClr val="lt1"/>
+          </a:fontRef>
+        </p:style>
+        <p:txBody>
+          <a:bodyPr rtlCol="0" anchor="ctr"/>
+          <a:lstStyle/>
+          <a:p>
+            <a:pPr algn="ctr"/>
+            <a:endParaRPr lang="en-GB"/>
+          </a:p>
+        </p:txBody>
+      </p:sp>
+      <p:sp>
+        <p:nvSpPr>
+          <p:cNvPr id="67" name="Rectangle 66"/>
+          <p:cNvSpPr/>
+          <p:nvPr/>
+        </p:nvSpPr>
+        <p:spPr>
+          <a:xfrm>
+            <a:off x="7547016" y="4005473"/>
+            <a:ext cx="515155" cy="442037"/>
+          </a:xfrm>
+          <a:prstGeom prst="rect">
+            <a:avLst/>
+          </a:prstGeom>
+        </p:spPr>
+        <p:style>
+          <a:lnRef idx="2">
+            <a:schemeClr val="accent1">
+              <a:shade val="50000"/>
+            </a:schemeClr>
+          </a:lnRef>
+          <a:fillRef idx="1">
+            <a:schemeClr val="accent1"/>
+          </a:fillRef>
+          <a:effectRef idx="0">
+            <a:schemeClr val="accent1"/>
+          </a:effectRef>
+          <a:fontRef idx="minor">
+            <a:schemeClr val="lt1"/>
+          </a:fontRef>
+        </p:style>
+        <p:txBody>
+          <a:bodyPr rtlCol="0" anchor="ctr"/>
+          <a:lstStyle/>
+          <a:p>
+            <a:pPr algn="ctr"/>
+            <a:endParaRPr lang="en-GB"/>
+          </a:p>
+        </p:txBody>
+      </p:sp>
+      <p:sp>
+        <p:nvSpPr>
           <p:cNvPr id="68" name="Rectangle 67"/>
           <p:cNvSpPr/>
           <p:nvPr/>
         </p:nvSpPr>
         <p:spPr>
           <a:xfrm>
-            <a:off x="7559871" y="4708977"/>
+            <a:off x="7547016" y="4979907"/>
             <a:ext cx="515155" cy="442037"/>
           </a:xfrm>
           <a:prstGeom prst="rect">
@@ -7939,14 +4938,14 @@
           <p:cNvPr id="77" name="Straight Connector 76"/>
           <p:cNvCxnSpPr>
             <a:stCxn id="64" idx="3"/>
-            <a:endCxn id="9" idx="1"/>
+            <a:endCxn id="7" idx="1"/>
           </p:cNvCxnSpPr>
           <p:nvPr/>
         </p:nvCxnSpPr>
         <p:spPr>
-          <a:xfrm>
-            <a:off x="8092214" y="2108152"/>
-            <a:ext cx="1614160" cy="295905"/>
+          <a:xfrm flipV="1">
+            <a:off x="8062170" y="1502540"/>
+            <a:ext cx="1631325" cy="26353"/>
           </a:xfrm>
           <a:prstGeom prst="line">
             <a:avLst/>
@@ -7977,9 +4976,141 @@
           <p:nvPr/>
         </p:nvCxnSpPr>
         <p:spPr>
+          <a:xfrm>
+            <a:off x="8062170" y="1528893"/>
+            <a:ext cx="1633473" cy="452305"/>
+          </a:xfrm>
+          <a:prstGeom prst="line">
+            <a:avLst/>
+          </a:prstGeom>
+        </p:spPr>
+        <p:style>
+          <a:lnRef idx="1">
+            <a:schemeClr val="accent1"/>
+          </a:lnRef>
+          <a:fillRef idx="0">
+            <a:schemeClr val="accent1"/>
+          </a:fillRef>
+          <a:effectRef idx="0">
+            <a:schemeClr val="accent1"/>
+          </a:effectRef>
+          <a:fontRef idx="minor">
+            <a:schemeClr val="tx1"/>
+          </a:fontRef>
+        </p:style>
+      </p:cxnSp>
+      <p:cxnSp>
+        <p:nvCxnSpPr>
+          <p:cNvPr id="83" name="Straight Connector 82"/>
+          <p:cNvCxnSpPr>
+            <a:stCxn id="65" idx="3"/>
+            <a:endCxn id="9" idx="1"/>
+          </p:cNvCxnSpPr>
+          <p:nvPr/>
+        </p:nvCxnSpPr>
+        <p:spPr>
           <a:xfrm flipV="1">
-            <a:off x="8092214" y="1981198"/>
-            <a:ext cx="1603429" cy="126954"/>
+            <a:off x="8062170" y="2404057"/>
+            <a:ext cx="1644204" cy="34772"/>
+          </a:xfrm>
+          <a:prstGeom prst="line">
+            <a:avLst/>
+          </a:prstGeom>
+        </p:spPr>
+        <p:style>
+          <a:lnRef idx="1">
+            <a:schemeClr val="accent1"/>
+          </a:lnRef>
+          <a:fillRef idx="0">
+            <a:schemeClr val="accent1"/>
+          </a:fillRef>
+          <a:effectRef idx="0">
+            <a:schemeClr val="accent1"/>
+          </a:effectRef>
+          <a:fontRef idx="minor">
+            <a:schemeClr val="tx1"/>
+          </a:fontRef>
+        </p:style>
+      </p:cxnSp>
+      <p:cxnSp>
+        <p:nvCxnSpPr>
+          <p:cNvPr id="87" name="Straight Connector 86"/>
+          <p:cNvCxnSpPr>
+            <a:stCxn id="65" idx="3"/>
+            <a:endCxn id="10" idx="1"/>
+          </p:cNvCxnSpPr>
+          <p:nvPr/>
+        </p:nvCxnSpPr>
+        <p:spPr>
+          <a:xfrm>
+            <a:off x="8062170" y="2438829"/>
+            <a:ext cx="1654935" cy="375208"/>
+          </a:xfrm>
+          <a:prstGeom prst="line">
+            <a:avLst/>
+          </a:prstGeom>
+        </p:spPr>
+        <p:style>
+          <a:lnRef idx="1">
+            <a:schemeClr val="accent1"/>
+          </a:lnRef>
+          <a:fillRef idx="0">
+            <a:schemeClr val="accent1"/>
+          </a:fillRef>
+          <a:effectRef idx="0">
+            <a:schemeClr val="accent1"/>
+          </a:effectRef>
+          <a:fontRef idx="minor">
+            <a:schemeClr val="tx1"/>
+          </a:fontRef>
+        </p:style>
+      </p:cxnSp>
+      <p:cxnSp>
+        <p:nvCxnSpPr>
+          <p:cNvPr id="90" name="Straight Connector 89"/>
+          <p:cNvCxnSpPr>
+            <a:stCxn id="66" idx="3"/>
+            <a:endCxn id="11" idx="1"/>
+          </p:cNvCxnSpPr>
+          <p:nvPr/>
+        </p:nvCxnSpPr>
+        <p:spPr>
+          <a:xfrm flipV="1">
+            <a:off x="8062171" y="3228304"/>
+            <a:ext cx="1644203" cy="122716"/>
+          </a:xfrm>
+          <a:prstGeom prst="line">
+            <a:avLst/>
+          </a:prstGeom>
+        </p:spPr>
+        <p:style>
+          <a:lnRef idx="1">
+            <a:schemeClr val="accent1"/>
+          </a:lnRef>
+          <a:fillRef idx="0">
+            <a:schemeClr val="accent1"/>
+          </a:fillRef>
+          <a:effectRef idx="0">
+            <a:schemeClr val="accent1"/>
+          </a:effectRef>
+          <a:fontRef idx="minor">
+            <a:schemeClr val="tx1"/>
+          </a:fontRef>
+        </p:style>
+      </p:cxnSp>
+      <p:cxnSp>
+        <p:nvCxnSpPr>
+          <p:cNvPr id="93" name="Straight Connector 92"/>
+          <p:cNvCxnSpPr>
+            <a:stCxn id="66" idx="3"/>
+            <a:endCxn id="12" idx="1"/>
+          </p:cNvCxnSpPr>
+          <p:nvPr/>
+        </p:nvCxnSpPr>
+        <p:spPr>
+          <a:xfrm>
+            <a:off x="8062171" y="3351020"/>
+            <a:ext cx="1654934" cy="300143"/>
           </a:xfrm>
           <a:prstGeom prst="line">
             <a:avLst/>
@@ -8010,9 +5141,9 @@
           <p:nvPr/>
         </p:nvCxnSpPr>
         <p:spPr>
-          <a:xfrm>
-            <a:off x="8092215" y="3532207"/>
-            <a:ext cx="1622742" cy="554694"/>
+          <a:xfrm flipV="1">
+            <a:off x="8062171" y="4086901"/>
+            <a:ext cx="1652786" cy="139591"/>
           </a:xfrm>
           <a:prstGeom prst="line">
             <a:avLst/>
@@ -8038,14 +5169,14 @@
           <p:cNvPr id="99" name="Straight Connector 98"/>
           <p:cNvCxnSpPr>
             <a:stCxn id="67" idx="3"/>
-            <a:endCxn id="12" idx="1"/>
+            <a:endCxn id="14" idx="1"/>
           </p:cNvCxnSpPr>
           <p:nvPr/>
         </p:nvCxnSpPr>
         <p:spPr>
           <a:xfrm>
-            <a:off x="8092215" y="3532207"/>
-            <a:ext cx="1624890" cy="118956"/>
+            <a:off x="8062171" y="4226492"/>
+            <a:ext cx="1654934" cy="248918"/>
           </a:xfrm>
           <a:prstGeom prst="line">
             <a:avLst/>
@@ -8071,14 +5202,14 @@
           <p:cNvPr id="102" name="Straight Connector 101"/>
           <p:cNvCxnSpPr>
             <a:stCxn id="68" idx="3"/>
-            <a:endCxn id="14" idx="1"/>
+            <a:endCxn id="15" idx="1"/>
           </p:cNvCxnSpPr>
           <p:nvPr/>
         </p:nvCxnSpPr>
         <p:spPr>
           <a:xfrm flipV="1">
-            <a:off x="8075026" y="4475410"/>
-            <a:ext cx="1642079" cy="454586"/>
+            <a:off x="8062171" y="4885390"/>
+            <a:ext cx="1665665" cy="315536"/>
           </a:xfrm>
           <a:prstGeom prst="line">
             <a:avLst/>
@@ -8104,14 +5235,14 @@
           <p:cNvPr id="105" name="Straight Connector 104"/>
           <p:cNvCxnSpPr>
             <a:stCxn id="68" idx="3"/>
-            <a:endCxn id="15" idx="1"/>
+            <a:endCxn id="16" idx="1"/>
           </p:cNvCxnSpPr>
           <p:nvPr/>
         </p:nvCxnSpPr>
         <p:spPr>
-          <a:xfrm flipV="1">
-            <a:off x="8075026" y="4885390"/>
-            <a:ext cx="1652810" cy="44606"/>
+          <a:xfrm>
+            <a:off x="8062171" y="5200926"/>
+            <a:ext cx="1654934" cy="98731"/>
           </a:xfrm>
           <a:prstGeom prst="line">
             <a:avLst/>
@@ -8457,7 +5588,7 @@
         <p:spPr>
           <a:xfrm>
             <a:off x="5344732" y="1147958"/>
-            <a:ext cx="2232327" cy="960194"/>
+            <a:ext cx="2202283" cy="380935"/>
           </a:xfrm>
           <a:prstGeom prst="line">
             <a:avLst/>
@@ -8483,6 +5614,72 @@
           <p:cNvPr id="124" name="Straight Connector 123"/>
           <p:cNvCxnSpPr>
             <a:stCxn id="114" idx="3"/>
+            <a:endCxn id="65" idx="1"/>
+          </p:cNvCxnSpPr>
+          <p:nvPr/>
+        </p:nvCxnSpPr>
+        <p:spPr>
+          <a:xfrm>
+            <a:off x="5344732" y="1147958"/>
+            <a:ext cx="2202283" cy="1290871"/>
+          </a:xfrm>
+          <a:prstGeom prst="line">
+            <a:avLst/>
+          </a:prstGeom>
+        </p:spPr>
+        <p:style>
+          <a:lnRef idx="1">
+            <a:schemeClr val="accent1"/>
+          </a:lnRef>
+          <a:fillRef idx="0">
+            <a:schemeClr val="accent1"/>
+          </a:fillRef>
+          <a:effectRef idx="0">
+            <a:schemeClr val="accent1"/>
+          </a:effectRef>
+          <a:fontRef idx="minor">
+            <a:schemeClr val="tx1"/>
+          </a:fontRef>
+        </p:style>
+      </p:cxnSp>
+      <p:cxnSp>
+        <p:nvCxnSpPr>
+          <p:cNvPr id="127" name="Straight Connector 126"/>
+          <p:cNvCxnSpPr>
+            <a:stCxn id="114" idx="3"/>
+            <a:endCxn id="66" idx="1"/>
+          </p:cNvCxnSpPr>
+          <p:nvPr/>
+        </p:nvCxnSpPr>
+        <p:spPr>
+          <a:xfrm>
+            <a:off x="5344732" y="1147958"/>
+            <a:ext cx="2202284" cy="2203062"/>
+          </a:xfrm>
+          <a:prstGeom prst="line">
+            <a:avLst/>
+          </a:prstGeom>
+        </p:spPr>
+        <p:style>
+          <a:lnRef idx="1">
+            <a:schemeClr val="accent1"/>
+          </a:lnRef>
+          <a:fillRef idx="0">
+            <a:schemeClr val="accent1"/>
+          </a:fillRef>
+          <a:effectRef idx="0">
+            <a:schemeClr val="accent1"/>
+          </a:effectRef>
+          <a:fontRef idx="minor">
+            <a:schemeClr val="tx1"/>
+          </a:fontRef>
+        </p:style>
+      </p:cxnSp>
+      <p:cxnSp>
+        <p:nvCxnSpPr>
+          <p:cNvPr id="130" name="Straight Connector 129"/>
+          <p:cNvCxnSpPr>
+            <a:stCxn id="114" idx="3"/>
             <a:endCxn id="67" idx="1"/>
           </p:cNvCxnSpPr>
           <p:nvPr/>
@@ -8490,7 +5687,7 @@
         <p:spPr>
           <a:xfrm>
             <a:off x="5344732" y="1147958"/>
-            <a:ext cx="2232328" cy="2384249"/>
+            <a:ext cx="2202284" cy="3078534"/>
           </a:xfrm>
           <a:prstGeom prst="line">
             <a:avLst/>
@@ -8523,7 +5720,7 @@
         <p:spPr>
           <a:xfrm>
             <a:off x="5344732" y="1147958"/>
-            <a:ext cx="2215139" cy="3782038"/>
+            <a:ext cx="2202284" cy="4052968"/>
           </a:xfrm>
           <a:prstGeom prst="line">
             <a:avLst/>
@@ -8662,7 +5859,7 @@
         <p:spPr>
           <a:xfrm>
             <a:off x="5342584" y="2609714"/>
-            <a:ext cx="2217287" cy="2320282"/>
+            <a:ext cx="2204432" cy="2591212"/>
           </a:xfrm>
           <a:prstGeom prst="line">
             <a:avLst/>
@@ -8690,7 +5887,7 @@
       </p:cxnSp>
       <p:cxnSp>
         <p:nvCxnSpPr>
-          <p:cNvPr id="143" name="Straight Connector 142"/>
+          <p:cNvPr id="142" name="Straight Connector 141"/>
           <p:cNvCxnSpPr>
             <a:endCxn id="67" idx="1"/>
           </p:cNvCxnSpPr>
@@ -8699,7 +5896,7 @@
         <p:spPr>
           <a:xfrm>
             <a:off x="5342584" y="2609714"/>
-            <a:ext cx="2234476" cy="922493"/>
+            <a:ext cx="2204432" cy="1616778"/>
           </a:xfrm>
           <a:prstGeom prst="line">
             <a:avLst/>
@@ -8727,7 +5924,81 @@
       </p:cxnSp>
       <p:cxnSp>
         <p:nvCxnSpPr>
+          <p:cNvPr id="143" name="Straight Connector 142"/>
+          <p:cNvCxnSpPr>
+            <a:endCxn id="66" idx="1"/>
+          </p:cNvCxnSpPr>
+          <p:nvPr/>
+        </p:nvCxnSpPr>
+        <p:spPr>
+          <a:xfrm>
+            <a:off x="5342584" y="2609714"/>
+            <a:ext cx="2204432" cy="741306"/>
+          </a:xfrm>
+          <a:prstGeom prst="line">
+            <a:avLst/>
+          </a:prstGeom>
+          <a:ln>
+            <a:solidFill>
+              <a:srgbClr val="FFC000"/>
+            </a:solidFill>
+          </a:ln>
+        </p:spPr>
+        <p:style>
+          <a:lnRef idx="1">
+            <a:schemeClr val="accent1"/>
+          </a:lnRef>
+          <a:fillRef idx="0">
+            <a:schemeClr val="accent1"/>
+          </a:fillRef>
+          <a:effectRef idx="0">
+            <a:schemeClr val="accent1"/>
+          </a:effectRef>
+          <a:fontRef idx="minor">
+            <a:schemeClr val="tx1"/>
+          </a:fontRef>
+        </p:style>
+      </p:cxnSp>
+      <p:cxnSp>
+        <p:nvCxnSpPr>
           <p:cNvPr id="144" name="Straight Connector 143"/>
+          <p:cNvCxnSpPr>
+            <a:endCxn id="65" idx="1"/>
+          </p:cNvCxnSpPr>
+          <p:nvPr/>
+        </p:nvCxnSpPr>
+        <p:spPr>
+          <a:xfrm flipV="1">
+            <a:off x="5342584" y="2438829"/>
+            <a:ext cx="2204431" cy="170885"/>
+          </a:xfrm>
+          <a:prstGeom prst="line">
+            <a:avLst/>
+          </a:prstGeom>
+          <a:ln>
+            <a:solidFill>
+              <a:srgbClr val="FFC000"/>
+            </a:solidFill>
+          </a:ln>
+        </p:spPr>
+        <p:style>
+          <a:lnRef idx="1">
+            <a:schemeClr val="accent1"/>
+          </a:lnRef>
+          <a:fillRef idx="0">
+            <a:schemeClr val="accent1"/>
+          </a:fillRef>
+          <a:effectRef idx="0">
+            <a:schemeClr val="accent1"/>
+          </a:effectRef>
+          <a:fontRef idx="minor">
+            <a:schemeClr val="tx1"/>
+          </a:fontRef>
+        </p:style>
+      </p:cxnSp>
+      <p:cxnSp>
+        <p:nvCxnSpPr>
+          <p:cNvPr id="145" name="Straight Connector 144"/>
           <p:cNvCxnSpPr>
             <a:endCxn id="64" idx="1"/>
           </p:cNvCxnSpPr>
@@ -8735,8 +6006,8 @@
         </p:nvCxnSpPr>
         <p:spPr>
           <a:xfrm flipV="1">
-            <a:off x="5342584" y="2108152"/>
-            <a:ext cx="2234475" cy="501563"/>
+            <a:off x="5342584" y="1528893"/>
+            <a:ext cx="2204431" cy="1080821"/>
           </a:xfrm>
           <a:prstGeom prst="line">
             <a:avLst/>
@@ -8847,7 +6118,7 @@
         <p:spPr>
           <a:xfrm>
             <a:off x="5366194" y="4122982"/>
-            <a:ext cx="2193677" cy="807014"/>
+            <a:ext cx="2180822" cy="1077944"/>
           </a:xfrm>
           <a:prstGeom prst="line">
             <a:avLst/>
@@ -8875,16 +6146,16 @@
       </p:cxnSp>
       <p:cxnSp>
         <p:nvCxnSpPr>
-          <p:cNvPr id="164" name="Straight Connector 163"/>
+          <p:cNvPr id="163" name="Straight Connector 162"/>
           <p:cNvCxnSpPr>
             <a:endCxn id="67" idx="1"/>
           </p:cNvCxnSpPr>
           <p:nvPr/>
         </p:nvCxnSpPr>
         <p:spPr>
-          <a:xfrm flipV="1">
-            <a:off x="5366194" y="3532207"/>
-            <a:ext cx="2210866" cy="590775"/>
+          <a:xfrm>
+            <a:off x="5366194" y="4122982"/>
+            <a:ext cx="2180822" cy="103510"/>
           </a:xfrm>
           <a:prstGeom prst="line">
             <a:avLst/>
@@ -8912,16 +6183,91 @@
       </p:cxnSp>
       <p:cxnSp>
         <p:nvCxnSpPr>
+          <p:cNvPr id="164" name="Straight Connector 163"/>
+          <p:cNvCxnSpPr>
+            <a:endCxn id="66" idx="1"/>
+          </p:cNvCxnSpPr>
+          <p:nvPr/>
+        </p:nvCxnSpPr>
+        <p:spPr>
+          <a:xfrm flipV="1">
+            <a:off x="5366194" y="3351020"/>
+            <a:ext cx="2180822" cy="771962"/>
+          </a:xfrm>
+          <a:prstGeom prst="line">
+            <a:avLst/>
+          </a:prstGeom>
+          <a:ln>
+            <a:solidFill>
+              <a:srgbClr val="92D050"/>
+            </a:solidFill>
+          </a:ln>
+        </p:spPr>
+        <p:style>
+          <a:lnRef idx="1">
+            <a:schemeClr val="accent1"/>
+          </a:lnRef>
+          <a:fillRef idx="0">
+            <a:schemeClr val="accent1"/>
+          </a:fillRef>
+          <a:effectRef idx="0">
+            <a:schemeClr val="accent1"/>
+          </a:effectRef>
+          <a:fontRef idx="minor">
+            <a:schemeClr val="tx1"/>
+          </a:fontRef>
+        </p:style>
+      </p:cxnSp>
+      <p:cxnSp>
+        <p:nvCxnSpPr>
           <p:cNvPr id="165" name="Straight Connector 164"/>
           <p:cNvCxnSpPr>
+            <a:endCxn id="65" idx="1"/>
+          </p:cNvCxnSpPr>
+          <p:nvPr/>
+        </p:nvCxnSpPr>
+        <p:spPr>
+          <a:xfrm flipV="1">
+            <a:off x="5366194" y="2438829"/>
+            <a:ext cx="2180821" cy="1684155"/>
+          </a:xfrm>
+          <a:prstGeom prst="line">
+            <a:avLst/>
+          </a:prstGeom>
+          <a:ln>
+            <a:solidFill>
+              <a:srgbClr val="92D050"/>
+            </a:solidFill>
+          </a:ln>
+        </p:spPr>
+        <p:style>
+          <a:lnRef idx="1">
+            <a:schemeClr val="accent1"/>
+          </a:lnRef>
+          <a:fillRef idx="0">
+            <a:schemeClr val="accent1"/>
+          </a:fillRef>
+          <a:effectRef idx="0">
+            <a:schemeClr val="accent1"/>
+          </a:effectRef>
+          <a:fontRef idx="minor">
+            <a:schemeClr val="tx1"/>
+          </a:fontRef>
+        </p:style>
+      </p:cxnSp>
+      <p:cxnSp>
+        <p:nvCxnSpPr>
+          <p:cNvPr id="166" name="Straight Connector 165"/>
+          <p:cNvCxnSpPr>
+            <a:stCxn id="116" idx="3"/>
             <a:endCxn id="64" idx="1"/>
           </p:cNvCxnSpPr>
           <p:nvPr/>
         </p:nvCxnSpPr>
         <p:spPr>
           <a:xfrm flipV="1">
-            <a:off x="5366194" y="2108152"/>
-            <a:ext cx="2210865" cy="2014833"/>
+            <a:off x="5344732" y="1528893"/>
+            <a:ext cx="2202283" cy="2586917"/>
           </a:xfrm>
           <a:prstGeom prst="line">
             <a:avLst/>
@@ -9031,8 +6377,8 @@
         </p:nvCxnSpPr>
         <p:spPr>
           <a:xfrm flipV="1">
-            <a:off x="5353306" y="4929996"/>
-            <a:ext cx="2206565" cy="787898"/>
+            <a:off x="5353306" y="5200926"/>
+            <a:ext cx="2193710" cy="516967"/>
           </a:xfrm>
           <a:prstGeom prst="line">
             <a:avLst/>
@@ -9060,7 +6406,7 @@
       </p:cxnSp>
       <p:cxnSp>
         <p:nvCxnSpPr>
-          <p:cNvPr id="186" name="Straight Connector 185"/>
+          <p:cNvPr id="185" name="Straight Connector 184"/>
           <p:cNvCxnSpPr>
             <a:endCxn id="67" idx="1"/>
           </p:cNvCxnSpPr>
@@ -9068,8 +6414,8 @@
         </p:nvCxnSpPr>
         <p:spPr>
           <a:xfrm flipV="1">
-            <a:off x="5353306" y="3532207"/>
-            <a:ext cx="2223754" cy="2185687"/>
+            <a:off x="5353306" y="4226492"/>
+            <a:ext cx="2193710" cy="1491401"/>
           </a:xfrm>
           <a:prstGeom prst="line">
             <a:avLst/>
@@ -9097,16 +6443,16 @@
       </p:cxnSp>
       <p:cxnSp>
         <p:nvCxnSpPr>
-          <p:cNvPr id="187" name="Straight Connector 186"/>
+          <p:cNvPr id="186" name="Straight Connector 185"/>
           <p:cNvCxnSpPr>
-            <a:endCxn id="64" idx="1"/>
+            <a:endCxn id="66" idx="1"/>
           </p:cNvCxnSpPr>
           <p:nvPr/>
         </p:nvCxnSpPr>
         <p:spPr>
           <a:xfrm flipV="1">
-            <a:off x="5353306" y="2108152"/>
-            <a:ext cx="2223753" cy="3609745"/>
+            <a:off x="5353306" y="3351020"/>
+            <a:ext cx="2193710" cy="2366873"/>
           </a:xfrm>
           <a:prstGeom prst="line">
             <a:avLst/>
@@ -9132,6 +6478,80 @@
           </a:fontRef>
         </p:style>
       </p:cxnSp>
+      <p:cxnSp>
+        <p:nvCxnSpPr>
+          <p:cNvPr id="187" name="Straight Connector 186"/>
+          <p:cNvCxnSpPr>
+            <a:endCxn id="65" idx="1"/>
+          </p:cNvCxnSpPr>
+          <p:nvPr/>
+        </p:nvCxnSpPr>
+        <p:spPr>
+          <a:xfrm flipV="1">
+            <a:off x="5353306" y="2438829"/>
+            <a:ext cx="2193709" cy="3279067"/>
+          </a:xfrm>
+          <a:prstGeom prst="line">
+            <a:avLst/>
+          </a:prstGeom>
+          <a:ln>
+            <a:solidFill>
+              <a:srgbClr val="7030A0"/>
+            </a:solidFill>
+          </a:ln>
+        </p:spPr>
+        <p:style>
+          <a:lnRef idx="1">
+            <a:schemeClr val="accent1"/>
+          </a:lnRef>
+          <a:fillRef idx="0">
+            <a:schemeClr val="accent1"/>
+          </a:fillRef>
+          <a:effectRef idx="0">
+            <a:schemeClr val="accent1"/>
+          </a:effectRef>
+          <a:fontRef idx="minor">
+            <a:schemeClr val="tx1"/>
+          </a:fontRef>
+        </p:style>
+      </p:cxnSp>
+      <p:cxnSp>
+        <p:nvCxnSpPr>
+          <p:cNvPr id="188" name="Straight Connector 187"/>
+          <p:cNvCxnSpPr>
+            <a:endCxn id="64" idx="1"/>
+          </p:cNvCxnSpPr>
+          <p:nvPr/>
+        </p:nvCxnSpPr>
+        <p:spPr>
+          <a:xfrm flipV="1">
+            <a:off x="5331844" y="1528893"/>
+            <a:ext cx="2215171" cy="4181829"/>
+          </a:xfrm>
+          <a:prstGeom prst="line">
+            <a:avLst/>
+          </a:prstGeom>
+          <a:ln>
+            <a:solidFill>
+              <a:srgbClr val="7030A0"/>
+            </a:solidFill>
+          </a:ln>
+        </p:spPr>
+        <p:style>
+          <a:lnRef idx="1">
+            <a:schemeClr val="accent1"/>
+          </a:lnRef>
+          <a:fillRef idx="0">
+            <a:schemeClr val="accent1"/>
+          </a:fillRef>
+          <a:effectRef idx="0">
+            <a:schemeClr val="accent1"/>
+          </a:effectRef>
+          <a:fontRef idx="minor">
+            <a:schemeClr val="tx1"/>
+          </a:fontRef>
+        </p:style>
+      </p:cxnSp>
       <p:sp>
         <p:nvSpPr>
           <p:cNvPr id="196" name="TextBox 195"/>
@@ -9164,7 +6584,7 @@
             </a:r>
             <a:r>
               <a:rPr lang="en-GB" sz="1600" dirty="0" smtClean="0"/>
-              <a:t> + (1|Habitat/Commune) + (1|year)</a:t>
+              <a:t> + (1|Province/Commune) + (1|year)</a:t>
             </a:r>
             <a:endParaRPr lang="en-GB" sz="1600" dirty="0"/>
           </a:p>
@@ -9194,7 +6614,7 @@
           <a:p>
             <a:r>
               <a:rPr lang="en-GB" sz="1600" dirty="0" smtClean="0"/>
-              <a:t>Intercept varies by commune, habitat, and year </a:t>
+              <a:t>Intercept varies by commune, province, and year </a:t>
             </a:r>
             <a:endParaRPr lang="en-GB" sz="1600" dirty="0"/>
           </a:p>
@@ -9228,7 +6648,7 @@
             </a:r>
             <a:r>
               <a:rPr lang="en-GB" sz="1600" dirty="0" smtClean="0"/>
-              <a:t>ntercept and slope vary by commune, habitat, and year</a:t>
+              <a:t>ntercept and slope vary by commune, province, and year</a:t>
             </a:r>
             <a:endParaRPr lang="en-GB" sz="1600" dirty="0"/>
           </a:p>
@@ -9266,164 +6686,16 @@
             </a:r>
             <a:r>
               <a:rPr lang="en-GB" sz="1600" dirty="0" smtClean="0"/>
-              <a:t> + (</a:t>
-            </a:r>
-            <a:r>
-              <a:rPr lang="en-GB" sz="1600" dirty="0" err="1" smtClean="0"/>
-              <a:t>x|Habitat</a:t>
-            </a:r>
-            <a:r>
-              <a:rPr lang="en-GB" sz="1600" dirty="0" smtClean="0"/>
-              <a:t>/Commune) + (</a:t>
-            </a:r>
-            <a:r>
-              <a:rPr lang="en-GB" sz="1600" dirty="0" err="1" smtClean="0"/>
-              <a:t>x|year</a:t>
-            </a:r>
-            <a:r>
-              <a:rPr lang="en-GB" sz="1600" dirty="0" smtClean="0"/>
-              <a:t>)</a:t>
+              <a:t> + (1+x|Province/Commune) + (1+x|year)</a:t>
             </a:r>
             <a:endParaRPr lang="en-GB" sz="1600" dirty="0"/>
           </a:p>
         </p:txBody>
       </p:sp>
-      <p:cxnSp>
-        <p:nvCxnSpPr>
-          <p:cNvPr id="95" name="Straight Connector 94"/>
-          <p:cNvCxnSpPr>
-            <a:stCxn id="63" idx="3"/>
-            <a:endCxn id="7" idx="1"/>
-          </p:cNvCxnSpPr>
-          <p:nvPr/>
-        </p:nvCxnSpPr>
-        <p:spPr>
-          <a:xfrm>
-            <a:off x="8062175" y="669700"/>
-            <a:ext cx="1631320" cy="832840"/>
-          </a:xfrm>
-          <a:prstGeom prst="line">
-            <a:avLst/>
-          </a:prstGeom>
-        </p:spPr>
-        <p:style>
-          <a:lnRef idx="1">
-            <a:schemeClr val="accent1"/>
-          </a:lnRef>
-          <a:fillRef idx="0">
-            <a:schemeClr val="accent1"/>
-          </a:fillRef>
-          <a:effectRef idx="0">
-            <a:schemeClr val="accent1"/>
-          </a:effectRef>
-          <a:fontRef idx="minor">
-            <a:schemeClr val="tx1"/>
-          </a:fontRef>
-        </p:style>
-      </p:cxnSp>
-      <p:cxnSp>
-        <p:nvCxnSpPr>
-          <p:cNvPr id="98" name="Straight Connector 97"/>
-          <p:cNvCxnSpPr>
-            <a:stCxn id="64" idx="3"/>
-            <a:endCxn id="10" idx="1"/>
-          </p:cNvCxnSpPr>
-          <p:nvPr/>
-        </p:nvCxnSpPr>
-        <p:spPr>
-          <a:xfrm>
-            <a:off x="8092214" y="2108152"/>
-            <a:ext cx="1624891" cy="705885"/>
-          </a:xfrm>
-          <a:prstGeom prst="line">
-            <a:avLst/>
-          </a:prstGeom>
-        </p:spPr>
-        <p:style>
-          <a:lnRef idx="1">
-            <a:schemeClr val="accent1"/>
-          </a:lnRef>
-          <a:fillRef idx="0">
-            <a:schemeClr val="accent1"/>
-          </a:fillRef>
-          <a:effectRef idx="0">
-            <a:schemeClr val="accent1"/>
-          </a:effectRef>
-          <a:fontRef idx="minor">
-            <a:schemeClr val="tx1"/>
-          </a:fontRef>
-        </p:style>
-      </p:cxnSp>
-      <p:cxnSp>
-        <p:nvCxnSpPr>
-          <p:cNvPr id="101" name="Straight Connector 100"/>
-          <p:cNvCxnSpPr>
-            <a:stCxn id="67" idx="3"/>
-            <a:endCxn id="11" idx="1"/>
-          </p:cNvCxnSpPr>
-          <p:nvPr/>
-        </p:nvCxnSpPr>
-        <p:spPr>
-          <a:xfrm flipV="1">
-            <a:off x="8092215" y="3228304"/>
-            <a:ext cx="1614159" cy="303903"/>
-          </a:xfrm>
-          <a:prstGeom prst="line">
-            <a:avLst/>
-          </a:prstGeom>
-        </p:spPr>
-        <p:style>
-          <a:lnRef idx="1">
-            <a:schemeClr val="accent1"/>
-          </a:lnRef>
-          <a:fillRef idx="0">
-            <a:schemeClr val="accent1"/>
-          </a:fillRef>
-          <a:effectRef idx="0">
-            <a:schemeClr val="accent1"/>
-          </a:effectRef>
-          <a:fontRef idx="minor">
-            <a:schemeClr val="tx1"/>
-          </a:fontRef>
-        </p:style>
-      </p:cxnSp>
-      <p:cxnSp>
-        <p:nvCxnSpPr>
-          <p:cNvPr id="112" name="Straight Connector 111"/>
-          <p:cNvCxnSpPr>
-            <a:stCxn id="68" idx="3"/>
-            <a:endCxn id="16" idx="1"/>
-          </p:cNvCxnSpPr>
-          <p:nvPr/>
-        </p:nvCxnSpPr>
-        <p:spPr>
-          <a:xfrm>
-            <a:off x="8075026" y="4929996"/>
-            <a:ext cx="1642079" cy="369661"/>
-          </a:xfrm>
-          <a:prstGeom prst="line">
-            <a:avLst/>
-          </a:prstGeom>
-        </p:spPr>
-        <p:style>
-          <a:lnRef idx="1">
-            <a:schemeClr val="accent1"/>
-          </a:lnRef>
-          <a:fillRef idx="0">
-            <a:schemeClr val="accent1"/>
-          </a:fillRef>
-          <a:effectRef idx="0">
-            <a:schemeClr val="accent1"/>
-          </a:effectRef>
-          <a:fontRef idx="minor">
-            <a:schemeClr val="tx1"/>
-          </a:fontRef>
-        </p:style>
-      </p:cxnSp>
     </p:spTree>
     <p:extLst>
       <p:ext uri="{BB962C8B-B14F-4D97-AF65-F5344CB8AC3E}">
-        <p14:creationId xmlns:p14="http://schemas.microsoft.com/office/powerpoint/2010/main" val="2144992449"/>
+        <p14:creationId xmlns:p14="http://schemas.microsoft.com/office/powerpoint/2010/main" val="74165086"/>
       </p:ext>
     </p:extLst>
   </p:cSld>
@@ -9452,14 +6724,54 @@
       </p:grpSpPr>
       <p:sp>
         <p:nvSpPr>
-          <p:cNvPr id="4" name="TextBox 3"/>
+          <p:cNvPr id="4" name="Rectangle 3"/>
+          <p:cNvSpPr/>
+          <p:nvPr/>
+        </p:nvSpPr>
+        <p:spPr>
+          <a:xfrm>
+            <a:off x="9684912" y="528033"/>
+            <a:ext cx="373488" cy="283335"/>
+          </a:xfrm>
+          <a:prstGeom prst="rect">
+            <a:avLst/>
+          </a:prstGeom>
+        </p:spPr>
+        <p:style>
+          <a:lnRef idx="2">
+            <a:schemeClr val="accent1">
+              <a:shade val="50000"/>
+            </a:schemeClr>
+          </a:lnRef>
+          <a:fillRef idx="1">
+            <a:schemeClr val="accent1"/>
+          </a:fillRef>
+          <a:effectRef idx="0">
+            <a:schemeClr val="accent1"/>
+          </a:effectRef>
+          <a:fontRef idx="minor">
+            <a:schemeClr val="lt1"/>
+          </a:fontRef>
+        </p:style>
+        <p:txBody>
+          <a:bodyPr rtlCol="0" anchor="ctr"/>
+          <a:lstStyle/>
+          <a:p>
+            <a:pPr algn="ctr"/>
+            <a:endParaRPr lang="en-GB"/>
+          </a:p>
+        </p:txBody>
+      </p:sp>
+      <p:sp>
+        <p:nvSpPr>
+          <p:cNvPr id="5" name="TextBox 4"/>
           <p:cNvSpPr txBox="1"/>
           <p:nvPr/>
         </p:nvSpPr>
         <p:spPr>
           <a:xfrm>
-            <a:off x="218363" y="177421"/>
-            <a:ext cx="11450473" cy="646331"/>
+            <a:off x="9324304" y="0"/>
+            <a:ext cx="1249251" cy="369332"/>
           </a:xfrm>
           <a:prstGeom prst="rect">
             <a:avLst/>
@@ -9474,24 +6786,542 @@
           <a:p>
             <a:r>
               <a:rPr lang="en-GB" dirty="0" smtClean="0"/>
-              <a:t>Options for maximal model (for testing random effects structure), assuming we have 3 fixed effects (a, b, c)</a:t>
-            </a:r>
-          </a:p>
-          <a:p>
+              <a:t>communes</a:t>
+            </a:r>
             <a:endParaRPr lang="en-GB" dirty="0"/>
           </a:p>
         </p:txBody>
       </p:sp>
       <p:sp>
         <p:nvSpPr>
-          <p:cNvPr id="5" name="TextBox 4"/>
+          <p:cNvPr id="6" name="Rectangle 5"/>
+          <p:cNvSpPr/>
+          <p:nvPr/>
+        </p:nvSpPr>
+        <p:spPr>
+          <a:xfrm>
+            <a:off x="9695643" y="950892"/>
+            <a:ext cx="373488" cy="283335"/>
+          </a:xfrm>
+          <a:prstGeom prst="rect">
+            <a:avLst/>
+          </a:prstGeom>
+        </p:spPr>
+        <p:style>
+          <a:lnRef idx="2">
+            <a:schemeClr val="accent1">
+              <a:shade val="50000"/>
+            </a:schemeClr>
+          </a:lnRef>
+          <a:fillRef idx="1">
+            <a:schemeClr val="accent1"/>
+          </a:fillRef>
+          <a:effectRef idx="0">
+            <a:schemeClr val="accent1"/>
+          </a:effectRef>
+          <a:fontRef idx="minor">
+            <a:schemeClr val="lt1"/>
+          </a:fontRef>
+        </p:style>
+        <p:txBody>
+          <a:bodyPr rtlCol="0" anchor="ctr"/>
+          <a:lstStyle/>
+          <a:p>
+            <a:pPr algn="ctr"/>
+            <a:endParaRPr lang="en-GB"/>
+          </a:p>
+        </p:txBody>
+      </p:sp>
+      <p:sp>
+        <p:nvSpPr>
+          <p:cNvPr id="7" name="Rectangle 6"/>
+          <p:cNvSpPr/>
+          <p:nvPr/>
+        </p:nvSpPr>
+        <p:spPr>
+          <a:xfrm>
+            <a:off x="9693495" y="1360872"/>
+            <a:ext cx="373488" cy="283335"/>
+          </a:xfrm>
+          <a:prstGeom prst="rect">
+            <a:avLst/>
+          </a:prstGeom>
+        </p:spPr>
+        <p:style>
+          <a:lnRef idx="2">
+            <a:schemeClr val="accent1">
+              <a:shade val="50000"/>
+            </a:schemeClr>
+          </a:lnRef>
+          <a:fillRef idx="1">
+            <a:schemeClr val="accent1"/>
+          </a:fillRef>
+          <a:effectRef idx="0">
+            <a:schemeClr val="accent1"/>
+          </a:effectRef>
+          <a:fontRef idx="minor">
+            <a:schemeClr val="lt1"/>
+          </a:fontRef>
+        </p:style>
+        <p:txBody>
+          <a:bodyPr rtlCol="0" anchor="ctr"/>
+          <a:lstStyle/>
+          <a:p>
+            <a:pPr algn="ctr"/>
+            <a:endParaRPr lang="en-GB"/>
+          </a:p>
+        </p:txBody>
+      </p:sp>
+      <p:sp>
+        <p:nvSpPr>
+          <p:cNvPr id="8" name="Rectangle 7"/>
+          <p:cNvSpPr/>
+          <p:nvPr/>
+        </p:nvSpPr>
+        <p:spPr>
+          <a:xfrm>
+            <a:off x="9695643" y="1839530"/>
+            <a:ext cx="373488" cy="283335"/>
+          </a:xfrm>
+          <a:prstGeom prst="rect">
+            <a:avLst/>
+          </a:prstGeom>
+        </p:spPr>
+        <p:style>
+          <a:lnRef idx="2">
+            <a:schemeClr val="accent1">
+              <a:shade val="50000"/>
+            </a:schemeClr>
+          </a:lnRef>
+          <a:fillRef idx="1">
+            <a:schemeClr val="accent1"/>
+          </a:fillRef>
+          <a:effectRef idx="0">
+            <a:schemeClr val="accent1"/>
+          </a:effectRef>
+          <a:fontRef idx="minor">
+            <a:schemeClr val="lt1"/>
+          </a:fontRef>
+        </p:style>
+        <p:txBody>
+          <a:bodyPr rtlCol="0" anchor="ctr"/>
+          <a:lstStyle/>
+          <a:p>
+            <a:pPr algn="ctr"/>
+            <a:endParaRPr lang="en-GB"/>
+          </a:p>
+        </p:txBody>
+      </p:sp>
+      <p:sp>
+        <p:nvSpPr>
+          <p:cNvPr id="9" name="Rectangle 8"/>
+          <p:cNvSpPr/>
+          <p:nvPr/>
+        </p:nvSpPr>
+        <p:spPr>
+          <a:xfrm>
+            <a:off x="9706374" y="2262389"/>
+            <a:ext cx="373488" cy="283335"/>
+          </a:xfrm>
+          <a:prstGeom prst="rect">
+            <a:avLst/>
+          </a:prstGeom>
+        </p:spPr>
+        <p:style>
+          <a:lnRef idx="2">
+            <a:schemeClr val="accent1">
+              <a:shade val="50000"/>
+            </a:schemeClr>
+          </a:lnRef>
+          <a:fillRef idx="1">
+            <a:schemeClr val="accent1"/>
+          </a:fillRef>
+          <a:effectRef idx="0">
+            <a:schemeClr val="accent1"/>
+          </a:effectRef>
+          <a:fontRef idx="minor">
+            <a:schemeClr val="lt1"/>
+          </a:fontRef>
+        </p:style>
+        <p:txBody>
+          <a:bodyPr rtlCol="0" anchor="ctr"/>
+          <a:lstStyle/>
+          <a:p>
+            <a:pPr algn="ctr"/>
+            <a:endParaRPr lang="en-GB"/>
+          </a:p>
+        </p:txBody>
+      </p:sp>
+      <p:sp>
+        <p:nvSpPr>
+          <p:cNvPr id="10" name="Rectangle 9"/>
+          <p:cNvSpPr/>
+          <p:nvPr/>
+        </p:nvSpPr>
+        <p:spPr>
+          <a:xfrm>
+            <a:off x="9717105" y="2672369"/>
+            <a:ext cx="373488" cy="283335"/>
+          </a:xfrm>
+          <a:prstGeom prst="rect">
+            <a:avLst/>
+          </a:prstGeom>
+        </p:spPr>
+        <p:style>
+          <a:lnRef idx="2">
+            <a:schemeClr val="accent1">
+              <a:shade val="50000"/>
+            </a:schemeClr>
+          </a:lnRef>
+          <a:fillRef idx="1">
+            <a:schemeClr val="accent1"/>
+          </a:fillRef>
+          <a:effectRef idx="0">
+            <a:schemeClr val="accent1"/>
+          </a:effectRef>
+          <a:fontRef idx="minor">
+            <a:schemeClr val="lt1"/>
+          </a:fontRef>
+        </p:style>
+        <p:txBody>
+          <a:bodyPr rtlCol="0" anchor="ctr"/>
+          <a:lstStyle/>
+          <a:p>
+            <a:pPr algn="ctr"/>
+            <a:endParaRPr lang="en-GB"/>
+          </a:p>
+        </p:txBody>
+      </p:sp>
+      <p:sp>
+        <p:nvSpPr>
+          <p:cNvPr id="11" name="Rectangle 10"/>
+          <p:cNvSpPr/>
+          <p:nvPr/>
+        </p:nvSpPr>
+        <p:spPr>
+          <a:xfrm>
+            <a:off x="9706374" y="3086636"/>
+            <a:ext cx="373488" cy="283335"/>
+          </a:xfrm>
+          <a:prstGeom prst="rect">
+            <a:avLst/>
+          </a:prstGeom>
+        </p:spPr>
+        <p:style>
+          <a:lnRef idx="2">
+            <a:schemeClr val="accent1">
+              <a:shade val="50000"/>
+            </a:schemeClr>
+          </a:lnRef>
+          <a:fillRef idx="1">
+            <a:schemeClr val="accent1"/>
+          </a:fillRef>
+          <a:effectRef idx="0">
+            <a:schemeClr val="accent1"/>
+          </a:effectRef>
+          <a:fontRef idx="minor">
+            <a:schemeClr val="lt1"/>
+          </a:fontRef>
+        </p:style>
+        <p:txBody>
+          <a:bodyPr rtlCol="0" anchor="ctr"/>
+          <a:lstStyle/>
+          <a:p>
+            <a:pPr algn="ctr"/>
+            <a:endParaRPr lang="en-GB"/>
+          </a:p>
+        </p:txBody>
+      </p:sp>
+      <p:sp>
+        <p:nvSpPr>
+          <p:cNvPr id="12" name="Rectangle 11"/>
+          <p:cNvSpPr/>
+          <p:nvPr/>
+        </p:nvSpPr>
+        <p:spPr>
+          <a:xfrm>
+            <a:off x="9717105" y="3509495"/>
+            <a:ext cx="373488" cy="283335"/>
+          </a:xfrm>
+          <a:prstGeom prst="rect">
+            <a:avLst/>
+          </a:prstGeom>
+        </p:spPr>
+        <p:style>
+          <a:lnRef idx="2">
+            <a:schemeClr val="accent1">
+              <a:shade val="50000"/>
+            </a:schemeClr>
+          </a:lnRef>
+          <a:fillRef idx="1">
+            <a:schemeClr val="accent1"/>
+          </a:fillRef>
+          <a:effectRef idx="0">
+            <a:schemeClr val="accent1"/>
+          </a:effectRef>
+          <a:fontRef idx="minor">
+            <a:schemeClr val="lt1"/>
+          </a:fontRef>
+        </p:style>
+        <p:txBody>
+          <a:bodyPr rtlCol="0" anchor="ctr"/>
+          <a:lstStyle/>
+          <a:p>
+            <a:pPr algn="ctr"/>
+            <a:endParaRPr lang="en-GB"/>
+          </a:p>
+        </p:txBody>
+      </p:sp>
+      <p:sp>
+        <p:nvSpPr>
+          <p:cNvPr id="13" name="Rectangle 12"/>
+          <p:cNvSpPr/>
+          <p:nvPr/>
+        </p:nvSpPr>
+        <p:spPr>
+          <a:xfrm>
+            <a:off x="9714957" y="3945233"/>
+            <a:ext cx="373488" cy="283335"/>
+          </a:xfrm>
+          <a:prstGeom prst="rect">
+            <a:avLst/>
+          </a:prstGeom>
+        </p:spPr>
+        <p:style>
+          <a:lnRef idx="2">
+            <a:schemeClr val="accent1">
+              <a:shade val="50000"/>
+            </a:schemeClr>
+          </a:lnRef>
+          <a:fillRef idx="1">
+            <a:schemeClr val="accent1"/>
+          </a:fillRef>
+          <a:effectRef idx="0">
+            <a:schemeClr val="accent1"/>
+          </a:effectRef>
+          <a:fontRef idx="minor">
+            <a:schemeClr val="lt1"/>
+          </a:fontRef>
+        </p:style>
+        <p:txBody>
+          <a:bodyPr rtlCol="0" anchor="ctr"/>
+          <a:lstStyle/>
+          <a:p>
+            <a:pPr algn="ctr"/>
+            <a:endParaRPr lang="en-GB"/>
+          </a:p>
+        </p:txBody>
+      </p:sp>
+      <p:sp>
+        <p:nvSpPr>
+          <p:cNvPr id="14" name="Rectangle 13"/>
+          <p:cNvSpPr/>
+          <p:nvPr/>
+        </p:nvSpPr>
+        <p:spPr>
+          <a:xfrm>
+            <a:off x="9717105" y="4333742"/>
+            <a:ext cx="373488" cy="283335"/>
+          </a:xfrm>
+          <a:prstGeom prst="rect">
+            <a:avLst/>
+          </a:prstGeom>
+        </p:spPr>
+        <p:style>
+          <a:lnRef idx="2">
+            <a:schemeClr val="accent1">
+              <a:shade val="50000"/>
+            </a:schemeClr>
+          </a:lnRef>
+          <a:fillRef idx="1">
+            <a:schemeClr val="accent1"/>
+          </a:fillRef>
+          <a:effectRef idx="0">
+            <a:schemeClr val="accent1"/>
+          </a:effectRef>
+          <a:fontRef idx="minor">
+            <a:schemeClr val="lt1"/>
+          </a:fontRef>
+        </p:style>
+        <p:txBody>
+          <a:bodyPr rtlCol="0" anchor="ctr"/>
+          <a:lstStyle/>
+          <a:p>
+            <a:pPr algn="ctr"/>
+            <a:endParaRPr lang="en-GB"/>
+          </a:p>
+        </p:txBody>
+      </p:sp>
+      <p:sp>
+        <p:nvSpPr>
+          <p:cNvPr id="15" name="Rectangle 14"/>
+          <p:cNvSpPr/>
+          <p:nvPr/>
+        </p:nvSpPr>
+        <p:spPr>
+          <a:xfrm>
+            <a:off x="9727836" y="4743722"/>
+            <a:ext cx="373488" cy="283335"/>
+          </a:xfrm>
+          <a:prstGeom prst="rect">
+            <a:avLst/>
+          </a:prstGeom>
+        </p:spPr>
+        <p:style>
+          <a:lnRef idx="2">
+            <a:schemeClr val="accent1">
+              <a:shade val="50000"/>
+            </a:schemeClr>
+          </a:lnRef>
+          <a:fillRef idx="1">
+            <a:schemeClr val="accent1"/>
+          </a:fillRef>
+          <a:effectRef idx="0">
+            <a:schemeClr val="accent1"/>
+          </a:effectRef>
+          <a:fontRef idx="minor">
+            <a:schemeClr val="lt1"/>
+          </a:fontRef>
+        </p:style>
+        <p:txBody>
+          <a:bodyPr rtlCol="0" anchor="ctr"/>
+          <a:lstStyle/>
+          <a:p>
+            <a:pPr algn="ctr"/>
+            <a:endParaRPr lang="en-GB"/>
+          </a:p>
+        </p:txBody>
+      </p:sp>
+      <p:sp>
+        <p:nvSpPr>
+          <p:cNvPr id="16" name="Rectangle 15"/>
+          <p:cNvSpPr/>
+          <p:nvPr/>
+        </p:nvSpPr>
+        <p:spPr>
+          <a:xfrm>
+            <a:off x="9717105" y="5157989"/>
+            <a:ext cx="373488" cy="283335"/>
+          </a:xfrm>
+          <a:prstGeom prst="rect">
+            <a:avLst/>
+          </a:prstGeom>
+        </p:spPr>
+        <p:style>
+          <a:lnRef idx="2">
+            <a:schemeClr val="accent1">
+              <a:shade val="50000"/>
+            </a:schemeClr>
+          </a:lnRef>
+          <a:fillRef idx="1">
+            <a:schemeClr val="accent1"/>
+          </a:fillRef>
+          <a:effectRef idx="0">
+            <a:schemeClr val="accent1"/>
+          </a:effectRef>
+          <a:fontRef idx="minor">
+            <a:schemeClr val="lt1"/>
+          </a:fontRef>
+        </p:style>
+        <p:txBody>
+          <a:bodyPr rtlCol="0" anchor="ctr"/>
+          <a:lstStyle/>
+          <a:p>
+            <a:pPr algn="ctr"/>
+            <a:endParaRPr lang="en-GB"/>
+          </a:p>
+        </p:txBody>
+      </p:sp>
+      <p:sp>
+        <p:nvSpPr>
+          <p:cNvPr id="17" name="Rectangle 16"/>
+          <p:cNvSpPr/>
+          <p:nvPr/>
+        </p:nvSpPr>
+        <p:spPr>
+          <a:xfrm>
+            <a:off x="9727836" y="5580848"/>
+            <a:ext cx="373488" cy="283335"/>
+          </a:xfrm>
+          <a:prstGeom prst="rect">
+            <a:avLst/>
+          </a:prstGeom>
+        </p:spPr>
+        <p:style>
+          <a:lnRef idx="2">
+            <a:schemeClr val="accent1">
+              <a:shade val="50000"/>
+            </a:schemeClr>
+          </a:lnRef>
+          <a:fillRef idx="1">
+            <a:schemeClr val="accent1"/>
+          </a:fillRef>
+          <a:effectRef idx="0">
+            <a:schemeClr val="accent1"/>
+          </a:effectRef>
+          <a:fontRef idx="minor">
+            <a:schemeClr val="lt1"/>
+          </a:fontRef>
+        </p:style>
+        <p:txBody>
+          <a:bodyPr rtlCol="0" anchor="ctr"/>
+          <a:lstStyle/>
+          <a:p>
+            <a:pPr algn="ctr"/>
+            <a:endParaRPr lang="en-GB"/>
+          </a:p>
+        </p:txBody>
+      </p:sp>
+      <p:sp>
+        <p:nvSpPr>
+          <p:cNvPr id="18" name="Rectangle 17"/>
+          <p:cNvSpPr/>
+          <p:nvPr/>
+        </p:nvSpPr>
+        <p:spPr>
+          <a:xfrm>
+            <a:off x="9725688" y="6016586"/>
+            <a:ext cx="373488" cy="283335"/>
+          </a:xfrm>
+          <a:prstGeom prst="rect">
+            <a:avLst/>
+          </a:prstGeom>
+        </p:spPr>
+        <p:style>
+          <a:lnRef idx="2">
+            <a:schemeClr val="accent1">
+              <a:shade val="50000"/>
+            </a:schemeClr>
+          </a:lnRef>
+          <a:fillRef idx="1">
+            <a:schemeClr val="accent1"/>
+          </a:fillRef>
+          <a:effectRef idx="0">
+            <a:schemeClr val="accent1"/>
+          </a:effectRef>
+          <a:fontRef idx="minor">
+            <a:schemeClr val="lt1"/>
+          </a:fontRef>
+        </p:style>
+        <p:txBody>
+          <a:bodyPr rtlCol="0" anchor="ctr"/>
+          <a:lstStyle/>
+          <a:p>
+            <a:pPr algn="ctr"/>
+            <a:endParaRPr lang="en-GB"/>
+          </a:p>
+        </p:txBody>
+      </p:sp>
+      <p:sp>
+        <p:nvSpPr>
+          <p:cNvPr id="19" name="TextBox 18"/>
           <p:cNvSpPr txBox="1"/>
           <p:nvPr/>
         </p:nvSpPr>
         <p:spPr>
           <a:xfrm>
-            <a:off x="218363" y="823752"/>
-            <a:ext cx="11668837" cy="584775"/>
+            <a:off x="10959922" y="3186329"/>
+            <a:ext cx="811369" cy="646331"/>
           </a:xfrm>
           <a:prstGeom prst="rect">
             <a:avLst/>
@@ -9505,41 +7335,23 @@
           <a:lstStyle/>
           <a:p>
             <a:r>
-              <a:rPr lang="en-GB" sz="1600" dirty="0" smtClean="0"/>
-              <a:t>~ a * b * c + (1+a*b*c | Province/Commune) + (1+a*b*c | Habitat/Commune)  + (1+a*b*c | PA/Commune) +….</a:t>
-            </a:r>
-            <a:r>
-              <a:rPr lang="en-GB" sz="1600" dirty="0" err="1" smtClean="0"/>
-              <a:t>elc</a:t>
-            </a:r>
-            <a:r>
-              <a:rPr lang="en-GB" sz="1600" dirty="0" smtClean="0"/>
-              <a:t>, </a:t>
-            </a:r>
-            <a:r>
-              <a:rPr lang="en-GB" sz="1600" dirty="0" err="1" smtClean="0"/>
-              <a:t>pa_cat</a:t>
-            </a:r>
-            <a:r>
-              <a:rPr lang="en-GB" sz="1600" dirty="0" smtClean="0"/>
-              <a:t> etc…+ (1|Year)</a:t>
-            </a:r>
-          </a:p>
-          <a:p>
-            <a:endParaRPr lang="en-GB" sz="1600" dirty="0"/>
-          </a:p>
-        </p:txBody>
-      </p:sp>
-      <p:sp>
-        <p:nvSpPr>
-          <p:cNvPr id="6" name="TextBox 5"/>
+              <a:rPr lang="en-GB" dirty="0" smtClean="0"/>
+              <a:t>Forest pixels</a:t>
+            </a:r>
+            <a:endParaRPr lang="en-GB" dirty="0"/>
+          </a:p>
+        </p:txBody>
+      </p:sp>
+      <p:sp>
+        <p:nvSpPr>
+          <p:cNvPr id="20" name="TextBox 19"/>
           <p:cNvSpPr txBox="1"/>
           <p:nvPr/>
         </p:nvSpPr>
         <p:spPr>
           <a:xfrm>
-            <a:off x="368489" y="2294004"/>
-            <a:ext cx="2333768" cy="369332"/>
+            <a:off x="10831133" y="-1"/>
+            <a:ext cx="1249251" cy="369332"/>
           </a:xfrm>
           <a:prstGeom prst="rect">
             <a:avLst/>
@@ -9554,22 +7366,483 @@
           <a:p>
             <a:r>
               <a:rPr lang="en-GB" dirty="0" smtClean="0"/>
-              <a:t>Other option: </a:t>
+              <a:t>response</a:t>
             </a:r>
             <a:endParaRPr lang="en-GB" dirty="0"/>
           </a:p>
         </p:txBody>
       </p:sp>
-      <p:sp>
-        <p:nvSpPr>
-          <p:cNvPr id="7" name="TextBox 6"/>
+      <p:cxnSp>
+        <p:nvCxnSpPr>
+          <p:cNvPr id="22" name="Straight Connector 21"/>
+          <p:cNvCxnSpPr>
+            <a:stCxn id="4" idx="3"/>
+            <a:endCxn id="19" idx="1"/>
+          </p:cNvCxnSpPr>
+          <p:nvPr/>
+        </p:nvCxnSpPr>
+        <p:spPr>
+          <a:xfrm>
+            <a:off x="10058400" y="669701"/>
+            <a:ext cx="901522" cy="2839794"/>
+          </a:xfrm>
+          <a:prstGeom prst="line">
+            <a:avLst/>
+          </a:prstGeom>
+        </p:spPr>
+        <p:style>
+          <a:lnRef idx="1">
+            <a:schemeClr val="accent1"/>
+          </a:lnRef>
+          <a:fillRef idx="0">
+            <a:schemeClr val="accent1"/>
+          </a:fillRef>
+          <a:effectRef idx="0">
+            <a:schemeClr val="accent1"/>
+          </a:effectRef>
+          <a:fontRef idx="minor">
+            <a:schemeClr val="tx1"/>
+          </a:fontRef>
+        </p:style>
+      </p:cxnSp>
+      <p:cxnSp>
+        <p:nvCxnSpPr>
+          <p:cNvPr id="23" name="Straight Connector 22"/>
+          <p:cNvCxnSpPr>
+            <a:stCxn id="6" idx="3"/>
+            <a:endCxn id="19" idx="1"/>
+          </p:cNvCxnSpPr>
+          <p:nvPr/>
+        </p:nvCxnSpPr>
+        <p:spPr>
+          <a:xfrm>
+            <a:off x="10069131" y="1092560"/>
+            <a:ext cx="890791" cy="2416935"/>
+          </a:xfrm>
+          <a:prstGeom prst="line">
+            <a:avLst/>
+          </a:prstGeom>
+        </p:spPr>
+        <p:style>
+          <a:lnRef idx="1">
+            <a:schemeClr val="accent1"/>
+          </a:lnRef>
+          <a:fillRef idx="0">
+            <a:schemeClr val="accent1"/>
+          </a:fillRef>
+          <a:effectRef idx="0">
+            <a:schemeClr val="accent1"/>
+          </a:effectRef>
+          <a:fontRef idx="minor">
+            <a:schemeClr val="tx1"/>
+          </a:fontRef>
+        </p:style>
+      </p:cxnSp>
+      <p:cxnSp>
+        <p:nvCxnSpPr>
+          <p:cNvPr id="26" name="Straight Connector 25"/>
+          <p:cNvCxnSpPr>
+            <a:stCxn id="7" idx="3"/>
+            <a:endCxn id="19" idx="1"/>
+          </p:cNvCxnSpPr>
+          <p:nvPr/>
+        </p:nvCxnSpPr>
+        <p:spPr>
+          <a:xfrm>
+            <a:off x="10066983" y="1502540"/>
+            <a:ext cx="892939" cy="2006955"/>
+          </a:xfrm>
+          <a:prstGeom prst="line">
+            <a:avLst/>
+          </a:prstGeom>
+        </p:spPr>
+        <p:style>
+          <a:lnRef idx="1">
+            <a:schemeClr val="accent1"/>
+          </a:lnRef>
+          <a:fillRef idx="0">
+            <a:schemeClr val="accent1"/>
+          </a:fillRef>
+          <a:effectRef idx="0">
+            <a:schemeClr val="accent1"/>
+          </a:effectRef>
+          <a:fontRef idx="minor">
+            <a:schemeClr val="tx1"/>
+          </a:fontRef>
+        </p:style>
+      </p:cxnSp>
+      <p:cxnSp>
+        <p:nvCxnSpPr>
+          <p:cNvPr id="29" name="Straight Connector 28"/>
+          <p:cNvCxnSpPr>
+            <a:stCxn id="8" idx="3"/>
+            <a:endCxn id="19" idx="1"/>
+          </p:cNvCxnSpPr>
+          <p:nvPr/>
+        </p:nvCxnSpPr>
+        <p:spPr>
+          <a:xfrm>
+            <a:off x="10069131" y="1981198"/>
+            <a:ext cx="890791" cy="1528297"/>
+          </a:xfrm>
+          <a:prstGeom prst="line">
+            <a:avLst/>
+          </a:prstGeom>
+        </p:spPr>
+        <p:style>
+          <a:lnRef idx="1">
+            <a:schemeClr val="accent1"/>
+          </a:lnRef>
+          <a:fillRef idx="0">
+            <a:schemeClr val="accent1"/>
+          </a:fillRef>
+          <a:effectRef idx="0">
+            <a:schemeClr val="accent1"/>
+          </a:effectRef>
+          <a:fontRef idx="minor">
+            <a:schemeClr val="tx1"/>
+          </a:fontRef>
+        </p:style>
+      </p:cxnSp>
+      <p:cxnSp>
+        <p:nvCxnSpPr>
+          <p:cNvPr id="32" name="Straight Connector 31"/>
+          <p:cNvCxnSpPr>
+            <a:stCxn id="9" idx="3"/>
+            <a:endCxn id="19" idx="1"/>
+          </p:cNvCxnSpPr>
+          <p:nvPr/>
+        </p:nvCxnSpPr>
+        <p:spPr>
+          <a:xfrm>
+            <a:off x="10079862" y="2404057"/>
+            <a:ext cx="880060" cy="1105438"/>
+          </a:xfrm>
+          <a:prstGeom prst="line">
+            <a:avLst/>
+          </a:prstGeom>
+        </p:spPr>
+        <p:style>
+          <a:lnRef idx="1">
+            <a:schemeClr val="accent1"/>
+          </a:lnRef>
+          <a:fillRef idx="0">
+            <a:schemeClr val="accent1"/>
+          </a:fillRef>
+          <a:effectRef idx="0">
+            <a:schemeClr val="accent1"/>
+          </a:effectRef>
+          <a:fontRef idx="minor">
+            <a:schemeClr val="tx1"/>
+          </a:fontRef>
+        </p:style>
+      </p:cxnSp>
+      <p:cxnSp>
+        <p:nvCxnSpPr>
+          <p:cNvPr id="35" name="Straight Connector 34"/>
+          <p:cNvCxnSpPr>
+            <a:stCxn id="10" idx="3"/>
+            <a:endCxn id="19" idx="1"/>
+          </p:cNvCxnSpPr>
+          <p:nvPr/>
+        </p:nvCxnSpPr>
+        <p:spPr>
+          <a:xfrm>
+            <a:off x="10090593" y="2814037"/>
+            <a:ext cx="869329" cy="695458"/>
+          </a:xfrm>
+          <a:prstGeom prst="line">
+            <a:avLst/>
+          </a:prstGeom>
+        </p:spPr>
+        <p:style>
+          <a:lnRef idx="1">
+            <a:schemeClr val="accent1"/>
+          </a:lnRef>
+          <a:fillRef idx="0">
+            <a:schemeClr val="accent1"/>
+          </a:fillRef>
+          <a:effectRef idx="0">
+            <a:schemeClr val="accent1"/>
+          </a:effectRef>
+          <a:fontRef idx="minor">
+            <a:schemeClr val="tx1"/>
+          </a:fontRef>
+        </p:style>
+      </p:cxnSp>
+      <p:cxnSp>
+        <p:nvCxnSpPr>
+          <p:cNvPr id="38" name="Straight Connector 37"/>
+          <p:cNvCxnSpPr>
+            <a:endCxn id="19" idx="1"/>
+          </p:cNvCxnSpPr>
+          <p:nvPr/>
+        </p:nvCxnSpPr>
+        <p:spPr>
+          <a:xfrm>
+            <a:off x="10099176" y="3228303"/>
+            <a:ext cx="860746" cy="281192"/>
+          </a:xfrm>
+          <a:prstGeom prst="line">
+            <a:avLst/>
+          </a:prstGeom>
+        </p:spPr>
+        <p:style>
+          <a:lnRef idx="1">
+            <a:schemeClr val="accent1"/>
+          </a:lnRef>
+          <a:fillRef idx="0">
+            <a:schemeClr val="accent1"/>
+          </a:fillRef>
+          <a:effectRef idx="0">
+            <a:schemeClr val="accent1"/>
+          </a:effectRef>
+          <a:fontRef idx="minor">
+            <a:schemeClr val="tx1"/>
+          </a:fontRef>
+        </p:style>
+      </p:cxnSp>
+      <p:cxnSp>
+        <p:nvCxnSpPr>
+          <p:cNvPr id="41" name="Straight Connector 40"/>
+          <p:cNvCxnSpPr>
+            <a:stCxn id="12" idx="3"/>
+            <a:endCxn id="19" idx="1"/>
+          </p:cNvCxnSpPr>
+          <p:nvPr/>
+        </p:nvCxnSpPr>
+        <p:spPr>
+          <a:xfrm flipV="1">
+            <a:off x="10090593" y="3509495"/>
+            <a:ext cx="869329" cy="141668"/>
+          </a:xfrm>
+          <a:prstGeom prst="line">
+            <a:avLst/>
+          </a:prstGeom>
+        </p:spPr>
+        <p:style>
+          <a:lnRef idx="1">
+            <a:schemeClr val="accent1"/>
+          </a:lnRef>
+          <a:fillRef idx="0">
+            <a:schemeClr val="accent1"/>
+          </a:fillRef>
+          <a:effectRef idx="0">
+            <a:schemeClr val="accent1"/>
+          </a:effectRef>
+          <a:fontRef idx="minor">
+            <a:schemeClr val="tx1"/>
+          </a:fontRef>
+        </p:style>
+      </p:cxnSp>
+      <p:cxnSp>
+        <p:nvCxnSpPr>
+          <p:cNvPr id="44" name="Straight Connector 43"/>
+          <p:cNvCxnSpPr>
+            <a:stCxn id="13" idx="3"/>
+            <a:endCxn id="19" idx="1"/>
+          </p:cNvCxnSpPr>
+          <p:nvPr/>
+        </p:nvCxnSpPr>
+        <p:spPr>
+          <a:xfrm flipV="1">
+            <a:off x="10088445" y="3509495"/>
+            <a:ext cx="871477" cy="577406"/>
+          </a:xfrm>
+          <a:prstGeom prst="line">
+            <a:avLst/>
+          </a:prstGeom>
+        </p:spPr>
+        <p:style>
+          <a:lnRef idx="1">
+            <a:schemeClr val="accent1"/>
+          </a:lnRef>
+          <a:fillRef idx="0">
+            <a:schemeClr val="accent1"/>
+          </a:fillRef>
+          <a:effectRef idx="0">
+            <a:schemeClr val="accent1"/>
+          </a:effectRef>
+          <a:fontRef idx="minor">
+            <a:schemeClr val="tx1"/>
+          </a:fontRef>
+        </p:style>
+      </p:cxnSp>
+      <p:cxnSp>
+        <p:nvCxnSpPr>
+          <p:cNvPr id="47" name="Straight Connector 46"/>
+          <p:cNvCxnSpPr>
+            <a:stCxn id="14" idx="3"/>
+            <a:endCxn id="19" idx="1"/>
+          </p:cNvCxnSpPr>
+          <p:nvPr/>
+        </p:nvCxnSpPr>
+        <p:spPr>
+          <a:xfrm flipV="1">
+            <a:off x="10090593" y="3509495"/>
+            <a:ext cx="869329" cy="965915"/>
+          </a:xfrm>
+          <a:prstGeom prst="line">
+            <a:avLst/>
+          </a:prstGeom>
+        </p:spPr>
+        <p:style>
+          <a:lnRef idx="1">
+            <a:schemeClr val="accent1"/>
+          </a:lnRef>
+          <a:fillRef idx="0">
+            <a:schemeClr val="accent1"/>
+          </a:fillRef>
+          <a:effectRef idx="0">
+            <a:schemeClr val="accent1"/>
+          </a:effectRef>
+          <a:fontRef idx="minor">
+            <a:schemeClr val="tx1"/>
+          </a:fontRef>
+        </p:style>
+      </p:cxnSp>
+      <p:cxnSp>
+        <p:nvCxnSpPr>
+          <p:cNvPr id="50" name="Straight Connector 49"/>
+          <p:cNvCxnSpPr>
+            <a:stCxn id="15" idx="3"/>
+            <a:endCxn id="19" idx="1"/>
+          </p:cNvCxnSpPr>
+          <p:nvPr/>
+        </p:nvCxnSpPr>
+        <p:spPr>
+          <a:xfrm flipV="1">
+            <a:off x="10101324" y="3509495"/>
+            <a:ext cx="858598" cy="1375895"/>
+          </a:xfrm>
+          <a:prstGeom prst="line">
+            <a:avLst/>
+          </a:prstGeom>
+        </p:spPr>
+        <p:style>
+          <a:lnRef idx="1">
+            <a:schemeClr val="accent1"/>
+          </a:lnRef>
+          <a:fillRef idx="0">
+            <a:schemeClr val="accent1"/>
+          </a:fillRef>
+          <a:effectRef idx="0">
+            <a:schemeClr val="accent1"/>
+          </a:effectRef>
+          <a:fontRef idx="minor">
+            <a:schemeClr val="tx1"/>
+          </a:fontRef>
+        </p:style>
+      </p:cxnSp>
+      <p:cxnSp>
+        <p:nvCxnSpPr>
+          <p:cNvPr id="53" name="Straight Connector 52"/>
+          <p:cNvCxnSpPr>
+            <a:stCxn id="16" idx="3"/>
+            <a:endCxn id="19" idx="1"/>
+          </p:cNvCxnSpPr>
+          <p:nvPr/>
+        </p:nvCxnSpPr>
+        <p:spPr>
+          <a:xfrm flipV="1">
+            <a:off x="10090593" y="3509495"/>
+            <a:ext cx="869329" cy="1790162"/>
+          </a:xfrm>
+          <a:prstGeom prst="line">
+            <a:avLst/>
+          </a:prstGeom>
+        </p:spPr>
+        <p:style>
+          <a:lnRef idx="1">
+            <a:schemeClr val="accent1"/>
+          </a:lnRef>
+          <a:fillRef idx="0">
+            <a:schemeClr val="accent1"/>
+          </a:fillRef>
+          <a:effectRef idx="0">
+            <a:schemeClr val="accent1"/>
+          </a:effectRef>
+          <a:fontRef idx="minor">
+            <a:schemeClr val="tx1"/>
+          </a:fontRef>
+        </p:style>
+      </p:cxnSp>
+      <p:cxnSp>
+        <p:nvCxnSpPr>
+          <p:cNvPr id="56" name="Straight Connector 55"/>
+          <p:cNvCxnSpPr>
+            <a:stCxn id="17" idx="3"/>
+            <a:endCxn id="19" idx="1"/>
+          </p:cNvCxnSpPr>
+          <p:nvPr/>
+        </p:nvCxnSpPr>
+        <p:spPr>
+          <a:xfrm flipV="1">
+            <a:off x="10101324" y="3509495"/>
+            <a:ext cx="858598" cy="2213021"/>
+          </a:xfrm>
+          <a:prstGeom prst="line">
+            <a:avLst/>
+          </a:prstGeom>
+        </p:spPr>
+        <p:style>
+          <a:lnRef idx="1">
+            <a:schemeClr val="accent1"/>
+          </a:lnRef>
+          <a:fillRef idx="0">
+            <a:schemeClr val="accent1"/>
+          </a:fillRef>
+          <a:effectRef idx="0">
+            <a:schemeClr val="accent1"/>
+          </a:effectRef>
+          <a:fontRef idx="minor">
+            <a:schemeClr val="tx1"/>
+          </a:fontRef>
+        </p:style>
+      </p:cxnSp>
+      <p:cxnSp>
+        <p:nvCxnSpPr>
+          <p:cNvPr id="59" name="Straight Connector 58"/>
+          <p:cNvCxnSpPr>
+            <a:stCxn id="18" idx="3"/>
+            <a:endCxn id="19" idx="1"/>
+          </p:cNvCxnSpPr>
+          <p:nvPr/>
+        </p:nvCxnSpPr>
+        <p:spPr>
+          <a:xfrm flipV="1">
+            <a:off x="10099176" y="3509495"/>
+            <a:ext cx="860746" cy="2648759"/>
+          </a:xfrm>
+          <a:prstGeom prst="line">
+            <a:avLst/>
+          </a:prstGeom>
+        </p:spPr>
+        <p:style>
+          <a:lnRef idx="1">
+            <a:schemeClr val="accent1"/>
+          </a:lnRef>
+          <a:fillRef idx="0">
+            <a:schemeClr val="accent1"/>
+          </a:fillRef>
+          <a:effectRef idx="0">
+            <a:schemeClr val="accent1"/>
+          </a:effectRef>
+          <a:fontRef idx="minor">
+            <a:schemeClr val="tx1"/>
+          </a:fontRef>
+        </p:style>
+      </p:cxnSp>
+      <p:sp>
+        <p:nvSpPr>
+          <p:cNvPr id="62" name="TextBox 61"/>
           <p:cNvSpPr txBox="1"/>
           <p:nvPr/>
         </p:nvSpPr>
         <p:spPr>
           <a:xfrm>
-            <a:off x="218363" y="2798520"/>
-            <a:ext cx="11668837" cy="1323439"/>
+            <a:off x="7321639" y="2143"/>
+            <a:ext cx="1249251" cy="369332"/>
           </a:xfrm>
           <a:prstGeom prst="rect">
             <a:avLst/>
@@ -9583,6 +7856,1916 @@
           <a:lstStyle/>
           <a:p>
             <a:r>
+              <a:rPr lang="en-GB" dirty="0" smtClean="0"/>
+              <a:t>Habitat</a:t>
+            </a:r>
+            <a:endParaRPr lang="en-GB" dirty="0"/>
+          </a:p>
+        </p:txBody>
+      </p:sp>
+      <p:sp>
+        <p:nvSpPr>
+          <p:cNvPr id="63" name="Rectangle 62"/>
+          <p:cNvSpPr/>
+          <p:nvPr/>
+        </p:nvSpPr>
+        <p:spPr>
+          <a:xfrm>
+            <a:off x="7547020" y="448681"/>
+            <a:ext cx="515155" cy="442037"/>
+          </a:xfrm>
+          <a:prstGeom prst="rect">
+            <a:avLst/>
+          </a:prstGeom>
+        </p:spPr>
+        <p:style>
+          <a:lnRef idx="2">
+            <a:schemeClr val="accent1">
+              <a:shade val="50000"/>
+            </a:schemeClr>
+          </a:lnRef>
+          <a:fillRef idx="1">
+            <a:schemeClr val="accent1"/>
+          </a:fillRef>
+          <a:effectRef idx="0">
+            <a:schemeClr val="accent1"/>
+          </a:effectRef>
+          <a:fontRef idx="minor">
+            <a:schemeClr val="lt1"/>
+          </a:fontRef>
+        </p:style>
+        <p:txBody>
+          <a:bodyPr rtlCol="0" anchor="ctr"/>
+          <a:lstStyle/>
+          <a:p>
+            <a:pPr algn="ctr"/>
+            <a:endParaRPr lang="en-GB"/>
+          </a:p>
+        </p:txBody>
+      </p:sp>
+      <p:sp>
+        <p:nvSpPr>
+          <p:cNvPr id="64" name="Rectangle 63"/>
+          <p:cNvSpPr/>
+          <p:nvPr/>
+        </p:nvSpPr>
+        <p:spPr>
+          <a:xfrm>
+            <a:off x="7577059" y="1887133"/>
+            <a:ext cx="515155" cy="442037"/>
+          </a:xfrm>
+          <a:prstGeom prst="rect">
+            <a:avLst/>
+          </a:prstGeom>
+        </p:spPr>
+        <p:style>
+          <a:lnRef idx="2">
+            <a:schemeClr val="accent1">
+              <a:shade val="50000"/>
+            </a:schemeClr>
+          </a:lnRef>
+          <a:fillRef idx="1">
+            <a:schemeClr val="accent1"/>
+          </a:fillRef>
+          <a:effectRef idx="0">
+            <a:schemeClr val="accent1"/>
+          </a:effectRef>
+          <a:fontRef idx="minor">
+            <a:schemeClr val="lt1"/>
+          </a:fontRef>
+        </p:style>
+        <p:txBody>
+          <a:bodyPr rtlCol="0" anchor="ctr"/>
+          <a:lstStyle/>
+          <a:p>
+            <a:pPr algn="ctr"/>
+            <a:endParaRPr lang="en-GB"/>
+          </a:p>
+        </p:txBody>
+      </p:sp>
+      <p:sp>
+        <p:nvSpPr>
+          <p:cNvPr id="67" name="Rectangle 66"/>
+          <p:cNvSpPr/>
+          <p:nvPr/>
+        </p:nvSpPr>
+        <p:spPr>
+          <a:xfrm>
+            <a:off x="7577060" y="3311188"/>
+            <a:ext cx="515155" cy="442037"/>
+          </a:xfrm>
+          <a:prstGeom prst="rect">
+            <a:avLst/>
+          </a:prstGeom>
+        </p:spPr>
+        <p:style>
+          <a:lnRef idx="2">
+            <a:schemeClr val="accent1">
+              <a:shade val="50000"/>
+            </a:schemeClr>
+          </a:lnRef>
+          <a:fillRef idx="1">
+            <a:schemeClr val="accent1"/>
+          </a:fillRef>
+          <a:effectRef idx="0">
+            <a:schemeClr val="accent1"/>
+          </a:effectRef>
+          <a:fontRef idx="minor">
+            <a:schemeClr val="lt1"/>
+          </a:fontRef>
+        </p:style>
+        <p:txBody>
+          <a:bodyPr rtlCol="0" anchor="ctr"/>
+          <a:lstStyle/>
+          <a:p>
+            <a:pPr algn="ctr"/>
+            <a:endParaRPr lang="en-GB"/>
+          </a:p>
+        </p:txBody>
+      </p:sp>
+      <p:sp>
+        <p:nvSpPr>
+          <p:cNvPr id="68" name="Rectangle 67"/>
+          <p:cNvSpPr/>
+          <p:nvPr/>
+        </p:nvSpPr>
+        <p:spPr>
+          <a:xfrm>
+            <a:off x="7559871" y="4708977"/>
+            <a:ext cx="515155" cy="442037"/>
+          </a:xfrm>
+          <a:prstGeom prst="rect">
+            <a:avLst/>
+          </a:prstGeom>
+        </p:spPr>
+        <p:style>
+          <a:lnRef idx="2">
+            <a:schemeClr val="accent1">
+              <a:shade val="50000"/>
+            </a:schemeClr>
+          </a:lnRef>
+          <a:fillRef idx="1">
+            <a:schemeClr val="accent1"/>
+          </a:fillRef>
+          <a:effectRef idx="0">
+            <a:schemeClr val="accent1"/>
+          </a:effectRef>
+          <a:fontRef idx="minor">
+            <a:schemeClr val="lt1"/>
+          </a:fontRef>
+        </p:style>
+        <p:txBody>
+          <a:bodyPr rtlCol="0" anchor="ctr"/>
+          <a:lstStyle/>
+          <a:p>
+            <a:pPr algn="ctr"/>
+            <a:endParaRPr lang="en-GB"/>
+          </a:p>
+        </p:txBody>
+      </p:sp>
+      <p:sp>
+        <p:nvSpPr>
+          <p:cNvPr id="69" name="Rectangle 68"/>
+          <p:cNvSpPr/>
+          <p:nvPr/>
+        </p:nvSpPr>
+        <p:spPr>
+          <a:xfrm>
+            <a:off x="7547018" y="6016586"/>
+            <a:ext cx="515155" cy="442037"/>
+          </a:xfrm>
+          <a:prstGeom prst="rect">
+            <a:avLst/>
+          </a:prstGeom>
+        </p:spPr>
+        <p:style>
+          <a:lnRef idx="2">
+            <a:schemeClr val="accent1">
+              <a:shade val="50000"/>
+            </a:schemeClr>
+          </a:lnRef>
+          <a:fillRef idx="1">
+            <a:schemeClr val="accent1"/>
+          </a:fillRef>
+          <a:effectRef idx="0">
+            <a:schemeClr val="accent1"/>
+          </a:effectRef>
+          <a:fontRef idx="minor">
+            <a:schemeClr val="lt1"/>
+          </a:fontRef>
+        </p:style>
+        <p:txBody>
+          <a:bodyPr rtlCol="0" anchor="ctr"/>
+          <a:lstStyle/>
+          <a:p>
+            <a:pPr algn="ctr"/>
+            <a:endParaRPr lang="en-GB"/>
+          </a:p>
+        </p:txBody>
+      </p:sp>
+      <p:cxnSp>
+        <p:nvCxnSpPr>
+          <p:cNvPr id="73" name="Straight Connector 72"/>
+          <p:cNvCxnSpPr>
+            <a:stCxn id="63" idx="3"/>
+            <a:endCxn id="4" idx="1"/>
+          </p:cNvCxnSpPr>
+          <p:nvPr/>
+        </p:nvCxnSpPr>
+        <p:spPr>
+          <a:xfrm>
+            <a:off x="8062175" y="669700"/>
+            <a:ext cx="1622737" cy="1"/>
+          </a:xfrm>
+          <a:prstGeom prst="line">
+            <a:avLst/>
+          </a:prstGeom>
+        </p:spPr>
+        <p:style>
+          <a:lnRef idx="1">
+            <a:schemeClr val="accent1"/>
+          </a:lnRef>
+          <a:fillRef idx="0">
+            <a:schemeClr val="accent1"/>
+          </a:fillRef>
+          <a:effectRef idx="0">
+            <a:schemeClr val="accent1"/>
+          </a:effectRef>
+          <a:fontRef idx="minor">
+            <a:schemeClr val="tx1"/>
+          </a:fontRef>
+        </p:style>
+      </p:cxnSp>
+      <p:cxnSp>
+        <p:nvCxnSpPr>
+          <p:cNvPr id="74" name="Straight Connector 73"/>
+          <p:cNvCxnSpPr>
+            <a:stCxn id="63" idx="3"/>
+            <a:endCxn id="6" idx="1"/>
+          </p:cNvCxnSpPr>
+          <p:nvPr/>
+        </p:nvCxnSpPr>
+        <p:spPr>
+          <a:xfrm>
+            <a:off x="8062175" y="669700"/>
+            <a:ext cx="1633468" cy="422860"/>
+          </a:xfrm>
+          <a:prstGeom prst="line">
+            <a:avLst/>
+          </a:prstGeom>
+        </p:spPr>
+        <p:style>
+          <a:lnRef idx="1">
+            <a:schemeClr val="accent1"/>
+          </a:lnRef>
+          <a:fillRef idx="0">
+            <a:schemeClr val="accent1"/>
+          </a:fillRef>
+          <a:effectRef idx="0">
+            <a:schemeClr val="accent1"/>
+          </a:effectRef>
+          <a:fontRef idx="minor">
+            <a:schemeClr val="tx1"/>
+          </a:fontRef>
+        </p:style>
+      </p:cxnSp>
+      <p:cxnSp>
+        <p:nvCxnSpPr>
+          <p:cNvPr id="77" name="Straight Connector 76"/>
+          <p:cNvCxnSpPr>
+            <a:stCxn id="64" idx="3"/>
+            <a:endCxn id="9" idx="1"/>
+          </p:cNvCxnSpPr>
+          <p:nvPr/>
+        </p:nvCxnSpPr>
+        <p:spPr>
+          <a:xfrm>
+            <a:off x="8092214" y="2108152"/>
+            <a:ext cx="1614160" cy="295905"/>
+          </a:xfrm>
+          <a:prstGeom prst="line">
+            <a:avLst/>
+          </a:prstGeom>
+        </p:spPr>
+        <p:style>
+          <a:lnRef idx="1">
+            <a:schemeClr val="accent1"/>
+          </a:lnRef>
+          <a:fillRef idx="0">
+            <a:schemeClr val="accent1"/>
+          </a:fillRef>
+          <a:effectRef idx="0">
+            <a:schemeClr val="accent1"/>
+          </a:effectRef>
+          <a:fontRef idx="minor">
+            <a:schemeClr val="tx1"/>
+          </a:fontRef>
+        </p:style>
+      </p:cxnSp>
+      <p:cxnSp>
+        <p:nvCxnSpPr>
+          <p:cNvPr id="80" name="Straight Connector 79"/>
+          <p:cNvCxnSpPr>
+            <a:stCxn id="64" idx="3"/>
+            <a:endCxn id="8" idx="1"/>
+          </p:cNvCxnSpPr>
+          <p:nvPr/>
+        </p:nvCxnSpPr>
+        <p:spPr>
+          <a:xfrm flipV="1">
+            <a:off x="8092214" y="1981198"/>
+            <a:ext cx="1603429" cy="126954"/>
+          </a:xfrm>
+          <a:prstGeom prst="line">
+            <a:avLst/>
+          </a:prstGeom>
+        </p:spPr>
+        <p:style>
+          <a:lnRef idx="1">
+            <a:schemeClr val="accent1"/>
+          </a:lnRef>
+          <a:fillRef idx="0">
+            <a:schemeClr val="accent1"/>
+          </a:fillRef>
+          <a:effectRef idx="0">
+            <a:schemeClr val="accent1"/>
+          </a:effectRef>
+          <a:fontRef idx="minor">
+            <a:schemeClr val="tx1"/>
+          </a:fontRef>
+        </p:style>
+      </p:cxnSp>
+      <p:cxnSp>
+        <p:nvCxnSpPr>
+          <p:cNvPr id="96" name="Straight Connector 95"/>
+          <p:cNvCxnSpPr>
+            <a:stCxn id="67" idx="3"/>
+            <a:endCxn id="13" idx="1"/>
+          </p:cNvCxnSpPr>
+          <p:nvPr/>
+        </p:nvCxnSpPr>
+        <p:spPr>
+          <a:xfrm>
+            <a:off x="8092215" y="3532207"/>
+            <a:ext cx="1622742" cy="554694"/>
+          </a:xfrm>
+          <a:prstGeom prst="line">
+            <a:avLst/>
+          </a:prstGeom>
+        </p:spPr>
+        <p:style>
+          <a:lnRef idx="1">
+            <a:schemeClr val="accent1"/>
+          </a:lnRef>
+          <a:fillRef idx="0">
+            <a:schemeClr val="accent1"/>
+          </a:fillRef>
+          <a:effectRef idx="0">
+            <a:schemeClr val="accent1"/>
+          </a:effectRef>
+          <a:fontRef idx="minor">
+            <a:schemeClr val="tx1"/>
+          </a:fontRef>
+        </p:style>
+      </p:cxnSp>
+      <p:cxnSp>
+        <p:nvCxnSpPr>
+          <p:cNvPr id="99" name="Straight Connector 98"/>
+          <p:cNvCxnSpPr>
+            <a:stCxn id="67" idx="3"/>
+            <a:endCxn id="12" idx="1"/>
+          </p:cNvCxnSpPr>
+          <p:nvPr/>
+        </p:nvCxnSpPr>
+        <p:spPr>
+          <a:xfrm>
+            <a:off x="8092215" y="3532207"/>
+            <a:ext cx="1624890" cy="118956"/>
+          </a:xfrm>
+          <a:prstGeom prst="line">
+            <a:avLst/>
+          </a:prstGeom>
+        </p:spPr>
+        <p:style>
+          <a:lnRef idx="1">
+            <a:schemeClr val="accent1"/>
+          </a:lnRef>
+          <a:fillRef idx="0">
+            <a:schemeClr val="accent1"/>
+          </a:fillRef>
+          <a:effectRef idx="0">
+            <a:schemeClr val="accent1"/>
+          </a:effectRef>
+          <a:fontRef idx="minor">
+            <a:schemeClr val="tx1"/>
+          </a:fontRef>
+        </p:style>
+      </p:cxnSp>
+      <p:cxnSp>
+        <p:nvCxnSpPr>
+          <p:cNvPr id="102" name="Straight Connector 101"/>
+          <p:cNvCxnSpPr>
+            <a:stCxn id="68" idx="3"/>
+            <a:endCxn id="14" idx="1"/>
+          </p:cNvCxnSpPr>
+          <p:nvPr/>
+        </p:nvCxnSpPr>
+        <p:spPr>
+          <a:xfrm flipV="1">
+            <a:off x="8075026" y="4475410"/>
+            <a:ext cx="1642079" cy="454586"/>
+          </a:xfrm>
+          <a:prstGeom prst="line">
+            <a:avLst/>
+          </a:prstGeom>
+        </p:spPr>
+        <p:style>
+          <a:lnRef idx="1">
+            <a:schemeClr val="accent1"/>
+          </a:lnRef>
+          <a:fillRef idx="0">
+            <a:schemeClr val="accent1"/>
+          </a:fillRef>
+          <a:effectRef idx="0">
+            <a:schemeClr val="accent1"/>
+          </a:effectRef>
+          <a:fontRef idx="minor">
+            <a:schemeClr val="tx1"/>
+          </a:fontRef>
+        </p:style>
+      </p:cxnSp>
+      <p:cxnSp>
+        <p:nvCxnSpPr>
+          <p:cNvPr id="105" name="Straight Connector 104"/>
+          <p:cNvCxnSpPr>
+            <a:stCxn id="68" idx="3"/>
+            <a:endCxn id="15" idx="1"/>
+          </p:cNvCxnSpPr>
+          <p:nvPr/>
+        </p:nvCxnSpPr>
+        <p:spPr>
+          <a:xfrm flipV="1">
+            <a:off x="8075026" y="4885390"/>
+            <a:ext cx="1652810" cy="44606"/>
+          </a:xfrm>
+          <a:prstGeom prst="line">
+            <a:avLst/>
+          </a:prstGeom>
+        </p:spPr>
+        <p:style>
+          <a:lnRef idx="1">
+            <a:schemeClr val="accent1"/>
+          </a:lnRef>
+          <a:fillRef idx="0">
+            <a:schemeClr val="accent1"/>
+          </a:fillRef>
+          <a:effectRef idx="0">
+            <a:schemeClr val="accent1"/>
+          </a:effectRef>
+          <a:fontRef idx="minor">
+            <a:schemeClr val="tx1"/>
+          </a:fontRef>
+        </p:style>
+      </p:cxnSp>
+      <p:cxnSp>
+        <p:nvCxnSpPr>
+          <p:cNvPr id="108" name="Straight Connector 107"/>
+          <p:cNvCxnSpPr>
+            <a:stCxn id="69" idx="3"/>
+            <a:endCxn id="17" idx="1"/>
+          </p:cNvCxnSpPr>
+          <p:nvPr/>
+        </p:nvCxnSpPr>
+        <p:spPr>
+          <a:xfrm flipV="1">
+            <a:off x="8062173" y="5722516"/>
+            <a:ext cx="1665663" cy="515089"/>
+          </a:xfrm>
+          <a:prstGeom prst="line">
+            <a:avLst/>
+          </a:prstGeom>
+        </p:spPr>
+        <p:style>
+          <a:lnRef idx="1">
+            <a:schemeClr val="accent1"/>
+          </a:lnRef>
+          <a:fillRef idx="0">
+            <a:schemeClr val="accent1"/>
+          </a:fillRef>
+          <a:effectRef idx="0">
+            <a:schemeClr val="accent1"/>
+          </a:effectRef>
+          <a:fontRef idx="minor">
+            <a:schemeClr val="tx1"/>
+          </a:fontRef>
+        </p:style>
+      </p:cxnSp>
+      <p:cxnSp>
+        <p:nvCxnSpPr>
+          <p:cNvPr id="111" name="Straight Connector 110"/>
+          <p:cNvCxnSpPr>
+            <a:stCxn id="69" idx="3"/>
+            <a:endCxn id="18" idx="1"/>
+          </p:cNvCxnSpPr>
+          <p:nvPr/>
+        </p:nvCxnSpPr>
+        <p:spPr>
+          <a:xfrm flipV="1">
+            <a:off x="8062173" y="6158254"/>
+            <a:ext cx="1663515" cy="79351"/>
+          </a:xfrm>
+          <a:prstGeom prst="line">
+            <a:avLst/>
+          </a:prstGeom>
+        </p:spPr>
+        <p:style>
+          <a:lnRef idx="1">
+            <a:schemeClr val="accent1"/>
+          </a:lnRef>
+          <a:fillRef idx="0">
+            <a:schemeClr val="accent1"/>
+          </a:fillRef>
+          <a:effectRef idx="0">
+            <a:schemeClr val="accent1"/>
+          </a:effectRef>
+          <a:fontRef idx="minor">
+            <a:schemeClr val="tx1"/>
+          </a:fontRef>
+        </p:style>
+      </p:cxnSp>
+      <p:sp>
+        <p:nvSpPr>
+          <p:cNvPr id="114" name="Rectangle 113"/>
+          <p:cNvSpPr/>
+          <p:nvPr/>
+        </p:nvSpPr>
+        <p:spPr>
+          <a:xfrm>
+            <a:off x="4468969" y="715510"/>
+            <a:ext cx="875763" cy="864896"/>
+          </a:xfrm>
+          <a:prstGeom prst="rect">
+            <a:avLst/>
+          </a:prstGeom>
+        </p:spPr>
+        <p:style>
+          <a:lnRef idx="2">
+            <a:schemeClr val="accent1">
+              <a:shade val="50000"/>
+            </a:schemeClr>
+          </a:lnRef>
+          <a:fillRef idx="1">
+            <a:schemeClr val="accent1"/>
+          </a:fillRef>
+          <a:effectRef idx="0">
+            <a:schemeClr val="accent1"/>
+          </a:effectRef>
+          <a:fontRef idx="minor">
+            <a:schemeClr val="lt1"/>
+          </a:fontRef>
+        </p:style>
+        <p:txBody>
+          <a:bodyPr rtlCol="0" anchor="ctr"/>
+          <a:lstStyle/>
+          <a:p>
+            <a:pPr algn="ctr"/>
+            <a:endParaRPr lang="en-GB"/>
+          </a:p>
+        </p:txBody>
+      </p:sp>
+      <p:sp>
+        <p:nvSpPr>
+          <p:cNvPr id="115" name="Rectangle 114"/>
+          <p:cNvSpPr/>
+          <p:nvPr/>
+        </p:nvSpPr>
+        <p:spPr>
+          <a:xfrm>
+            <a:off x="4468969" y="2193985"/>
+            <a:ext cx="875763" cy="864896"/>
+          </a:xfrm>
+          <a:prstGeom prst="rect">
+            <a:avLst/>
+          </a:prstGeom>
+          <a:solidFill>
+            <a:srgbClr val="FFC000"/>
+          </a:solidFill>
+          <a:ln>
+            <a:solidFill>
+              <a:srgbClr val="FFC000"/>
+            </a:solidFill>
+          </a:ln>
+        </p:spPr>
+        <p:style>
+          <a:lnRef idx="2">
+            <a:schemeClr val="accent1">
+              <a:shade val="50000"/>
+            </a:schemeClr>
+          </a:lnRef>
+          <a:fillRef idx="1">
+            <a:schemeClr val="accent1"/>
+          </a:fillRef>
+          <a:effectRef idx="0">
+            <a:schemeClr val="accent1"/>
+          </a:effectRef>
+          <a:fontRef idx="minor">
+            <a:schemeClr val="lt1"/>
+          </a:fontRef>
+        </p:style>
+        <p:txBody>
+          <a:bodyPr rtlCol="0" anchor="ctr"/>
+          <a:lstStyle/>
+          <a:p>
+            <a:pPr algn="ctr"/>
+            <a:endParaRPr lang="en-GB"/>
+          </a:p>
+        </p:txBody>
+      </p:sp>
+      <p:sp>
+        <p:nvSpPr>
+          <p:cNvPr id="116" name="Rectangle 115"/>
+          <p:cNvSpPr/>
+          <p:nvPr/>
+        </p:nvSpPr>
+        <p:spPr>
+          <a:xfrm>
+            <a:off x="4468969" y="3683362"/>
+            <a:ext cx="875763" cy="864896"/>
+          </a:xfrm>
+          <a:prstGeom prst="rect">
+            <a:avLst/>
+          </a:prstGeom>
+          <a:solidFill>
+            <a:srgbClr val="92D050"/>
+          </a:solidFill>
+          <a:ln>
+            <a:solidFill>
+              <a:srgbClr val="92D050"/>
+            </a:solidFill>
+          </a:ln>
+        </p:spPr>
+        <p:style>
+          <a:lnRef idx="2">
+            <a:schemeClr val="accent1">
+              <a:shade val="50000"/>
+            </a:schemeClr>
+          </a:lnRef>
+          <a:fillRef idx="1">
+            <a:schemeClr val="accent1"/>
+          </a:fillRef>
+          <a:effectRef idx="0">
+            <a:schemeClr val="accent1"/>
+          </a:effectRef>
+          <a:fontRef idx="minor">
+            <a:schemeClr val="lt1"/>
+          </a:fontRef>
+        </p:style>
+        <p:txBody>
+          <a:bodyPr rtlCol="0" anchor="ctr"/>
+          <a:lstStyle/>
+          <a:p>
+            <a:pPr algn="ctr"/>
+            <a:endParaRPr lang="en-GB"/>
+          </a:p>
+        </p:txBody>
+      </p:sp>
+      <p:sp>
+        <p:nvSpPr>
+          <p:cNvPr id="117" name="Rectangle 116"/>
+          <p:cNvSpPr/>
+          <p:nvPr/>
+        </p:nvSpPr>
+        <p:spPr>
+          <a:xfrm>
+            <a:off x="4474335" y="5290067"/>
+            <a:ext cx="875763" cy="864896"/>
+          </a:xfrm>
+          <a:prstGeom prst="rect">
+            <a:avLst/>
+          </a:prstGeom>
+          <a:solidFill>
+            <a:srgbClr val="7030A0"/>
+          </a:solidFill>
+          <a:ln>
+            <a:solidFill>
+              <a:srgbClr val="7030A0"/>
+            </a:solidFill>
+          </a:ln>
+        </p:spPr>
+        <p:style>
+          <a:lnRef idx="2">
+            <a:schemeClr val="accent1">
+              <a:shade val="50000"/>
+            </a:schemeClr>
+          </a:lnRef>
+          <a:fillRef idx="1">
+            <a:schemeClr val="accent1"/>
+          </a:fillRef>
+          <a:effectRef idx="0">
+            <a:schemeClr val="accent1"/>
+          </a:effectRef>
+          <a:fontRef idx="minor">
+            <a:schemeClr val="lt1"/>
+          </a:fontRef>
+        </p:style>
+        <p:txBody>
+          <a:bodyPr rtlCol="0" anchor="ctr"/>
+          <a:lstStyle/>
+          <a:p>
+            <a:pPr algn="ctr"/>
+            <a:endParaRPr lang="en-GB"/>
+          </a:p>
+        </p:txBody>
+      </p:sp>
+      <p:sp>
+        <p:nvSpPr>
+          <p:cNvPr id="118" name="TextBox 117"/>
+          <p:cNvSpPr txBox="1"/>
+          <p:nvPr/>
+        </p:nvSpPr>
+        <p:spPr>
+          <a:xfrm>
+            <a:off x="4597760" y="-1"/>
+            <a:ext cx="734096" cy="369332"/>
+          </a:xfrm>
+          <a:prstGeom prst="rect">
+            <a:avLst/>
+          </a:prstGeom>
+          <a:noFill/>
+        </p:spPr>
+        <p:txBody>
+          <a:bodyPr wrap="square" rtlCol="0">
+            <a:spAutoFit/>
+          </a:bodyPr>
+          <a:lstStyle/>
+          <a:p>
+            <a:r>
+              <a:rPr lang="en-GB" dirty="0" smtClean="0"/>
+              <a:t>Year</a:t>
+            </a:r>
+            <a:endParaRPr lang="en-GB" dirty="0"/>
+          </a:p>
+        </p:txBody>
+      </p:sp>
+      <p:cxnSp>
+        <p:nvCxnSpPr>
+          <p:cNvPr id="120" name="Straight Connector 119"/>
+          <p:cNvCxnSpPr>
+            <a:stCxn id="114" idx="3"/>
+            <a:endCxn id="63" idx="1"/>
+          </p:cNvCxnSpPr>
+          <p:nvPr/>
+        </p:nvCxnSpPr>
+        <p:spPr>
+          <a:xfrm flipV="1">
+            <a:off x="5344732" y="669700"/>
+            <a:ext cx="2202288" cy="478258"/>
+          </a:xfrm>
+          <a:prstGeom prst="line">
+            <a:avLst/>
+          </a:prstGeom>
+        </p:spPr>
+        <p:style>
+          <a:lnRef idx="1">
+            <a:schemeClr val="accent1"/>
+          </a:lnRef>
+          <a:fillRef idx="0">
+            <a:schemeClr val="accent1"/>
+          </a:fillRef>
+          <a:effectRef idx="0">
+            <a:schemeClr val="accent1"/>
+          </a:effectRef>
+          <a:fontRef idx="minor">
+            <a:schemeClr val="tx1"/>
+          </a:fontRef>
+        </p:style>
+      </p:cxnSp>
+      <p:cxnSp>
+        <p:nvCxnSpPr>
+          <p:cNvPr id="121" name="Straight Connector 120"/>
+          <p:cNvCxnSpPr>
+            <a:stCxn id="114" idx="3"/>
+            <a:endCxn id="64" idx="1"/>
+          </p:cNvCxnSpPr>
+          <p:nvPr/>
+        </p:nvCxnSpPr>
+        <p:spPr>
+          <a:xfrm>
+            <a:off x="5344732" y="1147958"/>
+            <a:ext cx="2232327" cy="960194"/>
+          </a:xfrm>
+          <a:prstGeom prst="line">
+            <a:avLst/>
+          </a:prstGeom>
+        </p:spPr>
+        <p:style>
+          <a:lnRef idx="1">
+            <a:schemeClr val="accent1"/>
+          </a:lnRef>
+          <a:fillRef idx="0">
+            <a:schemeClr val="accent1"/>
+          </a:fillRef>
+          <a:effectRef idx="0">
+            <a:schemeClr val="accent1"/>
+          </a:effectRef>
+          <a:fontRef idx="minor">
+            <a:schemeClr val="tx1"/>
+          </a:fontRef>
+        </p:style>
+      </p:cxnSp>
+      <p:cxnSp>
+        <p:nvCxnSpPr>
+          <p:cNvPr id="124" name="Straight Connector 123"/>
+          <p:cNvCxnSpPr>
+            <a:stCxn id="114" idx="3"/>
+            <a:endCxn id="67" idx="1"/>
+          </p:cNvCxnSpPr>
+          <p:nvPr/>
+        </p:nvCxnSpPr>
+        <p:spPr>
+          <a:xfrm>
+            <a:off x="5344732" y="1147958"/>
+            <a:ext cx="2232328" cy="2384249"/>
+          </a:xfrm>
+          <a:prstGeom prst="line">
+            <a:avLst/>
+          </a:prstGeom>
+        </p:spPr>
+        <p:style>
+          <a:lnRef idx="1">
+            <a:schemeClr val="accent1"/>
+          </a:lnRef>
+          <a:fillRef idx="0">
+            <a:schemeClr val="accent1"/>
+          </a:fillRef>
+          <a:effectRef idx="0">
+            <a:schemeClr val="accent1"/>
+          </a:effectRef>
+          <a:fontRef idx="minor">
+            <a:schemeClr val="tx1"/>
+          </a:fontRef>
+        </p:style>
+      </p:cxnSp>
+      <p:cxnSp>
+        <p:nvCxnSpPr>
+          <p:cNvPr id="133" name="Straight Connector 132"/>
+          <p:cNvCxnSpPr>
+            <a:stCxn id="114" idx="3"/>
+            <a:endCxn id="68" idx="1"/>
+          </p:cNvCxnSpPr>
+          <p:nvPr/>
+        </p:nvCxnSpPr>
+        <p:spPr>
+          <a:xfrm>
+            <a:off x="5344732" y="1147958"/>
+            <a:ext cx="2215139" cy="3782038"/>
+          </a:xfrm>
+          <a:prstGeom prst="line">
+            <a:avLst/>
+          </a:prstGeom>
+        </p:spPr>
+        <p:style>
+          <a:lnRef idx="1">
+            <a:schemeClr val="accent1"/>
+          </a:lnRef>
+          <a:fillRef idx="0">
+            <a:schemeClr val="accent1"/>
+          </a:fillRef>
+          <a:effectRef idx="0">
+            <a:schemeClr val="accent1"/>
+          </a:effectRef>
+          <a:fontRef idx="minor">
+            <a:schemeClr val="tx1"/>
+          </a:fontRef>
+        </p:style>
+      </p:cxnSp>
+      <p:cxnSp>
+        <p:nvCxnSpPr>
+          <p:cNvPr id="136" name="Straight Connector 135"/>
+          <p:cNvCxnSpPr>
+            <a:stCxn id="114" idx="3"/>
+            <a:endCxn id="69" idx="1"/>
+          </p:cNvCxnSpPr>
+          <p:nvPr/>
+        </p:nvCxnSpPr>
+        <p:spPr>
+          <a:xfrm>
+            <a:off x="5344732" y="1147958"/>
+            <a:ext cx="2202286" cy="5089647"/>
+          </a:xfrm>
+          <a:prstGeom prst="line">
+            <a:avLst/>
+          </a:prstGeom>
+        </p:spPr>
+        <p:style>
+          <a:lnRef idx="1">
+            <a:schemeClr val="accent1"/>
+          </a:lnRef>
+          <a:fillRef idx="0">
+            <a:schemeClr val="accent1"/>
+          </a:fillRef>
+          <a:effectRef idx="0">
+            <a:schemeClr val="accent1"/>
+          </a:effectRef>
+          <a:fontRef idx="minor">
+            <a:schemeClr val="tx1"/>
+          </a:fontRef>
+        </p:style>
+      </p:cxnSp>
+      <p:cxnSp>
+        <p:nvCxnSpPr>
+          <p:cNvPr id="139" name="Straight Connector 138"/>
+          <p:cNvCxnSpPr>
+            <a:endCxn id="63" idx="1"/>
+          </p:cNvCxnSpPr>
+          <p:nvPr/>
+        </p:nvCxnSpPr>
+        <p:spPr>
+          <a:xfrm flipV="1">
+            <a:off x="5342584" y="669700"/>
+            <a:ext cx="2204436" cy="1940013"/>
+          </a:xfrm>
+          <a:prstGeom prst="line">
+            <a:avLst/>
+          </a:prstGeom>
+          <a:ln>
+            <a:solidFill>
+              <a:srgbClr val="FFC000"/>
+            </a:solidFill>
+          </a:ln>
+        </p:spPr>
+        <p:style>
+          <a:lnRef idx="1">
+            <a:schemeClr val="accent1"/>
+          </a:lnRef>
+          <a:fillRef idx="0">
+            <a:schemeClr val="accent1"/>
+          </a:fillRef>
+          <a:effectRef idx="0">
+            <a:schemeClr val="accent1"/>
+          </a:effectRef>
+          <a:fontRef idx="minor">
+            <a:schemeClr val="tx1"/>
+          </a:fontRef>
+        </p:style>
+      </p:cxnSp>
+      <p:cxnSp>
+        <p:nvCxnSpPr>
+          <p:cNvPr id="140" name="Straight Connector 139"/>
+          <p:cNvCxnSpPr>
+            <a:endCxn id="69" idx="1"/>
+          </p:cNvCxnSpPr>
+          <p:nvPr/>
+        </p:nvCxnSpPr>
+        <p:spPr>
+          <a:xfrm>
+            <a:off x="5342584" y="2609714"/>
+            <a:ext cx="2204434" cy="3627891"/>
+          </a:xfrm>
+          <a:prstGeom prst="line">
+            <a:avLst/>
+          </a:prstGeom>
+          <a:ln>
+            <a:solidFill>
+              <a:srgbClr val="FFC000"/>
+            </a:solidFill>
+          </a:ln>
+        </p:spPr>
+        <p:style>
+          <a:lnRef idx="1">
+            <a:schemeClr val="accent1"/>
+          </a:lnRef>
+          <a:fillRef idx="0">
+            <a:schemeClr val="accent1"/>
+          </a:fillRef>
+          <a:effectRef idx="0">
+            <a:schemeClr val="accent1"/>
+          </a:effectRef>
+          <a:fontRef idx="minor">
+            <a:schemeClr val="tx1"/>
+          </a:fontRef>
+        </p:style>
+      </p:cxnSp>
+      <p:cxnSp>
+        <p:nvCxnSpPr>
+          <p:cNvPr id="141" name="Straight Connector 140"/>
+          <p:cNvCxnSpPr>
+            <a:endCxn id="68" idx="1"/>
+          </p:cNvCxnSpPr>
+          <p:nvPr/>
+        </p:nvCxnSpPr>
+        <p:spPr>
+          <a:xfrm>
+            <a:off x="5342584" y="2609714"/>
+            <a:ext cx="2217287" cy="2320282"/>
+          </a:xfrm>
+          <a:prstGeom prst="line">
+            <a:avLst/>
+          </a:prstGeom>
+          <a:ln>
+            <a:solidFill>
+              <a:srgbClr val="FFC000"/>
+            </a:solidFill>
+          </a:ln>
+        </p:spPr>
+        <p:style>
+          <a:lnRef idx="1">
+            <a:schemeClr val="accent1"/>
+          </a:lnRef>
+          <a:fillRef idx="0">
+            <a:schemeClr val="accent1"/>
+          </a:fillRef>
+          <a:effectRef idx="0">
+            <a:schemeClr val="accent1"/>
+          </a:effectRef>
+          <a:fontRef idx="minor">
+            <a:schemeClr val="tx1"/>
+          </a:fontRef>
+        </p:style>
+      </p:cxnSp>
+      <p:cxnSp>
+        <p:nvCxnSpPr>
+          <p:cNvPr id="143" name="Straight Connector 142"/>
+          <p:cNvCxnSpPr>
+            <a:endCxn id="67" idx="1"/>
+          </p:cNvCxnSpPr>
+          <p:nvPr/>
+        </p:nvCxnSpPr>
+        <p:spPr>
+          <a:xfrm>
+            <a:off x="5342584" y="2609714"/>
+            <a:ext cx="2234476" cy="922493"/>
+          </a:xfrm>
+          <a:prstGeom prst="line">
+            <a:avLst/>
+          </a:prstGeom>
+          <a:ln>
+            <a:solidFill>
+              <a:srgbClr val="FFC000"/>
+            </a:solidFill>
+          </a:ln>
+        </p:spPr>
+        <p:style>
+          <a:lnRef idx="1">
+            <a:schemeClr val="accent1"/>
+          </a:lnRef>
+          <a:fillRef idx="0">
+            <a:schemeClr val="accent1"/>
+          </a:fillRef>
+          <a:effectRef idx="0">
+            <a:schemeClr val="accent1"/>
+          </a:effectRef>
+          <a:fontRef idx="minor">
+            <a:schemeClr val="tx1"/>
+          </a:fontRef>
+        </p:style>
+      </p:cxnSp>
+      <p:cxnSp>
+        <p:nvCxnSpPr>
+          <p:cNvPr id="144" name="Straight Connector 143"/>
+          <p:cNvCxnSpPr>
+            <a:endCxn id="64" idx="1"/>
+          </p:cNvCxnSpPr>
+          <p:nvPr/>
+        </p:nvCxnSpPr>
+        <p:spPr>
+          <a:xfrm flipV="1">
+            <a:off x="5342584" y="2108152"/>
+            <a:ext cx="2234475" cy="501563"/>
+          </a:xfrm>
+          <a:prstGeom prst="line">
+            <a:avLst/>
+          </a:prstGeom>
+          <a:ln>
+            <a:solidFill>
+              <a:srgbClr val="FFC000"/>
+            </a:solidFill>
+          </a:ln>
+        </p:spPr>
+        <p:style>
+          <a:lnRef idx="1">
+            <a:schemeClr val="accent1"/>
+          </a:lnRef>
+          <a:fillRef idx="0">
+            <a:schemeClr val="accent1"/>
+          </a:fillRef>
+          <a:effectRef idx="0">
+            <a:schemeClr val="accent1"/>
+          </a:effectRef>
+          <a:fontRef idx="minor">
+            <a:schemeClr val="tx1"/>
+          </a:fontRef>
+        </p:style>
+      </p:cxnSp>
+      <p:cxnSp>
+        <p:nvCxnSpPr>
+          <p:cNvPr id="160" name="Straight Connector 159"/>
+          <p:cNvCxnSpPr>
+            <a:endCxn id="63" idx="1"/>
+          </p:cNvCxnSpPr>
+          <p:nvPr/>
+        </p:nvCxnSpPr>
+        <p:spPr>
+          <a:xfrm flipV="1">
+            <a:off x="5366194" y="669700"/>
+            <a:ext cx="2180826" cy="3453282"/>
+          </a:xfrm>
+          <a:prstGeom prst="line">
+            <a:avLst/>
+          </a:prstGeom>
+          <a:ln>
+            <a:solidFill>
+              <a:srgbClr val="92D050"/>
+            </a:solidFill>
+          </a:ln>
+        </p:spPr>
+        <p:style>
+          <a:lnRef idx="1">
+            <a:schemeClr val="accent1"/>
+          </a:lnRef>
+          <a:fillRef idx="0">
+            <a:schemeClr val="accent1"/>
+          </a:fillRef>
+          <a:effectRef idx="0">
+            <a:schemeClr val="accent1"/>
+          </a:effectRef>
+          <a:fontRef idx="minor">
+            <a:schemeClr val="tx1"/>
+          </a:fontRef>
+        </p:style>
+      </p:cxnSp>
+      <p:cxnSp>
+        <p:nvCxnSpPr>
+          <p:cNvPr id="161" name="Straight Connector 160"/>
+          <p:cNvCxnSpPr>
+            <a:endCxn id="69" idx="1"/>
+          </p:cNvCxnSpPr>
+          <p:nvPr/>
+        </p:nvCxnSpPr>
+        <p:spPr>
+          <a:xfrm>
+            <a:off x="5366194" y="4122982"/>
+            <a:ext cx="2180824" cy="2114623"/>
+          </a:xfrm>
+          <a:prstGeom prst="line">
+            <a:avLst/>
+          </a:prstGeom>
+          <a:ln>
+            <a:solidFill>
+              <a:srgbClr val="92D050"/>
+            </a:solidFill>
+          </a:ln>
+        </p:spPr>
+        <p:style>
+          <a:lnRef idx="1">
+            <a:schemeClr val="accent1"/>
+          </a:lnRef>
+          <a:fillRef idx="0">
+            <a:schemeClr val="accent1"/>
+          </a:fillRef>
+          <a:effectRef idx="0">
+            <a:schemeClr val="accent1"/>
+          </a:effectRef>
+          <a:fontRef idx="minor">
+            <a:schemeClr val="tx1"/>
+          </a:fontRef>
+        </p:style>
+      </p:cxnSp>
+      <p:cxnSp>
+        <p:nvCxnSpPr>
+          <p:cNvPr id="162" name="Straight Connector 161"/>
+          <p:cNvCxnSpPr>
+            <a:endCxn id="68" idx="1"/>
+          </p:cNvCxnSpPr>
+          <p:nvPr/>
+        </p:nvCxnSpPr>
+        <p:spPr>
+          <a:xfrm>
+            <a:off x="5366194" y="4122982"/>
+            <a:ext cx="2193677" cy="807014"/>
+          </a:xfrm>
+          <a:prstGeom prst="line">
+            <a:avLst/>
+          </a:prstGeom>
+          <a:ln>
+            <a:solidFill>
+              <a:srgbClr val="92D050"/>
+            </a:solidFill>
+          </a:ln>
+        </p:spPr>
+        <p:style>
+          <a:lnRef idx="1">
+            <a:schemeClr val="accent1"/>
+          </a:lnRef>
+          <a:fillRef idx="0">
+            <a:schemeClr val="accent1"/>
+          </a:fillRef>
+          <a:effectRef idx="0">
+            <a:schemeClr val="accent1"/>
+          </a:effectRef>
+          <a:fontRef idx="minor">
+            <a:schemeClr val="tx1"/>
+          </a:fontRef>
+        </p:style>
+      </p:cxnSp>
+      <p:cxnSp>
+        <p:nvCxnSpPr>
+          <p:cNvPr id="164" name="Straight Connector 163"/>
+          <p:cNvCxnSpPr>
+            <a:endCxn id="67" idx="1"/>
+          </p:cNvCxnSpPr>
+          <p:nvPr/>
+        </p:nvCxnSpPr>
+        <p:spPr>
+          <a:xfrm flipV="1">
+            <a:off x="5366194" y="3532207"/>
+            <a:ext cx="2210866" cy="590775"/>
+          </a:xfrm>
+          <a:prstGeom prst="line">
+            <a:avLst/>
+          </a:prstGeom>
+          <a:ln>
+            <a:solidFill>
+              <a:srgbClr val="92D050"/>
+            </a:solidFill>
+          </a:ln>
+        </p:spPr>
+        <p:style>
+          <a:lnRef idx="1">
+            <a:schemeClr val="accent1"/>
+          </a:lnRef>
+          <a:fillRef idx="0">
+            <a:schemeClr val="accent1"/>
+          </a:fillRef>
+          <a:effectRef idx="0">
+            <a:schemeClr val="accent1"/>
+          </a:effectRef>
+          <a:fontRef idx="minor">
+            <a:schemeClr val="tx1"/>
+          </a:fontRef>
+        </p:style>
+      </p:cxnSp>
+      <p:cxnSp>
+        <p:nvCxnSpPr>
+          <p:cNvPr id="165" name="Straight Connector 164"/>
+          <p:cNvCxnSpPr>
+            <a:endCxn id="64" idx="1"/>
+          </p:cNvCxnSpPr>
+          <p:nvPr/>
+        </p:nvCxnSpPr>
+        <p:spPr>
+          <a:xfrm flipV="1">
+            <a:off x="5366194" y="2108152"/>
+            <a:ext cx="2210865" cy="2014833"/>
+          </a:xfrm>
+          <a:prstGeom prst="line">
+            <a:avLst/>
+          </a:prstGeom>
+          <a:ln>
+            <a:solidFill>
+              <a:srgbClr val="92D050"/>
+            </a:solidFill>
+          </a:ln>
+        </p:spPr>
+        <p:style>
+          <a:lnRef idx="1">
+            <a:schemeClr val="accent1"/>
+          </a:lnRef>
+          <a:fillRef idx="0">
+            <a:schemeClr val="accent1"/>
+          </a:fillRef>
+          <a:effectRef idx="0">
+            <a:schemeClr val="accent1"/>
+          </a:effectRef>
+          <a:fontRef idx="minor">
+            <a:schemeClr val="tx1"/>
+          </a:fontRef>
+        </p:style>
+      </p:cxnSp>
+      <p:cxnSp>
+        <p:nvCxnSpPr>
+          <p:cNvPr id="182" name="Straight Connector 181"/>
+          <p:cNvCxnSpPr>
+            <a:endCxn id="63" idx="1"/>
+          </p:cNvCxnSpPr>
+          <p:nvPr/>
+        </p:nvCxnSpPr>
+        <p:spPr>
+          <a:xfrm flipV="1">
+            <a:off x="5353306" y="669700"/>
+            <a:ext cx="2193714" cy="5048193"/>
+          </a:xfrm>
+          <a:prstGeom prst="line">
+            <a:avLst/>
+          </a:prstGeom>
+          <a:ln>
+            <a:solidFill>
+              <a:srgbClr val="7030A0"/>
+            </a:solidFill>
+          </a:ln>
+        </p:spPr>
+        <p:style>
+          <a:lnRef idx="1">
+            <a:schemeClr val="accent1"/>
+          </a:lnRef>
+          <a:fillRef idx="0">
+            <a:schemeClr val="accent1"/>
+          </a:fillRef>
+          <a:effectRef idx="0">
+            <a:schemeClr val="accent1"/>
+          </a:effectRef>
+          <a:fontRef idx="minor">
+            <a:schemeClr val="tx1"/>
+          </a:fontRef>
+        </p:style>
+      </p:cxnSp>
+      <p:cxnSp>
+        <p:nvCxnSpPr>
+          <p:cNvPr id="183" name="Straight Connector 182"/>
+          <p:cNvCxnSpPr>
+            <a:endCxn id="69" idx="1"/>
+          </p:cNvCxnSpPr>
+          <p:nvPr/>
+        </p:nvCxnSpPr>
+        <p:spPr>
+          <a:xfrm>
+            <a:off x="5353306" y="5717893"/>
+            <a:ext cx="2193712" cy="519712"/>
+          </a:xfrm>
+          <a:prstGeom prst="line">
+            <a:avLst/>
+          </a:prstGeom>
+          <a:ln>
+            <a:solidFill>
+              <a:srgbClr val="7030A0"/>
+            </a:solidFill>
+          </a:ln>
+        </p:spPr>
+        <p:style>
+          <a:lnRef idx="1">
+            <a:schemeClr val="accent1"/>
+          </a:lnRef>
+          <a:fillRef idx="0">
+            <a:schemeClr val="accent1"/>
+          </a:fillRef>
+          <a:effectRef idx="0">
+            <a:schemeClr val="accent1"/>
+          </a:effectRef>
+          <a:fontRef idx="minor">
+            <a:schemeClr val="tx1"/>
+          </a:fontRef>
+        </p:style>
+      </p:cxnSp>
+      <p:cxnSp>
+        <p:nvCxnSpPr>
+          <p:cNvPr id="184" name="Straight Connector 183"/>
+          <p:cNvCxnSpPr>
+            <a:endCxn id="68" idx="1"/>
+          </p:cNvCxnSpPr>
+          <p:nvPr/>
+        </p:nvCxnSpPr>
+        <p:spPr>
+          <a:xfrm flipV="1">
+            <a:off x="5353306" y="4929996"/>
+            <a:ext cx="2206565" cy="787898"/>
+          </a:xfrm>
+          <a:prstGeom prst="line">
+            <a:avLst/>
+          </a:prstGeom>
+          <a:ln>
+            <a:solidFill>
+              <a:srgbClr val="7030A0"/>
+            </a:solidFill>
+          </a:ln>
+        </p:spPr>
+        <p:style>
+          <a:lnRef idx="1">
+            <a:schemeClr val="accent1"/>
+          </a:lnRef>
+          <a:fillRef idx="0">
+            <a:schemeClr val="accent1"/>
+          </a:fillRef>
+          <a:effectRef idx="0">
+            <a:schemeClr val="accent1"/>
+          </a:effectRef>
+          <a:fontRef idx="minor">
+            <a:schemeClr val="tx1"/>
+          </a:fontRef>
+        </p:style>
+      </p:cxnSp>
+      <p:cxnSp>
+        <p:nvCxnSpPr>
+          <p:cNvPr id="186" name="Straight Connector 185"/>
+          <p:cNvCxnSpPr>
+            <a:endCxn id="67" idx="1"/>
+          </p:cNvCxnSpPr>
+          <p:nvPr/>
+        </p:nvCxnSpPr>
+        <p:spPr>
+          <a:xfrm flipV="1">
+            <a:off x="5353306" y="3532207"/>
+            <a:ext cx="2223754" cy="2185687"/>
+          </a:xfrm>
+          <a:prstGeom prst="line">
+            <a:avLst/>
+          </a:prstGeom>
+          <a:ln>
+            <a:solidFill>
+              <a:srgbClr val="7030A0"/>
+            </a:solidFill>
+          </a:ln>
+        </p:spPr>
+        <p:style>
+          <a:lnRef idx="1">
+            <a:schemeClr val="accent1"/>
+          </a:lnRef>
+          <a:fillRef idx="0">
+            <a:schemeClr val="accent1"/>
+          </a:fillRef>
+          <a:effectRef idx="0">
+            <a:schemeClr val="accent1"/>
+          </a:effectRef>
+          <a:fontRef idx="minor">
+            <a:schemeClr val="tx1"/>
+          </a:fontRef>
+        </p:style>
+      </p:cxnSp>
+      <p:cxnSp>
+        <p:nvCxnSpPr>
+          <p:cNvPr id="187" name="Straight Connector 186"/>
+          <p:cNvCxnSpPr>
+            <a:endCxn id="64" idx="1"/>
+          </p:cNvCxnSpPr>
+          <p:nvPr/>
+        </p:nvCxnSpPr>
+        <p:spPr>
+          <a:xfrm flipV="1">
+            <a:off x="5353306" y="2108152"/>
+            <a:ext cx="2223753" cy="3609745"/>
+          </a:xfrm>
+          <a:prstGeom prst="line">
+            <a:avLst/>
+          </a:prstGeom>
+          <a:ln>
+            <a:solidFill>
+              <a:srgbClr val="7030A0"/>
+            </a:solidFill>
+          </a:ln>
+        </p:spPr>
+        <p:style>
+          <a:lnRef idx="1">
+            <a:schemeClr val="accent1"/>
+          </a:lnRef>
+          <a:fillRef idx="0">
+            <a:schemeClr val="accent1"/>
+          </a:fillRef>
+          <a:effectRef idx="0">
+            <a:schemeClr val="accent1"/>
+          </a:effectRef>
+          <a:fontRef idx="minor">
+            <a:schemeClr val="tx1"/>
+          </a:fontRef>
+        </p:style>
+      </p:cxnSp>
+      <p:sp>
+        <p:nvSpPr>
+          <p:cNvPr id="196" name="TextBox 195"/>
+          <p:cNvSpPr txBox="1"/>
+          <p:nvPr/>
+        </p:nvSpPr>
+        <p:spPr>
+          <a:xfrm>
+            <a:off x="254330" y="1741919"/>
+            <a:ext cx="4368100" cy="338554"/>
+          </a:xfrm>
+          <a:prstGeom prst="rect">
+            <a:avLst/>
+          </a:prstGeom>
+          <a:noFill/>
+        </p:spPr>
+        <p:txBody>
+          <a:bodyPr wrap="square" rtlCol="0">
+            <a:spAutoFit/>
+          </a:bodyPr>
+          <a:lstStyle/>
+          <a:p>
+            <a:r>
+              <a:rPr lang="en-GB" sz="1600" dirty="0" smtClean="0"/>
+              <a:t>~ </a:t>
+            </a:r>
+            <a:r>
+              <a:rPr lang="en-GB" sz="1600" dirty="0"/>
+              <a:t>x</a:t>
+            </a:r>
+            <a:r>
+              <a:rPr lang="en-GB" sz="1600" dirty="0" smtClean="0"/>
+              <a:t> + (1|Habitat/Commune) + (1|year)</a:t>
+            </a:r>
+            <a:endParaRPr lang="en-GB" sz="1600" dirty="0"/>
+          </a:p>
+        </p:txBody>
+      </p:sp>
+      <p:sp>
+        <p:nvSpPr>
+          <p:cNvPr id="197" name="TextBox 196"/>
+          <p:cNvSpPr txBox="1"/>
+          <p:nvPr/>
+        </p:nvSpPr>
+        <p:spPr>
+          <a:xfrm>
+            <a:off x="203916" y="941839"/>
+            <a:ext cx="4007476" cy="584775"/>
+          </a:xfrm>
+          <a:prstGeom prst="rect">
+            <a:avLst/>
+          </a:prstGeom>
+          <a:noFill/>
+        </p:spPr>
+        <p:txBody>
+          <a:bodyPr wrap="square" rtlCol="0">
+            <a:spAutoFit/>
+          </a:bodyPr>
+          <a:lstStyle/>
+          <a:p>
+            <a:r>
+              <a:rPr lang="en-GB" sz="1600" dirty="0" smtClean="0"/>
+              <a:t>Intercept varies by commune, habitat, and year </a:t>
+            </a:r>
+            <a:endParaRPr lang="en-GB" sz="1600" dirty="0"/>
+          </a:p>
+        </p:txBody>
+      </p:sp>
+      <p:sp>
+        <p:nvSpPr>
+          <p:cNvPr id="198" name="TextBox 197"/>
+          <p:cNvSpPr txBox="1"/>
+          <p:nvPr/>
+        </p:nvSpPr>
+        <p:spPr>
+          <a:xfrm>
+            <a:off x="203916" y="3360458"/>
+            <a:ext cx="4007476" cy="584775"/>
+          </a:xfrm>
+          <a:prstGeom prst="rect">
+            <a:avLst/>
+          </a:prstGeom>
+          <a:noFill/>
+        </p:spPr>
+        <p:txBody>
+          <a:bodyPr wrap="square" rtlCol="0">
+            <a:spAutoFit/>
+          </a:bodyPr>
+          <a:lstStyle/>
+          <a:p>
+            <a:r>
+              <a:rPr lang="en-GB" sz="1600" dirty="0"/>
+              <a:t>I</a:t>
+            </a:r>
+            <a:r>
+              <a:rPr lang="en-GB" sz="1600" dirty="0" smtClean="0"/>
+              <a:t>ntercept and slope vary by commune, habitat, and year</a:t>
+            </a:r>
+            <a:endParaRPr lang="en-GB" sz="1600" dirty="0"/>
+          </a:p>
+        </p:txBody>
+      </p:sp>
+      <p:sp>
+        <p:nvSpPr>
+          <p:cNvPr id="199" name="TextBox 198"/>
+          <p:cNvSpPr txBox="1"/>
+          <p:nvPr/>
+        </p:nvSpPr>
+        <p:spPr>
+          <a:xfrm>
+            <a:off x="98721" y="4122982"/>
+            <a:ext cx="4368100" cy="338554"/>
+          </a:xfrm>
+          <a:prstGeom prst="rect">
+            <a:avLst/>
+          </a:prstGeom>
+          <a:noFill/>
+        </p:spPr>
+        <p:txBody>
+          <a:bodyPr wrap="square" rtlCol="0">
+            <a:spAutoFit/>
+          </a:bodyPr>
+          <a:lstStyle/>
+          <a:p>
+            <a:r>
+              <a:rPr lang="en-GB" sz="1600" dirty="0" smtClean="0"/>
+              <a:t>~ </a:t>
+            </a:r>
+            <a:r>
+              <a:rPr lang="en-GB" sz="1600" dirty="0"/>
+              <a:t>x</a:t>
+            </a:r>
+            <a:r>
+              <a:rPr lang="en-GB" sz="1600" dirty="0" smtClean="0"/>
+              <a:t> + (1+x|Habitat/Commune) + (1+x|year)</a:t>
+            </a:r>
+            <a:endParaRPr lang="en-GB" sz="1600" dirty="0"/>
+          </a:p>
+        </p:txBody>
+      </p:sp>
+      <p:cxnSp>
+        <p:nvCxnSpPr>
+          <p:cNvPr id="95" name="Straight Connector 94"/>
+          <p:cNvCxnSpPr>
+            <a:stCxn id="63" idx="3"/>
+            <a:endCxn id="7" idx="1"/>
+          </p:cNvCxnSpPr>
+          <p:nvPr/>
+        </p:nvCxnSpPr>
+        <p:spPr>
+          <a:xfrm>
+            <a:off x="8062175" y="669700"/>
+            <a:ext cx="1631320" cy="832840"/>
+          </a:xfrm>
+          <a:prstGeom prst="line">
+            <a:avLst/>
+          </a:prstGeom>
+        </p:spPr>
+        <p:style>
+          <a:lnRef idx="1">
+            <a:schemeClr val="accent1"/>
+          </a:lnRef>
+          <a:fillRef idx="0">
+            <a:schemeClr val="accent1"/>
+          </a:fillRef>
+          <a:effectRef idx="0">
+            <a:schemeClr val="accent1"/>
+          </a:effectRef>
+          <a:fontRef idx="minor">
+            <a:schemeClr val="tx1"/>
+          </a:fontRef>
+        </p:style>
+      </p:cxnSp>
+      <p:cxnSp>
+        <p:nvCxnSpPr>
+          <p:cNvPr id="98" name="Straight Connector 97"/>
+          <p:cNvCxnSpPr>
+            <a:stCxn id="64" idx="3"/>
+            <a:endCxn id="10" idx="1"/>
+          </p:cNvCxnSpPr>
+          <p:nvPr/>
+        </p:nvCxnSpPr>
+        <p:spPr>
+          <a:xfrm>
+            <a:off x="8092214" y="2108152"/>
+            <a:ext cx="1624891" cy="705885"/>
+          </a:xfrm>
+          <a:prstGeom prst="line">
+            <a:avLst/>
+          </a:prstGeom>
+        </p:spPr>
+        <p:style>
+          <a:lnRef idx="1">
+            <a:schemeClr val="accent1"/>
+          </a:lnRef>
+          <a:fillRef idx="0">
+            <a:schemeClr val="accent1"/>
+          </a:fillRef>
+          <a:effectRef idx="0">
+            <a:schemeClr val="accent1"/>
+          </a:effectRef>
+          <a:fontRef idx="minor">
+            <a:schemeClr val="tx1"/>
+          </a:fontRef>
+        </p:style>
+      </p:cxnSp>
+      <p:cxnSp>
+        <p:nvCxnSpPr>
+          <p:cNvPr id="101" name="Straight Connector 100"/>
+          <p:cNvCxnSpPr>
+            <a:stCxn id="67" idx="3"/>
+            <a:endCxn id="11" idx="1"/>
+          </p:cNvCxnSpPr>
+          <p:nvPr/>
+        </p:nvCxnSpPr>
+        <p:spPr>
+          <a:xfrm flipV="1">
+            <a:off x="8092215" y="3228304"/>
+            <a:ext cx="1614159" cy="303903"/>
+          </a:xfrm>
+          <a:prstGeom prst="line">
+            <a:avLst/>
+          </a:prstGeom>
+        </p:spPr>
+        <p:style>
+          <a:lnRef idx="1">
+            <a:schemeClr val="accent1"/>
+          </a:lnRef>
+          <a:fillRef idx="0">
+            <a:schemeClr val="accent1"/>
+          </a:fillRef>
+          <a:effectRef idx="0">
+            <a:schemeClr val="accent1"/>
+          </a:effectRef>
+          <a:fontRef idx="minor">
+            <a:schemeClr val="tx1"/>
+          </a:fontRef>
+        </p:style>
+      </p:cxnSp>
+      <p:cxnSp>
+        <p:nvCxnSpPr>
+          <p:cNvPr id="112" name="Straight Connector 111"/>
+          <p:cNvCxnSpPr>
+            <a:stCxn id="68" idx="3"/>
+            <a:endCxn id="16" idx="1"/>
+          </p:cNvCxnSpPr>
+          <p:nvPr/>
+        </p:nvCxnSpPr>
+        <p:spPr>
+          <a:xfrm>
+            <a:off x="8075026" y="4929996"/>
+            <a:ext cx="1642079" cy="369661"/>
+          </a:xfrm>
+          <a:prstGeom prst="line">
+            <a:avLst/>
+          </a:prstGeom>
+        </p:spPr>
+        <p:style>
+          <a:lnRef idx="1">
+            <a:schemeClr val="accent1"/>
+          </a:lnRef>
+          <a:fillRef idx="0">
+            <a:schemeClr val="accent1"/>
+          </a:fillRef>
+          <a:effectRef idx="0">
+            <a:schemeClr val="accent1"/>
+          </a:effectRef>
+          <a:fontRef idx="minor">
+            <a:schemeClr val="tx1"/>
+          </a:fontRef>
+        </p:style>
+      </p:cxnSp>
+    </p:spTree>
+    <p:extLst>
+      <p:ext uri="{BB962C8B-B14F-4D97-AF65-F5344CB8AC3E}">
+        <p14:creationId xmlns:p14="http://schemas.microsoft.com/office/powerpoint/2010/main" val="2144992449"/>
+      </p:ext>
+    </p:extLst>
+  </p:cSld>
+  <p:clrMapOvr>
+    <a:masterClrMapping/>
+  </p:clrMapOvr>
+</p:sld>
+</file>
+
+<file path=ppt/slides/slide5.xml><?xml version="1.0" encoding="utf-8"?>
+<p:sld xmlns:a="http://schemas.openxmlformats.org/drawingml/2006/main" xmlns:r="http://schemas.openxmlformats.org/officeDocument/2006/relationships" xmlns:p="http://schemas.openxmlformats.org/presentationml/2006/main">
+  <p:cSld>
+    <p:spTree>
+      <p:nvGrpSpPr>
+        <p:cNvPr id="1" name=""/>
+        <p:cNvGrpSpPr/>
+        <p:nvPr/>
+      </p:nvGrpSpPr>
+      <p:grpSpPr>
+        <a:xfrm>
+          <a:off x="0" y="0"/>
+          <a:ext cx="0" cy="0"/>
+          <a:chOff x="0" y="0"/>
+          <a:chExt cx="0" cy="0"/>
+        </a:xfrm>
+      </p:grpSpPr>
+      <p:sp>
+        <p:nvSpPr>
+          <p:cNvPr id="4" name="TextBox 3"/>
+          <p:cNvSpPr txBox="1"/>
+          <p:nvPr/>
+        </p:nvSpPr>
+        <p:spPr>
+          <a:xfrm>
+            <a:off x="218363" y="177421"/>
+            <a:ext cx="11450473" cy="646331"/>
+          </a:xfrm>
+          <a:prstGeom prst="rect">
+            <a:avLst/>
+          </a:prstGeom>
+          <a:noFill/>
+        </p:spPr>
+        <p:txBody>
+          <a:bodyPr wrap="square" rtlCol="0">
+            <a:spAutoFit/>
+          </a:bodyPr>
+          <a:lstStyle/>
+          <a:p>
+            <a:r>
+              <a:rPr lang="en-GB" b="1" dirty="0" smtClean="0"/>
+              <a:t>Options for maximal model (for testing random effects structure), assuming we have 3 fixed effects (a, b, c)</a:t>
+            </a:r>
+          </a:p>
+          <a:p>
+            <a:endParaRPr lang="en-GB" b="1" dirty="0"/>
+          </a:p>
+        </p:txBody>
+      </p:sp>
+      <p:sp>
+        <p:nvSpPr>
+          <p:cNvPr id="5" name="TextBox 4"/>
+          <p:cNvSpPr txBox="1"/>
+          <p:nvPr/>
+        </p:nvSpPr>
+        <p:spPr>
+          <a:xfrm>
+            <a:off x="218363" y="1219544"/>
+            <a:ext cx="11668837" cy="584775"/>
+          </a:xfrm>
+          <a:prstGeom prst="rect">
+            <a:avLst/>
+          </a:prstGeom>
+          <a:solidFill>
+            <a:schemeClr val="bg2"/>
+          </a:solidFill>
+        </p:spPr>
+        <p:txBody>
+          <a:bodyPr wrap="square" rtlCol="0">
+            <a:spAutoFit/>
+          </a:bodyPr>
+          <a:lstStyle/>
+          <a:p>
+            <a:r>
+              <a:rPr lang="en-GB" sz="1600" dirty="0" smtClean="0"/>
+              <a:t>~ a * b * c + (1+a*b*c | Province/Commune) + (1+a*b*c | Habitat/Commune)  + (1+a*b*c | PA/Commune) +….</a:t>
+            </a:r>
+            <a:r>
+              <a:rPr lang="en-GB" sz="1600" dirty="0" err="1" smtClean="0"/>
+              <a:t>elc</a:t>
+            </a:r>
+            <a:r>
+              <a:rPr lang="en-GB" sz="1600" dirty="0" smtClean="0"/>
+              <a:t>, </a:t>
+            </a:r>
+            <a:r>
+              <a:rPr lang="en-GB" sz="1600" dirty="0" err="1" smtClean="0"/>
+              <a:t>pa_cat</a:t>
+            </a:r>
+            <a:r>
+              <a:rPr lang="en-GB" sz="1600" dirty="0" smtClean="0"/>
+              <a:t> etc…+ (1|Year)</a:t>
+            </a:r>
+          </a:p>
+          <a:p>
+            <a:endParaRPr lang="en-GB" sz="1600" dirty="0"/>
+          </a:p>
+        </p:txBody>
+      </p:sp>
+      <p:sp>
+        <p:nvSpPr>
+          <p:cNvPr id="6" name="TextBox 5"/>
+          <p:cNvSpPr txBox="1"/>
+          <p:nvPr/>
+        </p:nvSpPr>
+        <p:spPr>
+          <a:xfrm>
+            <a:off x="368489" y="2839916"/>
+            <a:ext cx="6673756" cy="369332"/>
+          </a:xfrm>
+          <a:prstGeom prst="rect">
+            <a:avLst/>
+          </a:prstGeom>
+          <a:noFill/>
+        </p:spPr>
+        <p:txBody>
+          <a:bodyPr wrap="square" rtlCol="0">
+            <a:spAutoFit/>
+          </a:bodyPr>
+          <a:lstStyle/>
+          <a:p>
+            <a:r>
+              <a:rPr lang="en-GB" dirty="0" smtClean="0"/>
+              <a:t>Other option (remove interaction within random slopes): </a:t>
+            </a:r>
+            <a:endParaRPr lang="en-GB" dirty="0"/>
+          </a:p>
+        </p:txBody>
+      </p:sp>
+      <p:sp>
+        <p:nvSpPr>
+          <p:cNvPr id="7" name="TextBox 6"/>
+          <p:cNvSpPr txBox="1"/>
+          <p:nvPr/>
+        </p:nvSpPr>
+        <p:spPr>
+          <a:xfrm>
+            <a:off x="218363" y="3344432"/>
+            <a:ext cx="11668837" cy="1323439"/>
+          </a:xfrm>
+          <a:prstGeom prst="rect">
+            <a:avLst/>
+          </a:prstGeom>
+          <a:solidFill>
+            <a:schemeClr val="bg2"/>
+          </a:solidFill>
+        </p:spPr>
+        <p:txBody>
+          <a:bodyPr wrap="square" rtlCol="0">
+            <a:spAutoFit/>
+          </a:bodyPr>
+          <a:lstStyle/>
+          <a:p>
+            <a:r>
               <a:rPr lang="en-GB" sz="1600" dirty="0" smtClean="0"/>
               <a:t>~ a * b * c + (1+a | Province/Commune) + (1+b | Province/Commune) + (1+c | Province/Commune) + </a:t>
             </a:r>
@@ -9662,7 +9845,7 @@
         </p:nvSpPr>
         <p:spPr>
           <a:xfrm>
-            <a:off x="218363" y="1605266"/>
+            <a:off x="218363" y="2001058"/>
             <a:ext cx="9157647" cy="307777"/>
           </a:xfrm>
           <a:prstGeom prst="rect">
@@ -9692,7 +9875,7 @@
         </p:nvCxnSpPr>
         <p:spPr>
           <a:xfrm flipV="1">
-            <a:off x="1255595" y="1304564"/>
+            <a:off x="1255595" y="1700356"/>
             <a:ext cx="259307" cy="292388"/>
           </a:xfrm>
           <a:prstGeom prst="straightConnector1">
@@ -9728,7 +9911,7 @@
         </p:nvSpPr>
         <p:spPr>
           <a:xfrm>
-            <a:off x="368489" y="4072477"/>
+            <a:off x="218363" y="4789414"/>
             <a:ext cx="8693624" cy="369332"/>
           </a:xfrm>
           <a:prstGeom prst="rect">
@@ -9757,13 +9940,15 @@
         </p:nvSpPr>
         <p:spPr>
           <a:xfrm>
-            <a:off x="109180" y="4441809"/>
+            <a:off x="109180" y="5266467"/>
             <a:ext cx="11668837" cy="1323439"/>
           </a:xfrm>
           <a:prstGeom prst="rect">
             <a:avLst/>
           </a:prstGeom>
-          <a:noFill/>
+          <a:solidFill>
+            <a:schemeClr val="bg2"/>
+          </a:solidFill>
         </p:spPr>
         <p:txBody>
           <a:bodyPr wrap="square" rtlCol="0">
@@ -9840,6 +10025,36 @@
           </a:p>
           <a:p>
             <a:endParaRPr lang="en-GB" sz="1600" dirty="0"/>
+          </a:p>
+        </p:txBody>
+      </p:sp>
+      <p:sp>
+        <p:nvSpPr>
+          <p:cNvPr id="14" name="TextBox 13"/>
+          <p:cNvSpPr txBox="1"/>
+          <p:nvPr/>
+        </p:nvSpPr>
+        <p:spPr>
+          <a:xfrm>
+            <a:off x="368489" y="794472"/>
+            <a:ext cx="6673756" cy="369332"/>
+          </a:xfrm>
+          <a:prstGeom prst="rect">
+            <a:avLst/>
+          </a:prstGeom>
+          <a:noFill/>
+        </p:spPr>
+        <p:txBody>
+          <a:bodyPr wrap="square" rtlCol="0">
+            <a:spAutoFit/>
+          </a:bodyPr>
+          <a:lstStyle/>
+          <a:p>
+            <a:r>
+              <a:rPr lang="en-GB" dirty="0" smtClean="0"/>
+              <a:t>All fixed terms as interactions within random slope formulae:</a:t>
+            </a:r>
+            <a:endParaRPr lang="en-GB" dirty="0"/>
           </a:p>
         </p:txBody>
       </p:sp>
@@ -9847,6 +10062,495 @@
     <p:extLst>
       <p:ext uri="{BB962C8B-B14F-4D97-AF65-F5344CB8AC3E}">
         <p14:creationId xmlns:p14="http://schemas.microsoft.com/office/powerpoint/2010/main" val="25323359"/>
+      </p:ext>
+    </p:extLst>
+  </p:cSld>
+  <p:clrMapOvr>
+    <a:masterClrMapping/>
+  </p:clrMapOvr>
+</p:sld>
+</file>
+
+<file path=ppt/slides/slide6.xml><?xml version="1.0" encoding="utf-8"?>
+<p:sld xmlns:a="http://schemas.openxmlformats.org/drawingml/2006/main" xmlns:r="http://schemas.openxmlformats.org/officeDocument/2006/relationships" xmlns:p="http://schemas.openxmlformats.org/presentationml/2006/main">
+  <p:cSld>
+    <p:spTree>
+      <p:nvGrpSpPr>
+        <p:cNvPr id="1" name=""/>
+        <p:cNvGrpSpPr/>
+        <p:nvPr/>
+      </p:nvGrpSpPr>
+      <p:grpSpPr>
+        <a:xfrm>
+          <a:off x="0" y="0"/>
+          <a:ext cx="0" cy="0"/>
+          <a:chOff x="0" y="0"/>
+          <a:chExt cx="0" cy="0"/>
+        </a:xfrm>
+      </p:grpSpPr>
+      <p:sp>
+        <p:nvSpPr>
+          <p:cNvPr id="4" name="TextBox 3"/>
+          <p:cNvSpPr txBox="1"/>
+          <p:nvPr/>
+        </p:nvSpPr>
+        <p:spPr>
+          <a:xfrm>
+            <a:off x="218363" y="177421"/>
+            <a:ext cx="11450473" cy="646331"/>
+          </a:xfrm>
+          <a:prstGeom prst="rect">
+            <a:avLst/>
+          </a:prstGeom>
+          <a:noFill/>
+        </p:spPr>
+        <p:txBody>
+          <a:bodyPr wrap="square" rtlCol="0">
+            <a:spAutoFit/>
+          </a:bodyPr>
+          <a:lstStyle/>
+          <a:p>
+            <a:r>
+              <a:rPr lang="en-GB" dirty="0" smtClean="0"/>
+              <a:t>Or should I be starting with simpler RE structures and testing the incremental inclusion of new RE’s</a:t>
+            </a:r>
+          </a:p>
+          <a:p>
+            <a:endParaRPr lang="en-GB" dirty="0"/>
+          </a:p>
+        </p:txBody>
+      </p:sp>
+      <p:sp>
+        <p:nvSpPr>
+          <p:cNvPr id="13" name="TextBox 12"/>
+          <p:cNvSpPr txBox="1"/>
+          <p:nvPr/>
+        </p:nvSpPr>
+        <p:spPr>
+          <a:xfrm>
+            <a:off x="218363" y="770116"/>
+            <a:ext cx="11668837" cy="830997"/>
+          </a:xfrm>
+          <a:prstGeom prst="rect">
+            <a:avLst/>
+          </a:prstGeom>
+          <a:solidFill>
+            <a:schemeClr val="bg2"/>
+          </a:solidFill>
+        </p:spPr>
+        <p:txBody>
+          <a:bodyPr wrap="square" rtlCol="0">
+            <a:spAutoFit/>
+          </a:bodyPr>
+          <a:lstStyle/>
+          <a:p>
+            <a:r>
+              <a:rPr lang="en-GB" sz="1600" dirty="0" smtClean="0"/>
+              <a:t>~ a * b * c + (1+a | Province/Commune) + (1+b | Province/Commune) + (1+c | Province/Commune) +	  </a:t>
+            </a:r>
+          </a:p>
+          <a:p>
+            <a:r>
+              <a:rPr lang="en-GB" sz="1600" dirty="0"/>
+              <a:t>	</a:t>
+            </a:r>
+            <a:r>
+              <a:rPr lang="en-GB" sz="1600" dirty="0" smtClean="0"/>
+              <a:t>  </a:t>
+            </a:r>
+            <a:r>
+              <a:rPr lang="en-GB" sz="1600" dirty="0" smtClean="0"/>
+              <a:t>(1|Year)</a:t>
+            </a:r>
+          </a:p>
+          <a:p>
+            <a:endParaRPr lang="en-GB" sz="1600" dirty="0"/>
+          </a:p>
+        </p:txBody>
+      </p:sp>
+      <p:sp>
+        <p:nvSpPr>
+          <p:cNvPr id="2" name="TextBox 1"/>
+          <p:cNvSpPr txBox="1"/>
+          <p:nvPr/>
+        </p:nvSpPr>
+        <p:spPr>
+          <a:xfrm>
+            <a:off x="218363" y="1924334"/>
+            <a:ext cx="1132765" cy="369332"/>
+          </a:xfrm>
+          <a:prstGeom prst="rect">
+            <a:avLst/>
+          </a:prstGeom>
+          <a:noFill/>
+        </p:spPr>
+        <p:txBody>
+          <a:bodyPr wrap="square" rtlCol="0">
+            <a:spAutoFit/>
+          </a:bodyPr>
+          <a:lstStyle/>
+          <a:p>
+            <a:r>
+              <a:rPr lang="en-GB" dirty="0" smtClean="0"/>
+              <a:t>Then:</a:t>
+            </a:r>
+            <a:endParaRPr lang="en-GB" dirty="0"/>
+          </a:p>
+        </p:txBody>
+      </p:sp>
+      <p:sp>
+        <p:nvSpPr>
+          <p:cNvPr id="12" name="TextBox 11"/>
+          <p:cNvSpPr txBox="1"/>
+          <p:nvPr/>
+        </p:nvSpPr>
+        <p:spPr>
+          <a:xfrm>
+            <a:off x="109180" y="2293666"/>
+            <a:ext cx="11668837" cy="1077218"/>
+          </a:xfrm>
+          <a:prstGeom prst="rect">
+            <a:avLst/>
+          </a:prstGeom>
+          <a:solidFill>
+            <a:schemeClr val="bg2"/>
+          </a:solidFill>
+        </p:spPr>
+        <p:txBody>
+          <a:bodyPr wrap="square" rtlCol="0">
+            <a:spAutoFit/>
+          </a:bodyPr>
+          <a:lstStyle/>
+          <a:p>
+            <a:r>
+              <a:rPr lang="en-GB" sz="1600" dirty="0" smtClean="0"/>
+              <a:t>~ a * b * c + (1+a | Province/Commune) + (1+b | Province/Commune) + (1+c | Province/Commune) +</a:t>
+            </a:r>
+          </a:p>
+          <a:p>
+            <a:r>
+              <a:rPr lang="en-GB" sz="1600" dirty="0" smtClean="0"/>
+              <a:t>	  (1+a | PA) + (1+b | PA) + (1+c | PA) +</a:t>
+            </a:r>
+          </a:p>
+          <a:p>
+            <a:r>
+              <a:rPr lang="en-GB" sz="1600" dirty="0"/>
+              <a:t>	</a:t>
+            </a:r>
+            <a:r>
+              <a:rPr lang="en-GB" sz="1600" dirty="0" smtClean="0"/>
+              <a:t>  </a:t>
+            </a:r>
+            <a:r>
+              <a:rPr lang="en-GB" sz="1600" dirty="0" smtClean="0"/>
+              <a:t>(1|Year)</a:t>
+            </a:r>
+          </a:p>
+          <a:p>
+            <a:endParaRPr lang="en-GB" sz="1600" dirty="0"/>
+          </a:p>
+        </p:txBody>
+      </p:sp>
+      <p:sp>
+        <p:nvSpPr>
+          <p:cNvPr id="14" name="TextBox 13"/>
+          <p:cNvSpPr txBox="1"/>
+          <p:nvPr/>
+        </p:nvSpPr>
+        <p:spPr>
+          <a:xfrm>
+            <a:off x="218363" y="3370884"/>
+            <a:ext cx="1132765" cy="369332"/>
+          </a:xfrm>
+          <a:prstGeom prst="rect">
+            <a:avLst/>
+          </a:prstGeom>
+          <a:noFill/>
+        </p:spPr>
+        <p:txBody>
+          <a:bodyPr wrap="square" rtlCol="0">
+            <a:spAutoFit/>
+          </a:bodyPr>
+          <a:lstStyle/>
+          <a:p>
+            <a:r>
+              <a:rPr lang="en-GB" dirty="0" smtClean="0"/>
+              <a:t>Then:</a:t>
+            </a:r>
+            <a:endParaRPr lang="en-GB" dirty="0"/>
+          </a:p>
+        </p:txBody>
+      </p:sp>
+      <p:sp>
+        <p:nvSpPr>
+          <p:cNvPr id="15" name="TextBox 14"/>
+          <p:cNvSpPr txBox="1"/>
+          <p:nvPr/>
+        </p:nvSpPr>
+        <p:spPr>
+          <a:xfrm>
+            <a:off x="109180" y="3763580"/>
+            <a:ext cx="11668837" cy="1323439"/>
+          </a:xfrm>
+          <a:prstGeom prst="rect">
+            <a:avLst/>
+          </a:prstGeom>
+          <a:solidFill>
+            <a:schemeClr val="bg2"/>
+          </a:solidFill>
+        </p:spPr>
+        <p:txBody>
+          <a:bodyPr wrap="square" rtlCol="0">
+            <a:spAutoFit/>
+          </a:bodyPr>
+          <a:lstStyle/>
+          <a:p>
+            <a:r>
+              <a:rPr lang="en-GB" sz="1600" dirty="0" smtClean="0"/>
+              <a:t>~ a * b * c + (1+a | Province/Commune) + (1+b | Province/Commune) + (1+c | Province/Commune) +</a:t>
+            </a:r>
+          </a:p>
+          <a:p>
+            <a:r>
+              <a:rPr lang="en-GB" sz="1600" dirty="0" smtClean="0"/>
+              <a:t>	  (1+a | PA) + (1+b | PA) + (1+c | PA) +</a:t>
+            </a:r>
+          </a:p>
+          <a:p>
+            <a:r>
+              <a:rPr lang="en-GB" sz="1600" dirty="0"/>
+              <a:t>	 </a:t>
+            </a:r>
+            <a:r>
+              <a:rPr lang="en-GB" sz="1600" dirty="0" smtClean="0"/>
+              <a:t> (1+a | Habitat) + (1+b | Habitat) + (1+c | Habitat) +</a:t>
+            </a:r>
+          </a:p>
+          <a:p>
+            <a:r>
+              <a:rPr lang="en-GB" sz="1600" dirty="0"/>
+              <a:t>	</a:t>
+            </a:r>
+            <a:r>
+              <a:rPr lang="en-GB" sz="1600" dirty="0" smtClean="0"/>
+              <a:t>  </a:t>
+            </a:r>
+            <a:r>
+              <a:rPr lang="en-GB" sz="1600" dirty="0" smtClean="0"/>
+              <a:t>(1|Year)</a:t>
+            </a:r>
+          </a:p>
+          <a:p>
+            <a:endParaRPr lang="en-GB" sz="1600" dirty="0"/>
+          </a:p>
+        </p:txBody>
+      </p:sp>
+      <p:sp>
+        <p:nvSpPr>
+          <p:cNvPr id="16" name="TextBox 15"/>
+          <p:cNvSpPr txBox="1"/>
+          <p:nvPr/>
+        </p:nvSpPr>
+        <p:spPr>
+          <a:xfrm>
+            <a:off x="218363" y="5119989"/>
+            <a:ext cx="1132765" cy="369332"/>
+          </a:xfrm>
+          <a:prstGeom prst="rect">
+            <a:avLst/>
+          </a:prstGeom>
+          <a:noFill/>
+        </p:spPr>
+        <p:txBody>
+          <a:bodyPr wrap="square" rtlCol="0">
+            <a:spAutoFit/>
+          </a:bodyPr>
+          <a:lstStyle/>
+          <a:p>
+            <a:r>
+              <a:rPr lang="en-GB" dirty="0" smtClean="0"/>
+              <a:t>Etc.</a:t>
+            </a:r>
+            <a:endParaRPr lang="en-GB" dirty="0"/>
+          </a:p>
+        </p:txBody>
+      </p:sp>
+    </p:spTree>
+    <p:extLst>
+      <p:ext uri="{BB962C8B-B14F-4D97-AF65-F5344CB8AC3E}">
+        <p14:creationId xmlns:p14="http://schemas.microsoft.com/office/powerpoint/2010/main" val="1892501365"/>
+      </p:ext>
+    </p:extLst>
+  </p:cSld>
+  <p:clrMapOvr>
+    <a:masterClrMapping/>
+  </p:clrMapOvr>
+</p:sld>
+</file>
+
+<file path=ppt/slides/slide7.xml><?xml version="1.0" encoding="utf-8"?>
+<p:sld xmlns:a="http://schemas.openxmlformats.org/drawingml/2006/main" xmlns:r="http://schemas.openxmlformats.org/officeDocument/2006/relationships" xmlns:p="http://schemas.openxmlformats.org/presentationml/2006/main">
+  <p:cSld>
+    <p:spTree>
+      <p:nvGrpSpPr>
+        <p:cNvPr id="1" name=""/>
+        <p:cNvGrpSpPr/>
+        <p:nvPr/>
+      </p:nvGrpSpPr>
+      <p:grpSpPr>
+        <a:xfrm>
+          <a:off x="0" y="0"/>
+          <a:ext cx="0" cy="0"/>
+          <a:chOff x="0" y="0"/>
+          <a:chExt cx="0" cy="0"/>
+        </a:xfrm>
+      </p:grpSpPr>
+      <p:sp>
+        <p:nvSpPr>
+          <p:cNvPr id="4" name="TextBox 3"/>
+          <p:cNvSpPr txBox="1"/>
+          <p:nvPr/>
+        </p:nvSpPr>
+        <p:spPr>
+          <a:xfrm>
+            <a:off x="368490" y="245660"/>
+            <a:ext cx="10235820" cy="4801314"/>
+          </a:xfrm>
+          <a:prstGeom prst="rect">
+            <a:avLst/>
+          </a:prstGeom>
+          <a:noFill/>
+        </p:spPr>
+        <p:txBody>
+          <a:bodyPr wrap="square" rtlCol="0">
+            <a:spAutoFit/>
+          </a:bodyPr>
+          <a:lstStyle/>
+          <a:p>
+            <a:r>
+              <a:rPr lang="en-GB" dirty="0" smtClean="0"/>
+              <a:t>Other issues…</a:t>
+            </a:r>
+          </a:p>
+          <a:p>
+            <a:endParaRPr lang="en-GB" dirty="0"/>
+          </a:p>
+          <a:p>
+            <a:pPr marL="285750" indent="-285750">
+              <a:buFont typeface="Arial" panose="020B0604020202020204" pitchFamily="34" charset="0"/>
+              <a:buChar char="•"/>
+            </a:pPr>
+            <a:r>
+              <a:rPr lang="en-GB" dirty="0" smtClean="0"/>
+              <a:t>I am using </a:t>
+            </a:r>
+            <a:r>
+              <a:rPr lang="en-GB" dirty="0" err="1" smtClean="0"/>
+              <a:t>glmer</a:t>
+            </a:r>
+            <a:r>
+              <a:rPr lang="en-GB" dirty="0" smtClean="0"/>
+              <a:t> (rather than </a:t>
+            </a:r>
+            <a:r>
+              <a:rPr lang="en-GB" dirty="0" err="1" smtClean="0"/>
+              <a:t>lmer</a:t>
+            </a:r>
+            <a:r>
+              <a:rPr lang="en-GB" dirty="0" smtClean="0"/>
+              <a:t>) because I am using a </a:t>
+            </a:r>
+            <a:r>
+              <a:rPr lang="en-GB" dirty="0" err="1" smtClean="0"/>
+              <a:t>poisson</a:t>
+            </a:r>
+            <a:r>
+              <a:rPr lang="en-GB" dirty="0" smtClean="0"/>
+              <a:t> distribution. This means I can’t use REML to rest RE structure which is what is advised. In the case of </a:t>
+            </a:r>
+            <a:r>
+              <a:rPr lang="en-GB" dirty="0" err="1" smtClean="0"/>
+              <a:t>glmer</a:t>
+            </a:r>
+            <a:r>
+              <a:rPr lang="en-GB" dirty="0" smtClean="0"/>
+              <a:t> do you just use ML?</a:t>
+            </a:r>
+          </a:p>
+          <a:p>
+            <a:pPr marL="285750" indent="-285750">
+              <a:buFont typeface="Arial" panose="020B0604020202020204" pitchFamily="34" charset="0"/>
+              <a:buChar char="•"/>
+            </a:pPr>
+            <a:endParaRPr lang="en-GB" dirty="0" smtClean="0"/>
+          </a:p>
+          <a:p>
+            <a:pPr marL="285750" indent="-285750">
+              <a:buFont typeface="Arial" panose="020B0604020202020204" pitchFamily="34" charset="0"/>
+              <a:buChar char="•"/>
+            </a:pPr>
+            <a:r>
+              <a:rPr lang="en-GB" dirty="0" smtClean="0"/>
+              <a:t>I don’t think fitting a maximal model is particularly useful for me to test RE structure because I have SO many fixed terms (model is taking hours to run, or throwing error).  Should I be deciding on a model “set” (e.g. separate models for demographics, access to services </a:t>
+            </a:r>
+            <a:r>
+              <a:rPr lang="en-GB" dirty="0" err="1" smtClean="0"/>
+              <a:t>etc</a:t>
+            </a:r>
+            <a:r>
+              <a:rPr lang="en-GB" dirty="0" smtClean="0"/>
+              <a:t> – see colours on the first slide) and then testing the RE structure within each of those using the maximal model for that particular set?  OR I could choose just one model, say, demographics, use that model to decide upon the RE structure, and then just use that structure for all subsequent model sets.</a:t>
+            </a:r>
+          </a:p>
+          <a:p>
+            <a:pPr marL="285750" indent="-285750">
+              <a:buFont typeface="Arial" panose="020B0604020202020204" pitchFamily="34" charset="0"/>
+              <a:buChar char="•"/>
+            </a:pPr>
+            <a:endParaRPr lang="en-GB" dirty="0"/>
+          </a:p>
+          <a:p>
+            <a:pPr marL="285750" indent="-285750">
+              <a:buFont typeface="Arial" panose="020B0604020202020204" pitchFamily="34" charset="0"/>
+              <a:buChar char="•"/>
+            </a:pPr>
+            <a:r>
+              <a:rPr lang="en-GB" dirty="0" smtClean="0"/>
+              <a:t>I am unsure of how to deal with year. I want to be able to see predictions of changes in forest cover over time, and therefore I think I want year as a continuous variable in the model as a fixed effect. But I also want the slopes of the other fixed effects to be able to vary by year. Jeroen mentioned that I should have year interacting with each of the fixed terms (e.g. </a:t>
+            </a:r>
+            <a:r>
+              <a:rPr lang="en-GB" dirty="0" err="1" smtClean="0"/>
+              <a:t>tot+pop</a:t>
+            </a:r>
+            <a:r>
+              <a:rPr lang="en-GB" dirty="0" smtClean="0"/>
+              <a:t>*year + </a:t>
+            </a:r>
+            <a:r>
+              <a:rPr lang="en-GB" dirty="0" err="1" smtClean="0"/>
+              <a:t>pop_den</a:t>
+            </a:r>
+            <a:r>
+              <a:rPr lang="en-GB" dirty="0" smtClean="0"/>
+              <a:t>*year </a:t>
+            </a:r>
+            <a:r>
+              <a:rPr lang="en-GB" dirty="0" err="1" smtClean="0"/>
+              <a:t>etc</a:t>
+            </a:r>
+            <a:r>
+              <a:rPr lang="en-GB" dirty="0" smtClean="0"/>
+              <a:t>), but couldn’t I also do (1+tot_pop|year) + (1+pop_den|year) etc.  Are they the same thing?</a:t>
+            </a:r>
+            <a:endParaRPr lang="en-GB" dirty="0"/>
+          </a:p>
+        </p:txBody>
+      </p:sp>
+    </p:spTree>
+    <p:extLst>
+      <p:ext uri="{BB962C8B-B14F-4D97-AF65-F5344CB8AC3E}">
+        <p14:creationId xmlns:p14="http://schemas.microsoft.com/office/powerpoint/2010/main" val="3658101746"/>
       </p:ext>
     </p:extLst>
   </p:cSld>
